--- a/GARobo.pptx
+++ b/GARobo.pptx
@@ -1,6 +1,6 @@
 
 <file path=ppt/presentation.xml><?xml version="1.0" encoding="utf-8"?>
-<p:presentation xmlns:a="http://schemas.openxmlformats.org/drawingml/2006/main" xmlns:r="http://schemas.openxmlformats.org/officeDocument/2006/relationships" xmlns:p="http://schemas.openxmlformats.org/presentationml/2006/main" saveSubsetFonts="1">
+<p:presentation xmlns:a="http://schemas.openxmlformats.org/drawingml/2006/main" xmlns:r="http://schemas.openxmlformats.org/officeDocument/2006/relationships" xmlns:p="http://schemas.openxmlformats.org/presentationml/2006/main" removePersonalInfoOnSave="1" saveSubsetFonts="1">
   <p:sldMasterIdLst>
     <p:sldMasterId id="2147483702" r:id="rId1"/>
   </p:sldMasterIdLst>

--- a/GARobo.pptx
+++ b/GARobo.pptx
@@ -2764,7 +2764,7 @@
           <a:p>
             <a:fld id="{B9D491F1-1515-40F3-A1CA-992B4F3A2426}" type="datetimeFigureOut">
               <a:rPr kumimoji="1" lang="ja-JP" altLang="en-US" smtClean="0"/>
-              <a:t>2019/3/23</a:t>
+              <a:t>2019/4/1</a:t>
             </a:fld>
             <a:endParaRPr kumimoji="1" lang="ja-JP" altLang="en-US"/>
           </a:p>
@@ -2994,7 +2994,7 @@
           <a:p>
             <a:fld id="{B9D491F1-1515-40F3-A1CA-992B4F3A2426}" type="datetimeFigureOut">
               <a:rPr kumimoji="1" lang="ja-JP" altLang="en-US" smtClean="0"/>
-              <a:t>2019/3/23</a:t>
+              <a:t>2019/4/1</a:t>
             </a:fld>
             <a:endParaRPr kumimoji="1" lang="ja-JP" altLang="en-US"/>
           </a:p>
@@ -3234,7 +3234,7 @@
           <a:p>
             <a:fld id="{B9D491F1-1515-40F3-A1CA-992B4F3A2426}" type="datetimeFigureOut">
               <a:rPr kumimoji="1" lang="ja-JP" altLang="en-US" smtClean="0"/>
-              <a:t>2019/3/23</a:t>
+              <a:t>2019/4/1</a:t>
             </a:fld>
             <a:endParaRPr kumimoji="1" lang="ja-JP" altLang="en-US"/>
           </a:p>
@@ -3464,7 +3464,7 @@
           <a:p>
             <a:fld id="{B9D491F1-1515-40F3-A1CA-992B4F3A2426}" type="datetimeFigureOut">
               <a:rPr kumimoji="1" lang="ja-JP" altLang="en-US" smtClean="0"/>
-              <a:t>2019/3/23</a:t>
+              <a:t>2019/4/1</a:t>
             </a:fld>
             <a:endParaRPr kumimoji="1" lang="ja-JP" altLang="en-US"/>
           </a:p>
@@ -3739,7 +3739,7 @@
           <a:p>
             <a:fld id="{B9D491F1-1515-40F3-A1CA-992B4F3A2426}" type="datetimeFigureOut">
               <a:rPr kumimoji="1" lang="ja-JP" altLang="en-US" smtClean="0"/>
-              <a:t>2019/3/23</a:t>
+              <a:t>2019/4/1</a:t>
             </a:fld>
             <a:endParaRPr kumimoji="1" lang="ja-JP" altLang="en-US"/>
           </a:p>
@@ -4068,7 +4068,7 @@
           <a:p>
             <a:fld id="{B9D491F1-1515-40F3-A1CA-992B4F3A2426}" type="datetimeFigureOut">
               <a:rPr kumimoji="1" lang="ja-JP" altLang="en-US" smtClean="0"/>
-              <a:t>2019/3/23</a:t>
+              <a:t>2019/4/1</a:t>
             </a:fld>
             <a:endParaRPr kumimoji="1" lang="ja-JP" altLang="en-US"/>
           </a:p>
@@ -4544,7 +4544,7 @@
           <a:p>
             <a:fld id="{B9D491F1-1515-40F3-A1CA-992B4F3A2426}" type="datetimeFigureOut">
               <a:rPr kumimoji="1" lang="ja-JP" altLang="en-US" smtClean="0"/>
-              <a:t>2019/3/23</a:t>
+              <a:t>2019/4/1</a:t>
             </a:fld>
             <a:endParaRPr kumimoji="1" lang="ja-JP" altLang="en-US"/>
           </a:p>
@@ -4685,7 +4685,7 @@
           <a:p>
             <a:fld id="{B9D491F1-1515-40F3-A1CA-992B4F3A2426}" type="datetimeFigureOut">
               <a:rPr kumimoji="1" lang="ja-JP" altLang="en-US" smtClean="0"/>
-              <a:t>2019/3/23</a:t>
+              <a:t>2019/4/1</a:t>
             </a:fld>
             <a:endParaRPr kumimoji="1" lang="ja-JP" altLang="en-US"/>
           </a:p>
@@ -4798,7 +4798,7 @@
           <a:p>
             <a:fld id="{B9D491F1-1515-40F3-A1CA-992B4F3A2426}" type="datetimeFigureOut">
               <a:rPr kumimoji="1" lang="ja-JP" altLang="en-US" smtClean="0"/>
-              <a:t>2019/3/23</a:t>
+              <a:t>2019/4/1</a:t>
             </a:fld>
             <a:endParaRPr kumimoji="1" lang="ja-JP" altLang="en-US"/>
           </a:p>
@@ -5141,7 +5141,7 @@
           <a:p>
             <a:fld id="{B9D491F1-1515-40F3-A1CA-992B4F3A2426}" type="datetimeFigureOut">
               <a:rPr kumimoji="1" lang="ja-JP" altLang="en-US" smtClean="0"/>
-              <a:t>2019/3/23</a:t>
+              <a:t>2019/4/1</a:t>
             </a:fld>
             <a:endParaRPr kumimoji="1" lang="ja-JP" altLang="en-US"/>
           </a:p>
@@ -5429,7 +5429,7 @@
           <a:p>
             <a:fld id="{B9D491F1-1515-40F3-A1CA-992B4F3A2426}" type="datetimeFigureOut">
               <a:rPr kumimoji="1" lang="ja-JP" altLang="en-US" smtClean="0"/>
-              <a:t>2019/3/23</a:t>
+              <a:t>2019/4/1</a:t>
             </a:fld>
             <a:endParaRPr kumimoji="1" lang="ja-JP" altLang="en-US"/>
           </a:p>
@@ -5702,7 +5702,7 @@
           <a:p>
             <a:fld id="{B9D491F1-1515-40F3-A1CA-992B4F3A2426}" type="datetimeFigureOut">
               <a:rPr kumimoji="1" lang="ja-JP" altLang="en-US" smtClean="0"/>
-              <a:t>2019/3/23</a:t>
+              <a:t>2019/4/1</a:t>
             </a:fld>
             <a:endParaRPr kumimoji="1" lang="ja-JP" altLang="en-US"/>
           </a:p>
@@ -6237,10 +6237,14 @@
           <a:lstStyle/>
           <a:p>
             <a:r>
-              <a:rPr lang="ja-JP" altLang="en-US"/>
-              <a:t>制作者氏名</a:t>
-            </a:r>
-            <a:endParaRPr kumimoji="1" lang="ja-JP" altLang="en-US" dirty="0"/>
+              <a:rPr kumimoji="1" lang="ja-JP" altLang="en-US" dirty="0"/>
+              <a:t>内村　</a:t>
+            </a:r>
+            <a:r>
+              <a:rPr kumimoji="1" lang="ja-JP" altLang="en-US"/>
+              <a:t>圭佑</a:t>
+            </a:r>
+            <a:endParaRPr kumimoji="1" lang="en-US" altLang="ja-JP"/>
           </a:p>
         </p:txBody>
       </p:sp>

--- a/GARobo.pptx
+++ b/GARobo.pptx
@@ -8,15 +8,16 @@
     <p:sldId id="256" r:id="rId2"/>
     <p:sldId id="257" r:id="rId3"/>
     <p:sldId id="259" r:id="rId4"/>
-    <p:sldId id="260" r:id="rId5"/>
-    <p:sldId id="261" r:id="rId6"/>
-    <p:sldId id="262" r:id="rId7"/>
-    <p:sldId id="263" r:id="rId8"/>
-    <p:sldId id="266" r:id="rId9"/>
-    <p:sldId id="258" r:id="rId10"/>
-    <p:sldId id="264" r:id="rId11"/>
-    <p:sldId id="267" r:id="rId12"/>
-    <p:sldId id="265" r:id="rId13"/>
+    <p:sldId id="268" r:id="rId5"/>
+    <p:sldId id="260" r:id="rId6"/>
+    <p:sldId id="261" r:id="rId7"/>
+    <p:sldId id="262" r:id="rId8"/>
+    <p:sldId id="263" r:id="rId9"/>
+    <p:sldId id="266" r:id="rId10"/>
+    <p:sldId id="258" r:id="rId11"/>
+    <p:sldId id="264" r:id="rId12"/>
+    <p:sldId id="267" r:id="rId13"/>
+    <p:sldId id="265" r:id="rId14"/>
   </p:sldIdLst>
   <p:sldSz cx="12192000" cy="6858000"/>
   <p:notesSz cx="6858000" cy="9144000"/>
@@ -121,6 +122,12 @@
     </p:ext>
   </p:extLst>
 </p:presentation>
+</file>
+
+<file path=ppt/commentAuthors.xml><?xml version="1.0" encoding="utf-8"?>
+<p:cmAuthorLst xmlns:a="http://schemas.openxmlformats.org/drawingml/2006/main" xmlns:r="http://schemas.openxmlformats.org/officeDocument/2006/relationships" xmlns:p="http://schemas.openxmlformats.org/presentationml/2006/main">
+  <p:cmAuthor id="2" name="作成者" initials="A" lastIdx="0" clrIdx="1"/>
+</p:cmAuthorLst>
 </file>
 
 <file path=ppt/charts/chart1.xml><?xml version="1.0" encoding="utf-8"?>
@@ -619,373 +626,373 @@
                 <c:formatCode>General</c:formatCode>
                 <c:ptCount val="123"/>
                 <c:pt idx="0">
+                  <c:v>0</c:v>
+                </c:pt>
+                <c:pt idx="1">
                   <c:v>1</c:v>
                 </c:pt>
-                <c:pt idx="1">
+                <c:pt idx="2">
                   <c:v>2</c:v>
                 </c:pt>
-                <c:pt idx="2">
+                <c:pt idx="3">
                   <c:v>3</c:v>
                 </c:pt>
-                <c:pt idx="3">
+                <c:pt idx="4">
                   <c:v>4</c:v>
                 </c:pt>
-                <c:pt idx="4">
+                <c:pt idx="5">
                   <c:v>5</c:v>
                 </c:pt>
-                <c:pt idx="5">
+                <c:pt idx="6">
                   <c:v>6</c:v>
                 </c:pt>
-                <c:pt idx="6">
+                <c:pt idx="7">
                   <c:v>7</c:v>
                 </c:pt>
-                <c:pt idx="7">
+                <c:pt idx="8">
                   <c:v>8</c:v>
                 </c:pt>
-                <c:pt idx="8">
+                <c:pt idx="9">
                   <c:v>9</c:v>
                 </c:pt>
-                <c:pt idx="9">
+                <c:pt idx="10">
                   <c:v>10</c:v>
                 </c:pt>
-                <c:pt idx="10">
+                <c:pt idx="11">
                   <c:v>11</c:v>
                 </c:pt>
-                <c:pt idx="11">
+                <c:pt idx="12">
                   <c:v>12</c:v>
                 </c:pt>
-                <c:pt idx="12">
+                <c:pt idx="13">
                   <c:v>13</c:v>
                 </c:pt>
-                <c:pt idx="13">
+                <c:pt idx="14">
                   <c:v>14</c:v>
                 </c:pt>
-                <c:pt idx="14">
+                <c:pt idx="15">
                   <c:v>15</c:v>
                 </c:pt>
-                <c:pt idx="15">
+                <c:pt idx="16">
                   <c:v>16</c:v>
                 </c:pt>
-                <c:pt idx="16">
+                <c:pt idx="17">
                   <c:v>17</c:v>
                 </c:pt>
-                <c:pt idx="17">
+                <c:pt idx="18">
                   <c:v>18</c:v>
                 </c:pt>
-                <c:pt idx="18">
+                <c:pt idx="19">
                   <c:v>19</c:v>
                 </c:pt>
-                <c:pt idx="19">
+                <c:pt idx="20">
                   <c:v>20</c:v>
                 </c:pt>
-                <c:pt idx="20">
+                <c:pt idx="21">
                   <c:v>21</c:v>
                 </c:pt>
-                <c:pt idx="21">
+                <c:pt idx="22">
                   <c:v>22</c:v>
                 </c:pt>
-                <c:pt idx="22">
+                <c:pt idx="23">
                   <c:v>23</c:v>
                 </c:pt>
-                <c:pt idx="23">
+                <c:pt idx="24">
                   <c:v>24</c:v>
                 </c:pt>
-                <c:pt idx="24">
+                <c:pt idx="25">
                   <c:v>25</c:v>
                 </c:pt>
-                <c:pt idx="25">
+                <c:pt idx="26">
                   <c:v>26</c:v>
                 </c:pt>
-                <c:pt idx="26">
+                <c:pt idx="27">
                   <c:v>27</c:v>
                 </c:pt>
-                <c:pt idx="27">
+                <c:pt idx="28">
                   <c:v>28</c:v>
                 </c:pt>
-                <c:pt idx="28">
+                <c:pt idx="29">
                   <c:v>29</c:v>
                 </c:pt>
-                <c:pt idx="29">
+                <c:pt idx="30">
                   <c:v>30</c:v>
                 </c:pt>
-                <c:pt idx="30">
+                <c:pt idx="31">
                   <c:v>31</c:v>
                 </c:pt>
-                <c:pt idx="31">
+                <c:pt idx="32">
                   <c:v>32</c:v>
                 </c:pt>
-                <c:pt idx="32">
+                <c:pt idx="33">
                   <c:v>33</c:v>
                 </c:pt>
-                <c:pt idx="33">
+                <c:pt idx="34">
                   <c:v>34</c:v>
                 </c:pt>
-                <c:pt idx="34">
+                <c:pt idx="35">
                   <c:v>35</c:v>
                 </c:pt>
-                <c:pt idx="35">
+                <c:pt idx="36">
                   <c:v>36</c:v>
                 </c:pt>
-                <c:pt idx="36">
+                <c:pt idx="37">
                   <c:v>37</c:v>
                 </c:pt>
-                <c:pt idx="37">
+                <c:pt idx="38">
                   <c:v>38</c:v>
                 </c:pt>
-                <c:pt idx="38">
+                <c:pt idx="39">
                   <c:v>39</c:v>
                 </c:pt>
-                <c:pt idx="39">
+                <c:pt idx="40">
                   <c:v>40</c:v>
                 </c:pt>
-                <c:pt idx="40">
+                <c:pt idx="41">
                   <c:v>41</c:v>
                 </c:pt>
-                <c:pt idx="41">
+                <c:pt idx="42">
                   <c:v>42</c:v>
                 </c:pt>
-                <c:pt idx="42">
+                <c:pt idx="43">
                   <c:v>43</c:v>
                 </c:pt>
-                <c:pt idx="43">
+                <c:pt idx="44">
                   <c:v>44</c:v>
                 </c:pt>
-                <c:pt idx="44">
+                <c:pt idx="45">
                   <c:v>45</c:v>
                 </c:pt>
-                <c:pt idx="45">
+                <c:pt idx="46">
                   <c:v>46</c:v>
                 </c:pt>
-                <c:pt idx="46">
+                <c:pt idx="47">
                   <c:v>47</c:v>
                 </c:pt>
-                <c:pt idx="47">
+                <c:pt idx="48">
                   <c:v>48</c:v>
                 </c:pt>
-                <c:pt idx="48">
+                <c:pt idx="49">
                   <c:v>49</c:v>
                 </c:pt>
-                <c:pt idx="49">
+                <c:pt idx="50">
                   <c:v>50</c:v>
                 </c:pt>
-                <c:pt idx="50">
+                <c:pt idx="51">
                   <c:v>51</c:v>
                 </c:pt>
-                <c:pt idx="51">
+                <c:pt idx="52">
                   <c:v>52</c:v>
                 </c:pt>
-                <c:pt idx="52">
+                <c:pt idx="53">
                   <c:v>53</c:v>
                 </c:pt>
-                <c:pt idx="53">
+                <c:pt idx="54">
                   <c:v>54</c:v>
                 </c:pt>
-                <c:pt idx="54">
+                <c:pt idx="55">
                   <c:v>55</c:v>
                 </c:pt>
-                <c:pt idx="55">
+                <c:pt idx="56">
                   <c:v>56</c:v>
                 </c:pt>
-                <c:pt idx="56">
+                <c:pt idx="57">
                   <c:v>57</c:v>
                 </c:pt>
-                <c:pt idx="57">
+                <c:pt idx="58">
                   <c:v>58</c:v>
                 </c:pt>
-                <c:pt idx="58">
+                <c:pt idx="59">
                   <c:v>59</c:v>
                 </c:pt>
-                <c:pt idx="59">
+                <c:pt idx="60">
                   <c:v>60</c:v>
                 </c:pt>
-                <c:pt idx="60">
+                <c:pt idx="61">
                   <c:v>61</c:v>
                 </c:pt>
-                <c:pt idx="61">
+                <c:pt idx="62">
                   <c:v>62</c:v>
                 </c:pt>
-                <c:pt idx="62">
+                <c:pt idx="63">
                   <c:v>63</c:v>
                 </c:pt>
-                <c:pt idx="63">
+                <c:pt idx="64">
                   <c:v>64</c:v>
                 </c:pt>
-                <c:pt idx="64">
+                <c:pt idx="65">
                   <c:v>65</c:v>
                 </c:pt>
-                <c:pt idx="65">
+                <c:pt idx="66">
                   <c:v>66</c:v>
                 </c:pt>
-                <c:pt idx="66">
+                <c:pt idx="67">
                   <c:v>67</c:v>
                 </c:pt>
-                <c:pt idx="67">
+                <c:pt idx="68">
                   <c:v>68</c:v>
                 </c:pt>
-                <c:pt idx="68">
+                <c:pt idx="69">
                   <c:v>69</c:v>
                 </c:pt>
-                <c:pt idx="69">
+                <c:pt idx="70">
                   <c:v>70</c:v>
                 </c:pt>
-                <c:pt idx="70">
+                <c:pt idx="71">
                   <c:v>71</c:v>
                 </c:pt>
-                <c:pt idx="71">
+                <c:pt idx="72">
                   <c:v>72</c:v>
                 </c:pt>
-                <c:pt idx="72">
+                <c:pt idx="73">
                   <c:v>73</c:v>
                 </c:pt>
-                <c:pt idx="73">
+                <c:pt idx="74">
                   <c:v>74</c:v>
                 </c:pt>
-                <c:pt idx="74">
+                <c:pt idx="75">
                   <c:v>75</c:v>
                 </c:pt>
-                <c:pt idx="75">
+                <c:pt idx="76">
                   <c:v>76</c:v>
                 </c:pt>
-                <c:pt idx="76">
+                <c:pt idx="77">
                   <c:v>77</c:v>
                 </c:pt>
-                <c:pt idx="77">
+                <c:pt idx="78">
                   <c:v>78</c:v>
                 </c:pt>
-                <c:pt idx="78">
+                <c:pt idx="79">
                   <c:v>79</c:v>
                 </c:pt>
-                <c:pt idx="79">
+                <c:pt idx="80">
                   <c:v>80</c:v>
                 </c:pt>
-                <c:pt idx="80">
+                <c:pt idx="81">
                   <c:v>81</c:v>
                 </c:pt>
-                <c:pt idx="81">
+                <c:pt idx="82">
                   <c:v>82</c:v>
                 </c:pt>
-                <c:pt idx="82">
+                <c:pt idx="83">
                   <c:v>83</c:v>
                 </c:pt>
-                <c:pt idx="83">
+                <c:pt idx="84">
                   <c:v>84</c:v>
                 </c:pt>
-                <c:pt idx="84">
+                <c:pt idx="85">
                   <c:v>85</c:v>
                 </c:pt>
-                <c:pt idx="85">
+                <c:pt idx="86">
                   <c:v>86</c:v>
                 </c:pt>
-                <c:pt idx="86">
+                <c:pt idx="87">
                   <c:v>87</c:v>
                 </c:pt>
-                <c:pt idx="87">
+                <c:pt idx="88">
                   <c:v>88</c:v>
                 </c:pt>
-                <c:pt idx="88">
+                <c:pt idx="89">
                   <c:v>89</c:v>
                 </c:pt>
-                <c:pt idx="89">
+                <c:pt idx="90">
                   <c:v>90</c:v>
                 </c:pt>
-                <c:pt idx="90">
+                <c:pt idx="91">
                   <c:v>91</c:v>
                 </c:pt>
-                <c:pt idx="91">
+                <c:pt idx="92">
                   <c:v>92</c:v>
                 </c:pt>
-                <c:pt idx="92">
+                <c:pt idx="93">
                   <c:v>93</c:v>
                 </c:pt>
-                <c:pt idx="93">
+                <c:pt idx="94">
                   <c:v>94</c:v>
                 </c:pt>
-                <c:pt idx="94">
+                <c:pt idx="95">
                   <c:v>95</c:v>
                 </c:pt>
-                <c:pt idx="95">
+                <c:pt idx="96">
                   <c:v>96</c:v>
                 </c:pt>
-                <c:pt idx="96">
+                <c:pt idx="97">
                   <c:v>97</c:v>
                 </c:pt>
-                <c:pt idx="97">
+                <c:pt idx="98">
                   <c:v>98</c:v>
                 </c:pt>
-                <c:pt idx="98">
+                <c:pt idx="99">
                   <c:v>99</c:v>
                 </c:pt>
-                <c:pt idx="99">
+                <c:pt idx="100">
                   <c:v>100</c:v>
                 </c:pt>
-                <c:pt idx="100">
+                <c:pt idx="101">
                   <c:v>101</c:v>
                 </c:pt>
-                <c:pt idx="101">
+                <c:pt idx="102">
                   <c:v>102</c:v>
                 </c:pt>
-                <c:pt idx="102">
+                <c:pt idx="103">
                   <c:v>103</c:v>
                 </c:pt>
-                <c:pt idx="103">
+                <c:pt idx="104">
                   <c:v>104</c:v>
                 </c:pt>
-                <c:pt idx="104">
+                <c:pt idx="105">
                   <c:v>105</c:v>
                 </c:pt>
-                <c:pt idx="105">
+                <c:pt idx="106">
                   <c:v>106</c:v>
                 </c:pt>
-                <c:pt idx="106">
+                <c:pt idx="107">
                   <c:v>107</c:v>
                 </c:pt>
-                <c:pt idx="107">
+                <c:pt idx="108">
                   <c:v>108</c:v>
                 </c:pt>
-                <c:pt idx="108">
+                <c:pt idx="109">
                   <c:v>109</c:v>
                 </c:pt>
-                <c:pt idx="109">
+                <c:pt idx="110">
                   <c:v>110</c:v>
                 </c:pt>
-                <c:pt idx="110">
+                <c:pt idx="111">
                   <c:v>111</c:v>
                 </c:pt>
-                <c:pt idx="111">
+                <c:pt idx="112">
                   <c:v>112</c:v>
                 </c:pt>
-                <c:pt idx="112">
+                <c:pt idx="113">
                   <c:v>113</c:v>
                 </c:pt>
-                <c:pt idx="113">
+                <c:pt idx="114">
                   <c:v>114</c:v>
                 </c:pt>
-                <c:pt idx="114">
+                <c:pt idx="115">
                   <c:v>115</c:v>
                 </c:pt>
-                <c:pt idx="115">
+                <c:pt idx="116">
                   <c:v>116</c:v>
                 </c:pt>
-                <c:pt idx="116">
+                <c:pt idx="117">
                   <c:v>117</c:v>
                 </c:pt>
-                <c:pt idx="117">
+                <c:pt idx="118">
                   <c:v>118</c:v>
                 </c:pt>
-                <c:pt idx="118">
+                <c:pt idx="119">
                   <c:v>119</c:v>
                 </c:pt>
-                <c:pt idx="119">
+                <c:pt idx="120">
                   <c:v>120</c:v>
                 </c:pt>
-                <c:pt idx="120">
+                <c:pt idx="121">
                   <c:v>121</c:v>
                 </c:pt>
-                <c:pt idx="121">
+                <c:pt idx="122">
                   <c:v>122</c:v>
-                </c:pt>
-                <c:pt idx="122">
-                  <c:v>123</c:v>
                 </c:pt>
               </c:numCache>
             </c:numRef>
@@ -1392,7 +1399,7 @@
         <c:scaling>
           <c:orientation val="minMax"/>
         </c:scaling>
-        <c:delete val="1"/>
+        <c:delete val="0"/>
         <c:axPos val="b"/>
         <c:majorGridlines>
           <c:spPr>
@@ -1412,11 +1419,45 @@
         <c:majorTickMark val="out"/>
         <c:minorTickMark val="none"/>
         <c:tickLblPos val="nextTo"/>
+        <c:spPr>
+          <a:noFill/>
+          <a:ln w="9525" cap="flat" cmpd="sng" algn="ctr">
+            <a:solidFill>
+              <a:schemeClr val="tx1">
+                <a:lumMod val="15000"/>
+                <a:lumOff val="85000"/>
+              </a:schemeClr>
+            </a:solidFill>
+            <a:round/>
+          </a:ln>
+          <a:effectLst/>
+        </c:spPr>
+        <c:txPr>
+          <a:bodyPr rot="-60000000" spcFirstLastPara="1" vertOverflow="ellipsis" vert="horz" wrap="square" anchor="ctr" anchorCtr="1"/>
+          <a:lstStyle/>
+          <a:p>
+            <a:pPr>
+              <a:defRPr sz="1197" b="0" i="0" u="none" strike="noStrike" kern="1200" baseline="0">
+                <a:solidFill>
+                  <a:schemeClr val="tx1">
+                    <a:lumMod val="65000"/>
+                    <a:lumOff val="35000"/>
+                  </a:schemeClr>
+                </a:solidFill>
+                <a:latin typeface="+mn-lt"/>
+                <a:ea typeface="+mn-ea"/>
+                <a:cs typeface="+mn-cs"/>
+              </a:defRPr>
+            </a:pPr>
+            <a:endParaRPr lang="ja-JP"/>
+          </a:p>
+        </c:txPr>
         <c:crossAx val="391525704"/>
         <c:crosses val="autoZero"/>
         <c:auto val="0"/>
         <c:lblAlgn val="ctr"/>
         <c:lblOffset val="100"/>
+        <c:tickLblSkip val="20"/>
         <c:tickMarkSkip val="20"/>
         <c:noMultiLvlLbl val="0"/>
       </c:catAx>
@@ -2764,7 +2805,7 @@
           <a:p>
             <a:fld id="{B9D491F1-1515-40F3-A1CA-992B4F3A2426}" type="datetimeFigureOut">
               <a:rPr kumimoji="1" lang="ja-JP" altLang="en-US" smtClean="0"/>
-              <a:t>2019/4/1</a:t>
+              <a:t>2019/5/27</a:t>
             </a:fld>
             <a:endParaRPr kumimoji="1" lang="ja-JP" altLang="en-US"/>
           </a:p>
@@ -2994,7 +3035,7 @@
           <a:p>
             <a:fld id="{B9D491F1-1515-40F3-A1CA-992B4F3A2426}" type="datetimeFigureOut">
               <a:rPr kumimoji="1" lang="ja-JP" altLang="en-US" smtClean="0"/>
-              <a:t>2019/4/1</a:t>
+              <a:t>2019/5/27</a:t>
             </a:fld>
             <a:endParaRPr kumimoji="1" lang="ja-JP" altLang="en-US"/>
           </a:p>
@@ -3234,7 +3275,7 @@
           <a:p>
             <a:fld id="{B9D491F1-1515-40F3-A1CA-992B4F3A2426}" type="datetimeFigureOut">
               <a:rPr kumimoji="1" lang="ja-JP" altLang="en-US" smtClean="0"/>
-              <a:t>2019/4/1</a:t>
+              <a:t>2019/5/27</a:t>
             </a:fld>
             <a:endParaRPr kumimoji="1" lang="ja-JP" altLang="en-US"/>
           </a:p>
@@ -3464,7 +3505,7 @@
           <a:p>
             <a:fld id="{B9D491F1-1515-40F3-A1CA-992B4F3A2426}" type="datetimeFigureOut">
               <a:rPr kumimoji="1" lang="ja-JP" altLang="en-US" smtClean="0"/>
-              <a:t>2019/4/1</a:t>
+              <a:t>2019/5/27</a:t>
             </a:fld>
             <a:endParaRPr kumimoji="1" lang="ja-JP" altLang="en-US"/>
           </a:p>
@@ -3739,7 +3780,7 @@
           <a:p>
             <a:fld id="{B9D491F1-1515-40F3-A1CA-992B4F3A2426}" type="datetimeFigureOut">
               <a:rPr kumimoji="1" lang="ja-JP" altLang="en-US" smtClean="0"/>
-              <a:t>2019/4/1</a:t>
+              <a:t>2019/5/27</a:t>
             </a:fld>
             <a:endParaRPr kumimoji="1" lang="ja-JP" altLang="en-US"/>
           </a:p>
@@ -4068,7 +4109,7 @@
           <a:p>
             <a:fld id="{B9D491F1-1515-40F3-A1CA-992B4F3A2426}" type="datetimeFigureOut">
               <a:rPr kumimoji="1" lang="ja-JP" altLang="en-US" smtClean="0"/>
-              <a:t>2019/4/1</a:t>
+              <a:t>2019/5/27</a:t>
             </a:fld>
             <a:endParaRPr kumimoji="1" lang="ja-JP" altLang="en-US"/>
           </a:p>
@@ -4544,7 +4585,7 @@
           <a:p>
             <a:fld id="{B9D491F1-1515-40F3-A1CA-992B4F3A2426}" type="datetimeFigureOut">
               <a:rPr kumimoji="1" lang="ja-JP" altLang="en-US" smtClean="0"/>
-              <a:t>2019/4/1</a:t>
+              <a:t>2019/5/27</a:t>
             </a:fld>
             <a:endParaRPr kumimoji="1" lang="ja-JP" altLang="en-US"/>
           </a:p>
@@ -4685,7 +4726,7 @@
           <a:p>
             <a:fld id="{B9D491F1-1515-40F3-A1CA-992B4F3A2426}" type="datetimeFigureOut">
               <a:rPr kumimoji="1" lang="ja-JP" altLang="en-US" smtClean="0"/>
-              <a:t>2019/4/1</a:t>
+              <a:t>2019/5/27</a:t>
             </a:fld>
             <a:endParaRPr kumimoji="1" lang="ja-JP" altLang="en-US"/>
           </a:p>
@@ -4798,7 +4839,7 @@
           <a:p>
             <a:fld id="{B9D491F1-1515-40F3-A1CA-992B4F3A2426}" type="datetimeFigureOut">
               <a:rPr kumimoji="1" lang="ja-JP" altLang="en-US" smtClean="0"/>
-              <a:t>2019/4/1</a:t>
+              <a:t>2019/5/27</a:t>
             </a:fld>
             <a:endParaRPr kumimoji="1" lang="ja-JP" altLang="en-US"/>
           </a:p>
@@ -5141,7 +5182,7 @@
           <a:p>
             <a:fld id="{B9D491F1-1515-40F3-A1CA-992B4F3A2426}" type="datetimeFigureOut">
               <a:rPr kumimoji="1" lang="ja-JP" altLang="en-US" smtClean="0"/>
-              <a:t>2019/4/1</a:t>
+              <a:t>2019/5/27</a:t>
             </a:fld>
             <a:endParaRPr kumimoji="1" lang="ja-JP" altLang="en-US"/>
           </a:p>
@@ -5429,7 +5470,7 @@
           <a:p>
             <a:fld id="{B9D491F1-1515-40F3-A1CA-992B4F3A2426}" type="datetimeFigureOut">
               <a:rPr kumimoji="1" lang="ja-JP" altLang="en-US" smtClean="0"/>
-              <a:t>2019/4/1</a:t>
+              <a:t>2019/5/27</a:t>
             </a:fld>
             <a:endParaRPr kumimoji="1" lang="ja-JP" altLang="en-US"/>
           </a:p>
@@ -5702,7 +5743,7 @@
           <a:p>
             <a:fld id="{B9D491F1-1515-40F3-A1CA-992B4F3A2426}" type="datetimeFigureOut">
               <a:rPr kumimoji="1" lang="ja-JP" altLang="en-US" smtClean="0"/>
-              <a:t>2019/4/1</a:t>
+              <a:t>2019/5/27</a:t>
             </a:fld>
             <a:endParaRPr kumimoji="1" lang="ja-JP" altLang="en-US"/>
           </a:p>
@@ -6308,141 +6349,48 @@
           <a:p>
             <a:pPr algn="ctr"/>
             <a:r>
-              <a:rPr kumimoji="1" lang="ja-JP" altLang="en-US" sz="6000" dirty="0"/>
-              <a:t>デモ</a:t>
-            </a:r>
-          </a:p>
-        </p:txBody>
-      </p:sp>
-      <p:sp>
-        <p:nvSpPr>
-          <p:cNvPr id="3" name="コンテンツ プレースホルダー 2">
-            <a:extLst>
-              <a:ext uri="{FF2B5EF4-FFF2-40B4-BE49-F238E27FC236}">
-                <a16:creationId xmlns:a16="http://schemas.microsoft.com/office/drawing/2014/main" id="{AAD208B0-04EC-4244-AB9A-870D916503AE}"/>
-              </a:ext>
-            </a:extLst>
-          </p:cNvPr>
-          <p:cNvSpPr>
-            <a:spLocks noGrp="1"/>
-          </p:cNvSpPr>
+              <a:rPr lang="ja-JP" altLang="en-US" sz="6000"/>
+              <a:t>結果例</a:t>
+            </a:r>
+            <a:endParaRPr kumimoji="1" lang="ja-JP" altLang="en-US" sz="6000" dirty="0"/>
+          </a:p>
+        </p:txBody>
+      </p:sp>
+      <p:graphicFrame>
+        <p:nvGraphicFramePr>
+          <p:cNvPr id="6" name="コンテンツ プレースホルダー 5">
+            <a:extLst>
+              <a:ext uri="{FF2B5EF4-FFF2-40B4-BE49-F238E27FC236}">
+                <a16:creationId xmlns:a16="http://schemas.microsoft.com/office/drawing/2014/main" id="{602B0797-A5D2-4D6A-B6DF-77D4D5E02570}"/>
+              </a:ext>
+            </a:extLst>
+          </p:cNvPr>
+          <p:cNvGraphicFramePr>
+            <a:graphicFrameLocks noGrp="1"/>
+          </p:cNvGraphicFramePr>
           <p:nvPr>
             <p:ph idx="1"/>
+            <p:extLst>
+              <p:ext uri="{D42A27DB-BD31-4B8C-83A1-F6EECF244321}">
+                <p14:modId xmlns:p14="http://schemas.microsoft.com/office/powerpoint/2010/main" val="1104403806"/>
+              </p:ext>
+            </p:extLst>
           </p:nvPr>
-        </p:nvSpPr>
-        <p:spPr>
-          <a:xfrm>
-            <a:off x="1097280" y="1532238"/>
-            <a:ext cx="10058400" cy="5039159"/>
-          </a:xfrm>
-        </p:spPr>
-        <p:txBody>
-          <a:bodyPr>
-            <a:normAutofit/>
-          </a:bodyPr>
-          <a:lstStyle/>
-          <a:p>
-            <a:pPr marL="0" indent="0">
-              <a:buNone/>
-            </a:pPr>
-            <a:r>
-              <a:rPr kumimoji="1" lang="ja-JP" altLang="en-US" sz="3200" dirty="0"/>
-              <a:t>工夫点</a:t>
-            </a:r>
-            <a:endParaRPr kumimoji="1" lang="en-US" altLang="ja-JP" sz="3200" dirty="0"/>
-          </a:p>
-          <a:p>
-            <a:pPr marL="0" indent="0">
-              <a:buNone/>
-            </a:pPr>
-            <a:r>
-              <a:rPr lang="ja-JP" altLang="en-US" sz="3200" dirty="0"/>
-              <a:t>ハイパーパラメータを簡単に変えられるように設計</a:t>
-            </a:r>
-            <a:endParaRPr lang="en-US" altLang="ja-JP" sz="3200" dirty="0"/>
-          </a:p>
-          <a:p>
-            <a:pPr marL="0" indent="0">
-              <a:buNone/>
-            </a:pPr>
-            <a:endParaRPr lang="en-US" altLang="ja-JP" sz="3200" dirty="0"/>
-          </a:p>
-          <a:p>
-            <a:pPr marL="0" indent="0">
-              <a:buNone/>
-            </a:pPr>
-            <a:r>
-              <a:rPr lang="en-US" altLang="ja-JP" sz="3200" dirty="0"/>
-              <a:t>Unity</a:t>
-            </a:r>
-            <a:r>
-              <a:rPr lang="ja-JP" altLang="en-US" sz="3200" dirty="0" err="1"/>
-              <a:t>での</a:t>
-            </a:r>
-            <a:r>
-              <a:rPr lang="ja-JP" altLang="en-US" sz="3200" dirty="0"/>
-              <a:t>実装によるメリット</a:t>
-            </a:r>
-            <a:endParaRPr lang="en-US" altLang="ja-JP" sz="3200" dirty="0"/>
-          </a:p>
-          <a:p>
-            <a:pPr marL="0" indent="0">
-              <a:buNone/>
-            </a:pPr>
-            <a:r>
-              <a:rPr lang="ja-JP" altLang="en-US" sz="3200" dirty="0"/>
-              <a:t>実験機体はプレハブを調整することで変更できる</a:t>
-            </a:r>
-            <a:endParaRPr lang="en-US" altLang="ja-JP" sz="3200" dirty="0"/>
-          </a:p>
-          <a:p>
-            <a:pPr marL="0" indent="0">
-              <a:buNone/>
-            </a:pPr>
-            <a:r>
-              <a:rPr lang="ja-JP" altLang="en-US" sz="3200" dirty="0"/>
-              <a:t>環境も変えられる</a:t>
-            </a:r>
-            <a:endParaRPr lang="en-US" altLang="ja-JP" sz="3200" dirty="0"/>
-          </a:p>
-          <a:p>
-            <a:pPr marL="0" indent="0">
-              <a:buNone/>
-            </a:pPr>
-            <a:r>
-              <a:rPr lang="ja-JP" altLang="en-US" sz="3200" dirty="0"/>
-              <a:t>床を傾けて「坂を登るロボット」</a:t>
-            </a:r>
-            <a:endParaRPr lang="en-US" altLang="ja-JP" sz="3200" dirty="0"/>
-          </a:p>
-          <a:p>
-            <a:pPr marL="0" indent="0">
-              <a:buNone/>
-            </a:pPr>
-            <a:r>
-              <a:rPr lang="ja-JP" altLang="en-US" sz="3200" dirty="0"/>
-              <a:t>障害物を置いて「悪路を踏破するロボット」</a:t>
-            </a:r>
-            <a:endParaRPr lang="en-US" altLang="ja-JP" sz="3200" dirty="0"/>
-          </a:p>
-          <a:p>
-            <a:pPr marL="0" indent="0">
-              <a:buNone/>
-            </a:pPr>
-            <a:endParaRPr kumimoji="1" lang="en-US" altLang="ja-JP" sz="3200" dirty="0"/>
-          </a:p>
-          <a:p>
-            <a:pPr marL="0" indent="0">
-              <a:buNone/>
-            </a:pPr>
-            <a:endParaRPr kumimoji="1" lang="ja-JP" altLang="en-US" sz="3200" dirty="0"/>
-          </a:p>
-        </p:txBody>
-      </p:sp>
+        </p:nvGraphicFramePr>
+        <p:xfrm>
+          <a:off x="1096963" y="1531938"/>
+          <a:ext cx="10058400" cy="5038725"/>
+        </p:xfrm>
+        <a:graphic>
+          <a:graphicData uri="http://schemas.openxmlformats.org/drawingml/2006/chart">
+            <c:chart xmlns:c="http://schemas.openxmlformats.org/drawingml/2006/chart" xmlns:r="http://schemas.openxmlformats.org/officeDocument/2006/relationships" r:id="rId2"/>
+          </a:graphicData>
+        </a:graphic>
+      </p:graphicFrame>
     </p:spTree>
     <p:extLst>
       <p:ext uri="{BB962C8B-B14F-4D97-AF65-F5344CB8AC3E}">
-        <p14:creationId xmlns:p14="http://schemas.microsoft.com/office/powerpoint/2010/main" val="2701810837"/>
+        <p14:creationId xmlns:p14="http://schemas.microsoft.com/office/powerpoint/2010/main" val="1060605462"/>
       </p:ext>
     </p:extLst>
   </p:cSld>
@@ -6499,6 +6447,197 @@
           <a:p>
             <a:pPr algn="ctr"/>
             <a:r>
+              <a:rPr kumimoji="1" lang="ja-JP" altLang="en-US" sz="6000" dirty="0"/>
+              <a:t>デモ</a:t>
+            </a:r>
+          </a:p>
+        </p:txBody>
+      </p:sp>
+      <p:sp>
+        <p:nvSpPr>
+          <p:cNvPr id="3" name="コンテンツ プレースホルダー 2">
+            <a:extLst>
+              <a:ext uri="{FF2B5EF4-FFF2-40B4-BE49-F238E27FC236}">
+                <a16:creationId xmlns:a16="http://schemas.microsoft.com/office/drawing/2014/main" id="{AAD208B0-04EC-4244-AB9A-870D916503AE}"/>
+              </a:ext>
+            </a:extLst>
+          </p:cNvPr>
+          <p:cNvSpPr>
+            <a:spLocks noGrp="1"/>
+          </p:cNvSpPr>
+          <p:nvPr>
+            <p:ph idx="1"/>
+          </p:nvPr>
+        </p:nvSpPr>
+        <p:spPr>
+          <a:xfrm>
+            <a:off x="1097280" y="1532238"/>
+            <a:ext cx="10058400" cy="5039159"/>
+          </a:xfrm>
+        </p:spPr>
+        <p:txBody>
+          <a:bodyPr>
+            <a:normAutofit/>
+          </a:bodyPr>
+          <a:lstStyle/>
+          <a:p>
+            <a:pPr marL="0" indent="0">
+              <a:buNone/>
+            </a:pPr>
+            <a:r>
+              <a:rPr kumimoji="1" lang="ja-JP" altLang="en-US" sz="3200" dirty="0"/>
+              <a:t>工夫点</a:t>
+            </a:r>
+            <a:endParaRPr kumimoji="1" lang="en-US" altLang="ja-JP" sz="3200" dirty="0"/>
+          </a:p>
+          <a:p>
+            <a:pPr marL="0" indent="0">
+              <a:buNone/>
+            </a:pPr>
+            <a:r>
+              <a:rPr lang="ja-JP" altLang="en-US" sz="3200" dirty="0"/>
+              <a:t>ハイパーパラメータを簡単に変えられるように設計</a:t>
+            </a:r>
+            <a:endParaRPr lang="en-US" altLang="ja-JP" sz="3200" dirty="0"/>
+          </a:p>
+          <a:p>
+            <a:pPr marL="0" indent="0">
+              <a:buNone/>
+            </a:pPr>
+            <a:endParaRPr lang="en-US" altLang="ja-JP" sz="3200" dirty="0"/>
+          </a:p>
+          <a:p>
+            <a:pPr marL="0" indent="0">
+              <a:buNone/>
+            </a:pPr>
+            <a:r>
+              <a:rPr lang="en-US" altLang="ja-JP" sz="3200" dirty="0"/>
+              <a:t>Unity</a:t>
+            </a:r>
+            <a:r>
+              <a:rPr lang="ja-JP" altLang="en-US" sz="3200" dirty="0" err="1"/>
+              <a:t>での</a:t>
+            </a:r>
+            <a:r>
+              <a:rPr lang="ja-JP" altLang="en-US" sz="3200" dirty="0"/>
+              <a:t>実装によるメリット</a:t>
+            </a:r>
+            <a:endParaRPr lang="en-US" altLang="ja-JP" sz="3200" dirty="0"/>
+          </a:p>
+          <a:p>
+            <a:pPr marL="0" indent="0">
+              <a:buNone/>
+            </a:pPr>
+            <a:r>
+              <a:rPr lang="ja-JP" altLang="en-US" sz="3200" dirty="0"/>
+              <a:t>実験機体はプレハブを調整することで変更できる</a:t>
+            </a:r>
+            <a:endParaRPr lang="en-US" altLang="ja-JP" sz="3200" dirty="0"/>
+          </a:p>
+          <a:p>
+            <a:pPr marL="0" indent="0">
+              <a:buNone/>
+            </a:pPr>
+            <a:r>
+              <a:rPr lang="ja-JP" altLang="en-US" sz="3200" dirty="0"/>
+              <a:t>環境も変えられる</a:t>
+            </a:r>
+            <a:endParaRPr lang="en-US" altLang="ja-JP" sz="3200" dirty="0"/>
+          </a:p>
+          <a:p>
+            <a:pPr marL="0" indent="0">
+              <a:buNone/>
+            </a:pPr>
+            <a:r>
+              <a:rPr lang="ja-JP" altLang="en-US" sz="3200" dirty="0"/>
+              <a:t>床を傾けて「坂を登るロボット」</a:t>
+            </a:r>
+            <a:endParaRPr lang="en-US" altLang="ja-JP" sz="3200" dirty="0"/>
+          </a:p>
+          <a:p>
+            <a:pPr marL="0" indent="0">
+              <a:buNone/>
+            </a:pPr>
+            <a:r>
+              <a:rPr lang="ja-JP" altLang="en-US" sz="3200" dirty="0"/>
+              <a:t>障害物を置いて「悪路を踏破するロボット」</a:t>
+            </a:r>
+            <a:endParaRPr lang="en-US" altLang="ja-JP" sz="3200" dirty="0"/>
+          </a:p>
+          <a:p>
+            <a:pPr marL="0" indent="0">
+              <a:buNone/>
+            </a:pPr>
+            <a:endParaRPr kumimoji="1" lang="en-US" altLang="ja-JP" sz="3200" dirty="0"/>
+          </a:p>
+          <a:p>
+            <a:pPr marL="0" indent="0">
+              <a:buNone/>
+            </a:pPr>
+            <a:endParaRPr kumimoji="1" lang="ja-JP" altLang="en-US" sz="3200" dirty="0"/>
+          </a:p>
+        </p:txBody>
+      </p:sp>
+    </p:spTree>
+    <p:extLst>
+      <p:ext uri="{BB962C8B-B14F-4D97-AF65-F5344CB8AC3E}">
+        <p14:creationId xmlns:p14="http://schemas.microsoft.com/office/powerpoint/2010/main" val="2701810837"/>
+      </p:ext>
+    </p:extLst>
+  </p:cSld>
+  <p:clrMapOvr>
+    <a:masterClrMapping/>
+  </p:clrMapOvr>
+</p:sld>
+</file>
+
+<file path=ppt/slides/slide12.xml><?xml version="1.0" encoding="utf-8"?>
+<p:sld xmlns:a="http://schemas.openxmlformats.org/drawingml/2006/main" xmlns:r="http://schemas.openxmlformats.org/officeDocument/2006/relationships" xmlns:p="http://schemas.openxmlformats.org/presentationml/2006/main">
+  <p:cSld>
+    <p:spTree>
+      <p:nvGrpSpPr>
+        <p:cNvPr id="1" name=""/>
+        <p:cNvGrpSpPr/>
+        <p:nvPr/>
+      </p:nvGrpSpPr>
+      <p:grpSpPr>
+        <a:xfrm>
+          <a:off x="0" y="0"/>
+          <a:ext cx="0" cy="0"/>
+          <a:chOff x="0" y="0"/>
+          <a:chExt cx="0" cy="0"/>
+        </a:xfrm>
+      </p:grpSpPr>
+      <p:sp>
+        <p:nvSpPr>
+          <p:cNvPr id="2" name="タイトル 1">
+            <a:extLst>
+              <a:ext uri="{FF2B5EF4-FFF2-40B4-BE49-F238E27FC236}">
+                <a16:creationId xmlns:a16="http://schemas.microsoft.com/office/drawing/2014/main" id="{8659B496-85E1-4820-9D49-43AFBF621C3D}"/>
+              </a:ext>
+            </a:extLst>
+          </p:cNvPr>
+          <p:cNvSpPr>
+            <a:spLocks noGrp="1"/>
+          </p:cNvSpPr>
+          <p:nvPr>
+            <p:ph type="title"/>
+          </p:nvPr>
+        </p:nvSpPr>
+        <p:spPr>
+          <a:xfrm>
+            <a:off x="1097280" y="286603"/>
+            <a:ext cx="10058400" cy="1023213"/>
+          </a:xfrm>
+        </p:spPr>
+        <p:txBody>
+          <a:bodyPr>
+            <a:normAutofit/>
+          </a:bodyPr>
+          <a:lstStyle/>
+          <a:p>
+            <a:pPr algn="ctr"/>
+            <a:r>
               <a:rPr lang="ja-JP" altLang="en-US" sz="6000" dirty="0"/>
               <a:t>考察</a:t>
             </a:r>
@@ -6634,7 +6773,7 @@
 </p:sld>
 </file>
 
-<file path=ppt/slides/slide12.xml><?xml version="1.0" encoding="utf-8"?>
+<file path=ppt/slides/slide13.xml><?xml version="1.0" encoding="utf-8"?>
 <p:sld xmlns:a="http://schemas.openxmlformats.org/drawingml/2006/main" xmlns:r="http://schemas.openxmlformats.org/officeDocument/2006/relationships" xmlns:p="http://schemas.openxmlformats.org/presentationml/2006/main">
   <p:cSld>
     <p:spTree>
@@ -7030,84 +7169,6 @@
           <a:chExt cx="0" cy="0"/>
         </a:xfrm>
       </p:grpSpPr>
-      <p:cxnSp>
-        <p:nvCxnSpPr>
-          <p:cNvPr id="26" name="直線コネクタ 25">
-            <a:extLst>
-              <a:ext uri="{FF2B5EF4-FFF2-40B4-BE49-F238E27FC236}">
-                <a16:creationId xmlns:a16="http://schemas.microsoft.com/office/drawing/2014/main" id="{DEF6A757-DD38-4E67-B6C2-E78F9760D66B}"/>
-              </a:ext>
-            </a:extLst>
-          </p:cNvPr>
-          <p:cNvCxnSpPr>
-            <a:cxnSpLocks/>
-          </p:cNvCxnSpPr>
-          <p:nvPr/>
-        </p:nvCxnSpPr>
-        <p:spPr>
-          <a:xfrm flipV="1">
-            <a:off x="1097280" y="3096663"/>
-            <a:ext cx="3062006" cy="3062003"/>
-          </a:xfrm>
-          <a:prstGeom prst="line">
-            <a:avLst/>
-          </a:prstGeom>
-          <a:ln w="76200"/>
-        </p:spPr>
-        <p:style>
-          <a:lnRef idx="1">
-            <a:schemeClr val="dk1"/>
-          </a:lnRef>
-          <a:fillRef idx="0">
-            <a:schemeClr val="dk1"/>
-          </a:fillRef>
-          <a:effectRef idx="0">
-            <a:schemeClr val="dk1"/>
-          </a:effectRef>
-          <a:fontRef idx="minor">
-            <a:schemeClr val="tx1"/>
-          </a:fontRef>
-        </p:style>
-      </p:cxnSp>
-      <p:cxnSp>
-        <p:nvCxnSpPr>
-          <p:cNvPr id="15" name="直線コネクタ 14">
-            <a:extLst>
-              <a:ext uri="{FF2B5EF4-FFF2-40B4-BE49-F238E27FC236}">
-                <a16:creationId xmlns:a16="http://schemas.microsoft.com/office/drawing/2014/main" id="{E75670C9-F256-464C-9B7B-FD332195F07D}"/>
-              </a:ext>
-            </a:extLst>
-          </p:cNvPr>
-          <p:cNvCxnSpPr>
-            <a:cxnSpLocks/>
-          </p:cNvCxnSpPr>
-          <p:nvPr/>
-        </p:nvCxnSpPr>
-        <p:spPr>
-          <a:xfrm flipH="1" flipV="1">
-            <a:off x="1097280" y="3096661"/>
-            <a:ext cx="3062006" cy="3062006"/>
-          </a:xfrm>
-          <a:prstGeom prst="line">
-            <a:avLst/>
-          </a:prstGeom>
-          <a:ln w="76200"/>
-        </p:spPr>
-        <p:style>
-          <a:lnRef idx="1">
-            <a:schemeClr val="dk1"/>
-          </a:lnRef>
-          <a:fillRef idx="0">
-            <a:schemeClr val="dk1"/>
-          </a:fillRef>
-          <a:effectRef idx="0">
-            <a:schemeClr val="dk1"/>
-          </a:effectRef>
-          <a:fontRef idx="minor">
-            <a:schemeClr val="tx1"/>
-          </a:fontRef>
-        </p:style>
-      </p:cxnSp>
       <p:sp>
         <p:nvSpPr>
           <p:cNvPr id="2" name="タイトル 1">
@@ -7138,10 +7199,9 @@
           <a:p>
             <a:pPr algn="ctr"/>
             <a:r>
-              <a:rPr lang="ja-JP" altLang="en-US" sz="6000" dirty="0"/>
-              <a:t>マシン・遺伝子</a:t>
-            </a:r>
-            <a:endParaRPr kumimoji="1" lang="ja-JP" altLang="en-US" sz="6000" dirty="0"/>
+              <a:rPr kumimoji="1" lang="ja-JP" altLang="en-US" sz="6000" dirty="0"/>
+              <a:t>要点</a:t>
+            </a:r>
           </a:p>
         </p:txBody>
       </p:sp>
@@ -7178,31 +7238,7 @@
             </a:pPr>
             <a:r>
               <a:rPr lang="ja-JP" altLang="en-US" sz="3200" dirty="0"/>
-              <a:t>・</a:t>
-            </a:r>
-            <a:r>
-              <a:rPr lang="en-US" altLang="ja-JP" sz="3200" dirty="0"/>
-              <a:t>1</a:t>
-            </a:r>
-            <a:r>
-              <a:rPr lang="ja-JP" altLang="en-US" sz="3200" dirty="0"/>
-              <a:t>ボディ</a:t>
-            </a:r>
-            <a:r>
-              <a:rPr lang="en-US" altLang="ja-JP" sz="3200" dirty="0"/>
-              <a:t>, 4</a:t>
-            </a:r>
-            <a:r>
-              <a:rPr lang="ja-JP" altLang="en-US" sz="3200" dirty="0"/>
-              <a:t>ブレード</a:t>
-            </a:r>
-            <a:r>
-              <a:rPr lang="en-US" altLang="ja-JP" sz="3200" dirty="0"/>
-              <a:t>, 4</a:t>
-            </a:r>
-            <a:r>
-              <a:rPr lang="ja-JP" altLang="en-US" sz="3200" dirty="0"/>
-              <a:t>モーター</a:t>
+              <a:t>・遺伝子に基づいて動く</a:t>
             </a:r>
             <a:endParaRPr lang="en-US" altLang="ja-JP" sz="3200" dirty="0"/>
           </a:p>
@@ -7210,589 +7246,67 @@
             <a:pPr marL="0" indent="0">
               <a:buNone/>
             </a:pPr>
-            <a:r>
-              <a:rPr kumimoji="1" lang="ja-JP" altLang="en-US" sz="3200" dirty="0"/>
-              <a:t>・本体からの方向に対応する遺伝子分の回転</a:t>
-            </a:r>
-          </a:p>
-        </p:txBody>
-      </p:sp>
-      <p:cxnSp>
-        <p:nvCxnSpPr>
-          <p:cNvPr id="7" name="直線矢印コネクタ 6">
-            <a:extLst>
-              <a:ext uri="{FF2B5EF4-FFF2-40B4-BE49-F238E27FC236}">
-                <a16:creationId xmlns:a16="http://schemas.microsoft.com/office/drawing/2014/main" id="{CCF8562A-FC9B-45D5-B209-59303D8C6405}"/>
-              </a:ext>
-            </a:extLst>
-          </p:cNvPr>
-          <p:cNvCxnSpPr>
-            <a:cxnSpLocks/>
-          </p:cNvCxnSpPr>
-          <p:nvPr/>
-        </p:nvCxnSpPr>
-        <p:spPr>
-          <a:xfrm>
-            <a:off x="307113" y="4698324"/>
-            <a:ext cx="4642339" cy="0"/>
-          </a:xfrm>
-          <a:prstGeom prst="straightConnector1">
-            <a:avLst/>
-          </a:prstGeom>
-          <a:ln>
-            <a:tailEnd type="triangle"/>
-          </a:ln>
-        </p:spPr>
-        <p:style>
-          <a:lnRef idx="1">
-            <a:schemeClr val="accent1"/>
-          </a:lnRef>
-          <a:fillRef idx="0">
-            <a:schemeClr val="accent1"/>
-          </a:fillRef>
-          <a:effectRef idx="0">
-            <a:schemeClr val="accent1"/>
-          </a:effectRef>
-          <a:fontRef idx="minor">
-            <a:schemeClr val="tx1"/>
-          </a:fontRef>
-        </p:style>
-      </p:cxnSp>
-      <p:cxnSp>
-        <p:nvCxnSpPr>
-          <p:cNvPr id="10" name="直線矢印コネクタ 9">
-            <a:extLst>
-              <a:ext uri="{FF2B5EF4-FFF2-40B4-BE49-F238E27FC236}">
-                <a16:creationId xmlns:a16="http://schemas.microsoft.com/office/drawing/2014/main" id="{D5AA3BE1-1760-4F90-BC13-1A0B72782396}"/>
-              </a:ext>
-            </a:extLst>
-          </p:cNvPr>
-          <p:cNvCxnSpPr>
-            <a:cxnSpLocks/>
-            <a:endCxn id="35" idx="1"/>
-          </p:cNvCxnSpPr>
-          <p:nvPr/>
-        </p:nvCxnSpPr>
-        <p:spPr>
-          <a:xfrm flipH="1" flipV="1">
-            <a:off x="2628281" y="2581994"/>
-            <a:ext cx="2" cy="4276006"/>
-          </a:xfrm>
-          <a:prstGeom prst="straightConnector1">
-            <a:avLst/>
-          </a:prstGeom>
-          <a:ln>
-            <a:tailEnd type="triangle"/>
-          </a:ln>
-        </p:spPr>
-        <p:style>
-          <a:lnRef idx="1">
-            <a:schemeClr val="accent1"/>
-          </a:lnRef>
-          <a:fillRef idx="0">
-            <a:schemeClr val="accent1"/>
-          </a:fillRef>
-          <a:effectRef idx="0">
-            <a:schemeClr val="accent1"/>
-          </a:effectRef>
-          <a:fontRef idx="minor">
-            <a:schemeClr val="tx1"/>
-          </a:fontRef>
-        </p:style>
-      </p:cxnSp>
-      <p:sp>
-        <p:nvSpPr>
-          <p:cNvPr id="5" name="楕円 4">
-            <a:extLst>
-              <a:ext uri="{FF2B5EF4-FFF2-40B4-BE49-F238E27FC236}">
-                <a16:creationId xmlns:a16="http://schemas.microsoft.com/office/drawing/2014/main" id="{01369B36-35D2-43A6-AC46-0C69AAD8F149}"/>
-              </a:ext>
-            </a:extLst>
-          </p:cNvPr>
-          <p:cNvSpPr/>
-          <p:nvPr/>
-        </p:nvSpPr>
-        <p:spPr>
-          <a:xfrm>
-            <a:off x="1679902" y="3679283"/>
-            <a:ext cx="1896762" cy="1896762"/>
-          </a:xfrm>
-          <a:prstGeom prst="ellipse">
-            <a:avLst/>
-          </a:prstGeom>
-          <a:solidFill>
-            <a:schemeClr val="bg1">
-              <a:lumMod val="85000"/>
-            </a:schemeClr>
-          </a:solidFill>
-          <a:ln>
-            <a:solidFill>
-              <a:schemeClr val="tx1"/>
-            </a:solidFill>
-          </a:ln>
-        </p:spPr>
-        <p:style>
-          <a:lnRef idx="2">
-            <a:schemeClr val="accent1">
-              <a:shade val="50000"/>
-            </a:schemeClr>
-          </a:lnRef>
-          <a:fillRef idx="1">
-            <a:schemeClr val="accent1"/>
-          </a:fillRef>
-          <a:effectRef idx="0">
-            <a:schemeClr val="accent1"/>
-          </a:effectRef>
-          <a:fontRef idx="minor">
-            <a:schemeClr val="lt1"/>
-          </a:fontRef>
-        </p:style>
-        <p:txBody>
-          <a:bodyPr rtlCol="0" anchor="ctr"/>
-          <a:lstStyle/>
-          <a:p>
-            <a:pPr algn="ctr"/>
-            <a:endParaRPr kumimoji="1" lang="ja-JP" altLang="en-US" dirty="0"/>
-          </a:p>
-        </p:txBody>
-      </p:sp>
-      <p:sp>
-        <p:nvSpPr>
-          <p:cNvPr id="31" name="楕円 30">
-            <a:extLst>
-              <a:ext uri="{FF2B5EF4-FFF2-40B4-BE49-F238E27FC236}">
-                <a16:creationId xmlns:a16="http://schemas.microsoft.com/office/drawing/2014/main" id="{AEFA00D4-F138-4CAC-80A2-97C0D5E1BE24}"/>
-              </a:ext>
-            </a:extLst>
-          </p:cNvPr>
-          <p:cNvSpPr/>
-          <p:nvPr/>
-        </p:nvSpPr>
-        <p:spPr>
-          <a:xfrm>
-            <a:off x="2486272" y="3537273"/>
-            <a:ext cx="284019" cy="284019"/>
-          </a:xfrm>
-          <a:prstGeom prst="ellipse">
-            <a:avLst/>
-          </a:prstGeom>
-          <a:solidFill>
-            <a:schemeClr val="bg1">
-              <a:lumMod val="85000"/>
-            </a:schemeClr>
-          </a:solidFill>
-          <a:ln>
-            <a:solidFill>
-              <a:schemeClr val="tx1"/>
-            </a:solidFill>
-          </a:ln>
-        </p:spPr>
-        <p:style>
-          <a:lnRef idx="2">
-            <a:schemeClr val="accent1">
-              <a:shade val="50000"/>
-            </a:schemeClr>
-          </a:lnRef>
-          <a:fillRef idx="1">
-            <a:schemeClr val="accent1"/>
-          </a:fillRef>
-          <a:effectRef idx="0">
-            <a:schemeClr val="accent1"/>
-          </a:effectRef>
-          <a:fontRef idx="minor">
-            <a:schemeClr val="lt1"/>
-          </a:fontRef>
-        </p:style>
-        <p:txBody>
-          <a:bodyPr rtlCol="0" anchor="ctr"/>
-          <a:lstStyle/>
-          <a:p>
-            <a:pPr algn="ctr"/>
-            <a:endParaRPr kumimoji="1" lang="ja-JP" altLang="en-US" dirty="0"/>
-          </a:p>
-        </p:txBody>
-      </p:sp>
-      <p:sp>
-        <p:nvSpPr>
-          <p:cNvPr id="32" name="楕円 31">
-            <a:extLst>
-              <a:ext uri="{FF2B5EF4-FFF2-40B4-BE49-F238E27FC236}">
-                <a16:creationId xmlns:a16="http://schemas.microsoft.com/office/drawing/2014/main" id="{07DEBDCD-4922-4D89-8095-47F9D0E7CCC5}"/>
-              </a:ext>
-            </a:extLst>
-          </p:cNvPr>
-          <p:cNvSpPr/>
-          <p:nvPr/>
-        </p:nvSpPr>
-        <p:spPr>
-          <a:xfrm>
-            <a:off x="1532946" y="4556314"/>
-            <a:ext cx="284019" cy="284019"/>
-          </a:xfrm>
-          <a:prstGeom prst="ellipse">
-            <a:avLst/>
-          </a:prstGeom>
-          <a:solidFill>
-            <a:schemeClr val="bg1">
-              <a:lumMod val="85000"/>
-            </a:schemeClr>
-          </a:solidFill>
-          <a:ln>
-            <a:solidFill>
-              <a:schemeClr val="tx1"/>
-            </a:solidFill>
-          </a:ln>
-        </p:spPr>
-        <p:style>
-          <a:lnRef idx="2">
-            <a:schemeClr val="accent1">
-              <a:shade val="50000"/>
-            </a:schemeClr>
-          </a:lnRef>
-          <a:fillRef idx="1">
-            <a:schemeClr val="accent1"/>
-          </a:fillRef>
-          <a:effectRef idx="0">
-            <a:schemeClr val="accent1"/>
-          </a:effectRef>
-          <a:fontRef idx="minor">
-            <a:schemeClr val="lt1"/>
-          </a:fontRef>
-        </p:style>
-        <p:txBody>
-          <a:bodyPr rtlCol="0" anchor="ctr"/>
-          <a:lstStyle/>
-          <a:p>
-            <a:pPr algn="ctr"/>
-            <a:endParaRPr kumimoji="1" lang="ja-JP" altLang="en-US" dirty="0"/>
-          </a:p>
-        </p:txBody>
-      </p:sp>
-      <p:sp>
-        <p:nvSpPr>
-          <p:cNvPr id="33" name="楕円 32">
-            <a:extLst>
-              <a:ext uri="{FF2B5EF4-FFF2-40B4-BE49-F238E27FC236}">
-                <a16:creationId xmlns:a16="http://schemas.microsoft.com/office/drawing/2014/main" id="{E1F53032-A539-4F6B-8D66-F3857B274218}"/>
-              </a:ext>
-            </a:extLst>
-          </p:cNvPr>
-          <p:cNvSpPr/>
-          <p:nvPr/>
-        </p:nvSpPr>
-        <p:spPr>
-          <a:xfrm>
-            <a:off x="3438557" y="4556314"/>
-            <a:ext cx="284019" cy="284019"/>
-          </a:xfrm>
-          <a:prstGeom prst="ellipse">
-            <a:avLst/>
-          </a:prstGeom>
-          <a:solidFill>
-            <a:schemeClr val="bg1">
-              <a:lumMod val="85000"/>
-            </a:schemeClr>
-          </a:solidFill>
-          <a:ln>
-            <a:solidFill>
-              <a:schemeClr val="tx1"/>
-            </a:solidFill>
-          </a:ln>
-        </p:spPr>
-        <p:style>
-          <a:lnRef idx="2">
-            <a:schemeClr val="accent1">
-              <a:shade val="50000"/>
-            </a:schemeClr>
-          </a:lnRef>
-          <a:fillRef idx="1">
-            <a:schemeClr val="accent1"/>
-          </a:fillRef>
-          <a:effectRef idx="0">
-            <a:schemeClr val="accent1"/>
-          </a:effectRef>
-          <a:fontRef idx="minor">
-            <a:schemeClr val="lt1"/>
-          </a:fontRef>
-        </p:style>
-        <p:txBody>
-          <a:bodyPr rtlCol="0" anchor="ctr"/>
-          <a:lstStyle/>
-          <a:p>
-            <a:pPr algn="ctr"/>
-            <a:endParaRPr kumimoji="1" lang="ja-JP" altLang="en-US" dirty="0"/>
-          </a:p>
-        </p:txBody>
-      </p:sp>
-      <p:sp>
-        <p:nvSpPr>
-          <p:cNvPr id="34" name="楕円 33">
-            <a:extLst>
-              <a:ext uri="{FF2B5EF4-FFF2-40B4-BE49-F238E27FC236}">
-                <a16:creationId xmlns:a16="http://schemas.microsoft.com/office/drawing/2014/main" id="{B6D3C6D7-5007-4BEB-9F41-719FFD014AD2}"/>
-              </a:ext>
-            </a:extLst>
-          </p:cNvPr>
-          <p:cNvSpPr/>
-          <p:nvPr/>
-        </p:nvSpPr>
-        <p:spPr>
-          <a:xfrm>
-            <a:off x="2476861" y="5433343"/>
-            <a:ext cx="284019" cy="284019"/>
-          </a:xfrm>
-          <a:prstGeom prst="ellipse">
-            <a:avLst/>
-          </a:prstGeom>
-          <a:solidFill>
-            <a:schemeClr val="bg1">
-              <a:lumMod val="85000"/>
-            </a:schemeClr>
-          </a:solidFill>
-          <a:ln>
-            <a:solidFill>
-              <a:schemeClr val="tx1"/>
-            </a:solidFill>
-          </a:ln>
-        </p:spPr>
-        <p:style>
-          <a:lnRef idx="2">
-            <a:schemeClr val="accent1">
-              <a:shade val="50000"/>
-            </a:schemeClr>
-          </a:lnRef>
-          <a:fillRef idx="1">
-            <a:schemeClr val="accent1"/>
-          </a:fillRef>
-          <a:effectRef idx="0">
-            <a:schemeClr val="accent1"/>
-          </a:effectRef>
-          <a:fontRef idx="minor">
-            <a:schemeClr val="lt1"/>
-          </a:fontRef>
-        </p:style>
-        <p:txBody>
-          <a:bodyPr rtlCol="0" anchor="ctr"/>
-          <a:lstStyle/>
-          <a:p>
-            <a:pPr algn="ctr"/>
-            <a:endParaRPr kumimoji="1" lang="ja-JP" altLang="en-US" dirty="0"/>
-          </a:p>
-        </p:txBody>
-      </p:sp>
-      <p:sp>
-        <p:nvSpPr>
-          <p:cNvPr id="35" name="テキスト ボックス 34">
-            <a:extLst>
-              <a:ext uri="{FF2B5EF4-FFF2-40B4-BE49-F238E27FC236}">
-                <a16:creationId xmlns:a16="http://schemas.microsoft.com/office/drawing/2014/main" id="{06D074EA-D591-4FE1-81C7-19AB8A470EC3}"/>
-              </a:ext>
-            </a:extLst>
-          </p:cNvPr>
-          <p:cNvSpPr txBox="1"/>
-          <p:nvPr/>
-        </p:nvSpPr>
-        <p:spPr>
-          <a:xfrm>
-            <a:off x="2628281" y="2397328"/>
-            <a:ext cx="290464" cy="369332"/>
-          </a:xfrm>
-          <a:prstGeom prst="rect">
-            <a:avLst/>
-          </a:prstGeom>
-          <a:noFill/>
-        </p:spPr>
-        <p:txBody>
-          <a:bodyPr wrap="none" rtlCol="0">
-            <a:spAutoFit/>
-          </a:bodyPr>
-          <a:lstStyle/>
-          <a:p>
-            <a:r>
-              <a:rPr kumimoji="1" lang="en-US" altLang="ja-JP" dirty="0"/>
-              <a:t>z</a:t>
-            </a:r>
-            <a:endParaRPr kumimoji="1" lang="ja-JP" altLang="en-US" dirty="0"/>
-          </a:p>
-        </p:txBody>
-      </p:sp>
-      <p:sp>
-        <p:nvSpPr>
-          <p:cNvPr id="36" name="テキスト ボックス 35">
-            <a:extLst>
-              <a:ext uri="{FF2B5EF4-FFF2-40B4-BE49-F238E27FC236}">
-                <a16:creationId xmlns:a16="http://schemas.microsoft.com/office/drawing/2014/main" id="{521019BA-E3CF-49D5-BF56-6D0E8CC467EE}"/>
-              </a:ext>
-            </a:extLst>
-          </p:cNvPr>
-          <p:cNvSpPr txBox="1"/>
-          <p:nvPr/>
-        </p:nvSpPr>
-        <p:spPr>
-          <a:xfrm>
-            <a:off x="4652895" y="4345068"/>
-            <a:ext cx="296876" cy="369332"/>
-          </a:xfrm>
-          <a:prstGeom prst="rect">
-            <a:avLst/>
-          </a:prstGeom>
-          <a:noFill/>
-        </p:spPr>
-        <p:txBody>
-          <a:bodyPr wrap="none" rtlCol="0">
-            <a:spAutoFit/>
-          </a:bodyPr>
-          <a:lstStyle/>
-          <a:p>
-            <a:r>
-              <a:rPr lang="en-US" altLang="ja-JP" dirty="0"/>
-              <a:t>x</a:t>
-            </a:r>
-            <a:endParaRPr kumimoji="1" lang="ja-JP" altLang="en-US" dirty="0"/>
-          </a:p>
-        </p:txBody>
-      </p:sp>
-      <p:sp>
-        <p:nvSpPr>
-          <p:cNvPr id="37" name="テキスト ボックス 36">
-            <a:extLst>
-              <a:ext uri="{FF2B5EF4-FFF2-40B4-BE49-F238E27FC236}">
-                <a16:creationId xmlns:a16="http://schemas.microsoft.com/office/drawing/2014/main" id="{9ADE1C7E-E663-4C34-A3E2-112D7EAC25AD}"/>
-              </a:ext>
-            </a:extLst>
-          </p:cNvPr>
-          <p:cNvSpPr txBox="1"/>
-          <p:nvPr/>
-        </p:nvSpPr>
-        <p:spPr>
-          <a:xfrm>
-            <a:off x="3907950" y="4422012"/>
-            <a:ext cx="420308" cy="584775"/>
-          </a:xfrm>
-          <a:prstGeom prst="rect">
-            <a:avLst/>
-          </a:prstGeom>
-          <a:noFill/>
-        </p:spPr>
-        <p:txBody>
-          <a:bodyPr wrap="none" rtlCol="0">
-            <a:spAutoFit/>
-          </a:bodyPr>
-          <a:lstStyle/>
-          <a:p>
-            <a:r>
-              <a:rPr lang="en-US" altLang="ja-JP" sz="3200" b="1" dirty="0"/>
-              <a:t>0</a:t>
-            </a:r>
-            <a:endParaRPr kumimoji="1" lang="ja-JP" altLang="en-US" sz="3200" b="1" dirty="0"/>
-          </a:p>
-        </p:txBody>
-      </p:sp>
-      <p:sp>
-        <p:nvSpPr>
-          <p:cNvPr id="38" name="テキスト ボックス 37">
-            <a:extLst>
-              <a:ext uri="{FF2B5EF4-FFF2-40B4-BE49-F238E27FC236}">
-                <a16:creationId xmlns:a16="http://schemas.microsoft.com/office/drawing/2014/main" id="{6DA4256B-6A73-447C-A052-C1280B3FD33A}"/>
-              </a:ext>
-            </a:extLst>
-          </p:cNvPr>
-          <p:cNvSpPr txBox="1"/>
-          <p:nvPr/>
-        </p:nvSpPr>
-        <p:spPr>
-          <a:xfrm>
-            <a:off x="2418127" y="5866280"/>
-            <a:ext cx="420308" cy="584775"/>
-          </a:xfrm>
-          <a:prstGeom prst="rect">
-            <a:avLst/>
-          </a:prstGeom>
-          <a:noFill/>
-        </p:spPr>
-        <p:txBody>
-          <a:bodyPr wrap="none" rtlCol="0">
-            <a:spAutoFit/>
-          </a:bodyPr>
-          <a:lstStyle/>
-          <a:p>
-            <a:r>
-              <a:rPr kumimoji="1" lang="en-US" altLang="ja-JP" sz="3200" b="1" dirty="0"/>
-              <a:t>3</a:t>
-            </a:r>
-            <a:endParaRPr kumimoji="1" lang="ja-JP" altLang="en-US" sz="3200" b="1" dirty="0"/>
-          </a:p>
-        </p:txBody>
-      </p:sp>
-      <p:sp>
-        <p:nvSpPr>
-          <p:cNvPr id="39" name="テキスト ボックス 38">
-            <a:extLst>
-              <a:ext uri="{FF2B5EF4-FFF2-40B4-BE49-F238E27FC236}">
-                <a16:creationId xmlns:a16="http://schemas.microsoft.com/office/drawing/2014/main" id="{FE4DC64B-0B45-4EF2-A44B-93A2CF1635CB}"/>
-              </a:ext>
-            </a:extLst>
-          </p:cNvPr>
-          <p:cNvSpPr txBox="1"/>
-          <p:nvPr/>
-        </p:nvSpPr>
-        <p:spPr>
-          <a:xfrm>
-            <a:off x="883797" y="4405935"/>
-            <a:ext cx="420308" cy="584775"/>
-          </a:xfrm>
-          <a:prstGeom prst="rect">
-            <a:avLst/>
-          </a:prstGeom>
-          <a:noFill/>
-        </p:spPr>
-        <p:txBody>
-          <a:bodyPr wrap="none" rtlCol="0">
-            <a:spAutoFit/>
-          </a:bodyPr>
-          <a:lstStyle/>
-          <a:p>
-            <a:r>
-              <a:rPr kumimoji="1" lang="en-US" altLang="ja-JP" sz="3200" b="1" dirty="0"/>
-              <a:t>2</a:t>
-            </a:r>
-            <a:endParaRPr kumimoji="1" lang="ja-JP" altLang="en-US" sz="3200" b="1" dirty="0"/>
-          </a:p>
-        </p:txBody>
-      </p:sp>
-      <p:sp>
-        <p:nvSpPr>
-          <p:cNvPr id="40" name="テキスト ボックス 39">
-            <a:extLst>
-              <a:ext uri="{FF2B5EF4-FFF2-40B4-BE49-F238E27FC236}">
-                <a16:creationId xmlns:a16="http://schemas.microsoft.com/office/drawing/2014/main" id="{760B3D1D-6D8E-4211-8ACF-33799D77C4BB}"/>
-              </a:ext>
-            </a:extLst>
-          </p:cNvPr>
-          <p:cNvSpPr txBox="1"/>
-          <p:nvPr/>
-        </p:nvSpPr>
-        <p:spPr>
-          <a:xfrm>
-            <a:off x="2408716" y="2764505"/>
-            <a:ext cx="420308" cy="584775"/>
-          </a:xfrm>
-          <a:prstGeom prst="rect">
-            <a:avLst/>
-          </a:prstGeom>
-          <a:noFill/>
-        </p:spPr>
-        <p:txBody>
-          <a:bodyPr wrap="none" rtlCol="0">
-            <a:spAutoFit/>
-          </a:bodyPr>
-          <a:lstStyle/>
-          <a:p>
-            <a:r>
-              <a:rPr kumimoji="1" lang="en-US" altLang="ja-JP" sz="3200" b="1" dirty="0"/>
-              <a:t>1</a:t>
-            </a:r>
-            <a:endParaRPr kumimoji="1" lang="ja-JP" altLang="en-US" sz="3200" b="1" dirty="0"/>
+            <a:endParaRPr lang="en-US" altLang="ja-JP" sz="3200" dirty="0"/>
+          </a:p>
+          <a:p>
+            <a:pPr marL="0" indent="0">
+              <a:buNone/>
+            </a:pPr>
+            <a:r>
+              <a:rPr lang="ja-JP" altLang="en-US" sz="3200" dirty="0"/>
+              <a:t>・ロボットの寿命は</a:t>
+            </a:r>
+            <a:r>
+              <a:rPr lang="en-US" altLang="ja-JP" sz="3200" dirty="0"/>
+              <a:t>10</a:t>
+            </a:r>
+            <a:r>
+              <a:rPr lang="ja-JP" altLang="en-US" sz="3200" dirty="0"/>
+              <a:t>秒</a:t>
+            </a:r>
+            <a:endParaRPr lang="en-US" altLang="ja-JP" sz="3200" dirty="0"/>
+          </a:p>
+          <a:p>
+            <a:pPr marL="0" indent="0">
+              <a:buNone/>
+            </a:pPr>
+            <a:endParaRPr lang="en-US" altLang="ja-JP" sz="3200" dirty="0"/>
+          </a:p>
+          <a:p>
+            <a:pPr marL="0" indent="0">
+              <a:buNone/>
+            </a:pPr>
+            <a:r>
+              <a:rPr lang="ja-JP" altLang="en-US" sz="3200" dirty="0"/>
+              <a:t>・寿命が尽きると次世代へ</a:t>
+            </a:r>
+            <a:endParaRPr lang="en-US" altLang="ja-JP" sz="3200" dirty="0"/>
+          </a:p>
+          <a:p>
+            <a:pPr marL="0" indent="0">
+              <a:buNone/>
+            </a:pPr>
+            <a:endParaRPr lang="en-US" altLang="ja-JP" sz="3200" dirty="0"/>
+          </a:p>
+          <a:p>
+            <a:pPr marL="0" indent="0">
+              <a:buNone/>
+            </a:pPr>
+            <a:r>
+              <a:rPr lang="ja-JP" altLang="en-US" sz="3200" dirty="0"/>
+              <a:t>・左へ進んでいる個体ほど、</a:t>
+            </a:r>
+            <a:endParaRPr lang="en-US" altLang="ja-JP" sz="3200" dirty="0"/>
+          </a:p>
+          <a:p>
+            <a:pPr marL="0" indent="0">
+              <a:buNone/>
+            </a:pPr>
+            <a:r>
+              <a:rPr lang="ja-JP" altLang="en-US" sz="3200" dirty="0"/>
+              <a:t>　次世代へと遺伝子を残せる</a:t>
+            </a:r>
+            <a:endParaRPr lang="en-US" altLang="ja-JP" sz="3200" dirty="0"/>
           </a:p>
         </p:txBody>
       </p:sp>
@@ -7818,7 +7332,7 @@
         </p:blipFill>
         <p:spPr>
           <a:xfrm>
-            <a:off x="6096000" y="2711288"/>
+            <a:off x="7620000" y="2135441"/>
             <a:ext cx="3769084" cy="3832751"/>
           </a:xfrm>
           <a:prstGeom prst="rect">
@@ -7858,10 +7372,10 @@
       </p:grpSpPr>
       <p:cxnSp>
         <p:nvCxnSpPr>
-          <p:cNvPr id="18" name="直線コネクタ 17">
-            <a:extLst>
-              <a:ext uri="{FF2B5EF4-FFF2-40B4-BE49-F238E27FC236}">
-                <a16:creationId xmlns:a16="http://schemas.microsoft.com/office/drawing/2014/main" id="{37C105B1-04BD-450E-8445-2CCD3A53A8FC}"/>
+          <p:cNvPr id="26" name="直線コネクタ 25">
+            <a:extLst>
+              <a:ext uri="{FF2B5EF4-FFF2-40B4-BE49-F238E27FC236}">
+                <a16:creationId xmlns:a16="http://schemas.microsoft.com/office/drawing/2014/main" id="{DEF6A757-DD38-4E67-B6C2-E78F9760D66B}"/>
               </a:ext>
             </a:extLst>
           </p:cNvPr>
@@ -7871,17 +7385,202 @@
           <p:nvPr/>
         </p:nvCxnSpPr>
         <p:spPr>
-          <a:xfrm>
-            <a:off x="847579" y="4916131"/>
-            <a:ext cx="11030242" cy="0"/>
+          <a:xfrm flipV="1">
+            <a:off x="1097280" y="3096663"/>
+            <a:ext cx="3062006" cy="3062003"/>
           </a:xfrm>
           <a:prstGeom prst="line">
             <a:avLst/>
           </a:prstGeom>
+          <a:ln w="76200"/>
+        </p:spPr>
+        <p:style>
+          <a:lnRef idx="1">
+            <a:schemeClr val="dk1"/>
+          </a:lnRef>
+          <a:fillRef idx="0">
+            <a:schemeClr val="dk1"/>
+          </a:fillRef>
+          <a:effectRef idx="0">
+            <a:schemeClr val="dk1"/>
+          </a:effectRef>
+          <a:fontRef idx="minor">
+            <a:schemeClr val="tx1"/>
+          </a:fontRef>
+        </p:style>
+      </p:cxnSp>
+      <p:cxnSp>
+        <p:nvCxnSpPr>
+          <p:cNvPr id="15" name="直線コネクタ 14">
+            <a:extLst>
+              <a:ext uri="{FF2B5EF4-FFF2-40B4-BE49-F238E27FC236}">
+                <a16:creationId xmlns:a16="http://schemas.microsoft.com/office/drawing/2014/main" id="{E75670C9-F256-464C-9B7B-FD332195F07D}"/>
+              </a:ext>
+            </a:extLst>
+          </p:cNvPr>
+          <p:cNvCxnSpPr>
+            <a:cxnSpLocks/>
+          </p:cNvCxnSpPr>
+          <p:nvPr/>
+        </p:nvCxnSpPr>
+        <p:spPr>
+          <a:xfrm flipH="1" flipV="1">
+            <a:off x="1097280" y="3096661"/>
+            <a:ext cx="3062006" cy="3062006"/>
+          </a:xfrm>
+          <a:prstGeom prst="line">
+            <a:avLst/>
+          </a:prstGeom>
+          <a:ln w="76200"/>
+        </p:spPr>
+        <p:style>
+          <a:lnRef idx="1">
+            <a:schemeClr val="dk1"/>
+          </a:lnRef>
+          <a:fillRef idx="0">
+            <a:schemeClr val="dk1"/>
+          </a:fillRef>
+          <a:effectRef idx="0">
+            <a:schemeClr val="dk1"/>
+          </a:effectRef>
+          <a:fontRef idx="minor">
+            <a:schemeClr val="tx1"/>
+          </a:fontRef>
+        </p:style>
+      </p:cxnSp>
+      <p:sp>
+        <p:nvSpPr>
+          <p:cNvPr id="2" name="タイトル 1">
+            <a:extLst>
+              <a:ext uri="{FF2B5EF4-FFF2-40B4-BE49-F238E27FC236}">
+                <a16:creationId xmlns:a16="http://schemas.microsoft.com/office/drawing/2014/main" id="{8659B496-85E1-4820-9D49-43AFBF621C3D}"/>
+              </a:ext>
+            </a:extLst>
+          </p:cNvPr>
+          <p:cNvSpPr>
+            <a:spLocks noGrp="1"/>
+          </p:cNvSpPr>
+          <p:nvPr>
+            <p:ph type="title"/>
+          </p:nvPr>
+        </p:nvSpPr>
+        <p:spPr>
+          <a:xfrm>
+            <a:off x="1097280" y="286603"/>
+            <a:ext cx="10058400" cy="1023213"/>
+          </a:xfrm>
+        </p:spPr>
+        <p:txBody>
+          <a:bodyPr>
+            <a:normAutofit/>
+          </a:bodyPr>
+          <a:lstStyle/>
+          <a:p>
+            <a:pPr algn="ctr"/>
+            <a:r>
+              <a:rPr lang="ja-JP" altLang="en-US" sz="6000" dirty="0"/>
+              <a:t>マシン・遺伝子</a:t>
+            </a:r>
+            <a:endParaRPr kumimoji="1" lang="ja-JP" altLang="en-US" sz="6000" dirty="0"/>
+          </a:p>
+        </p:txBody>
+      </p:sp>
+      <p:sp>
+        <p:nvSpPr>
+          <p:cNvPr id="3" name="コンテンツ プレースホルダー 2">
+            <a:extLst>
+              <a:ext uri="{FF2B5EF4-FFF2-40B4-BE49-F238E27FC236}">
+                <a16:creationId xmlns:a16="http://schemas.microsoft.com/office/drawing/2014/main" id="{AAD208B0-04EC-4244-AB9A-870D916503AE}"/>
+              </a:ext>
+            </a:extLst>
+          </p:cNvPr>
+          <p:cNvSpPr>
+            <a:spLocks noGrp="1"/>
+          </p:cNvSpPr>
+          <p:nvPr>
+            <p:ph idx="1"/>
+          </p:nvPr>
+        </p:nvSpPr>
+        <p:spPr>
+          <a:xfrm>
+            <a:off x="1097280" y="1532238"/>
+            <a:ext cx="10058400" cy="5039159"/>
+          </a:xfrm>
+        </p:spPr>
+        <p:txBody>
+          <a:bodyPr>
+            <a:normAutofit/>
+          </a:bodyPr>
+          <a:lstStyle/>
+          <a:p>
+            <a:pPr marL="0" indent="0">
+              <a:buNone/>
+            </a:pPr>
+            <a:r>
+              <a:rPr lang="ja-JP" altLang="en-US" sz="3200" dirty="0"/>
+              <a:t>・</a:t>
+            </a:r>
+            <a:r>
+              <a:rPr lang="en-US" altLang="ja-JP" sz="3200" dirty="0"/>
+              <a:t>1</a:t>
+            </a:r>
+            <a:r>
+              <a:rPr lang="ja-JP" altLang="en-US" sz="3200" dirty="0"/>
+              <a:t>ボディ</a:t>
+            </a:r>
+            <a:r>
+              <a:rPr lang="en-US" altLang="ja-JP" sz="3200" dirty="0"/>
+              <a:t>, 4</a:t>
+            </a:r>
+            <a:r>
+              <a:rPr lang="ja-JP" altLang="en-US" sz="3200" dirty="0"/>
+              <a:t>ブレード</a:t>
+            </a:r>
+            <a:r>
+              <a:rPr lang="en-US" altLang="ja-JP" sz="3200" dirty="0"/>
+              <a:t>, 4</a:t>
+            </a:r>
+            <a:r>
+              <a:rPr lang="ja-JP" altLang="en-US" sz="3200" dirty="0"/>
+              <a:t>モーター</a:t>
+            </a:r>
+            <a:endParaRPr lang="en-US" altLang="ja-JP" sz="3200" dirty="0"/>
+          </a:p>
+          <a:p>
+            <a:pPr marL="0" indent="0">
+              <a:buNone/>
+            </a:pPr>
+            <a:r>
+              <a:rPr kumimoji="1" lang="ja-JP" altLang="en-US" sz="3200" dirty="0"/>
+              <a:t>・本体からの方向に対応する遺伝子分の回転</a:t>
+            </a:r>
+          </a:p>
+        </p:txBody>
+      </p:sp>
+      <p:cxnSp>
+        <p:nvCxnSpPr>
+          <p:cNvPr id="7" name="直線矢印コネクタ 6">
+            <a:extLst>
+              <a:ext uri="{FF2B5EF4-FFF2-40B4-BE49-F238E27FC236}">
+                <a16:creationId xmlns:a16="http://schemas.microsoft.com/office/drawing/2014/main" id="{CCF8562A-FC9B-45D5-B209-59303D8C6405}"/>
+              </a:ext>
+            </a:extLst>
+          </p:cNvPr>
+          <p:cNvCxnSpPr>
+            <a:cxnSpLocks/>
+          </p:cNvCxnSpPr>
+          <p:nvPr/>
+        </p:nvCxnSpPr>
+        <p:spPr>
+          <a:xfrm>
+            <a:off x="307113" y="4698324"/>
+            <a:ext cx="4642339" cy="0"/>
+          </a:xfrm>
+          <a:prstGeom prst="straightConnector1">
+            <a:avLst/>
+          </a:prstGeom>
           <a:ln>
-            <a:solidFill>
-              <a:srgbClr val="FF0000"/>
-            </a:solidFill>
+            <a:tailEnd type="triangle"/>
           </a:ln>
         </p:spPr>
         <p:style>
@@ -7899,407 +7598,30 @@
           </a:fontRef>
         </p:style>
       </p:cxnSp>
-      <p:sp>
-        <p:nvSpPr>
-          <p:cNvPr id="2" name="タイトル 1">
-            <a:extLst>
-              <a:ext uri="{FF2B5EF4-FFF2-40B4-BE49-F238E27FC236}">
-                <a16:creationId xmlns:a16="http://schemas.microsoft.com/office/drawing/2014/main" id="{8659B496-85E1-4820-9D49-43AFBF621C3D}"/>
-              </a:ext>
-            </a:extLst>
-          </p:cNvPr>
-          <p:cNvSpPr>
-            <a:spLocks noGrp="1"/>
-          </p:cNvSpPr>
-          <p:nvPr>
-            <p:ph type="title"/>
-          </p:nvPr>
-        </p:nvSpPr>
-        <p:spPr>
-          <a:xfrm>
-            <a:off x="1097280" y="286603"/>
-            <a:ext cx="10058400" cy="1023213"/>
-          </a:xfrm>
-        </p:spPr>
-        <p:txBody>
-          <a:bodyPr>
-            <a:normAutofit/>
-          </a:bodyPr>
-          <a:lstStyle/>
-          <a:p>
-            <a:pPr algn="ctr"/>
-            <a:r>
-              <a:rPr lang="ja-JP" altLang="en-US" sz="6000" dirty="0"/>
-              <a:t>環境・適応度</a:t>
-            </a:r>
-            <a:endParaRPr kumimoji="1" lang="ja-JP" altLang="en-US" sz="6000" dirty="0"/>
-          </a:p>
-        </p:txBody>
-      </p:sp>
-      <p:sp>
-        <p:nvSpPr>
-          <p:cNvPr id="3" name="コンテンツ プレースホルダー 2">
-            <a:extLst>
-              <a:ext uri="{FF2B5EF4-FFF2-40B4-BE49-F238E27FC236}">
-                <a16:creationId xmlns:a16="http://schemas.microsoft.com/office/drawing/2014/main" id="{AAD208B0-04EC-4244-AB9A-870D916503AE}"/>
-              </a:ext>
-            </a:extLst>
-          </p:cNvPr>
-          <p:cNvSpPr>
-            <a:spLocks noGrp="1"/>
-          </p:cNvSpPr>
-          <p:nvPr>
-            <p:ph idx="1"/>
-          </p:nvPr>
-        </p:nvSpPr>
-        <p:spPr>
-          <a:xfrm>
-            <a:off x="1097280" y="1532238"/>
-            <a:ext cx="10058400" cy="5039159"/>
-          </a:xfrm>
-        </p:spPr>
-        <p:txBody>
-          <a:bodyPr>
-            <a:normAutofit/>
-          </a:bodyPr>
-          <a:lstStyle/>
-          <a:p>
-            <a:pPr marL="0" indent="0">
-              <a:buNone/>
-            </a:pPr>
-            <a:r>
-              <a:rPr lang="ja-JP" altLang="en-US" sz="3200" dirty="0"/>
-              <a:t>・適応度＝</a:t>
-            </a:r>
-            <a:r>
-              <a:rPr lang="en-US" altLang="ja-JP" sz="3200" dirty="0"/>
-              <a:t>z</a:t>
-            </a:r>
-            <a:r>
-              <a:rPr lang="ja-JP" altLang="en-US" sz="3200" dirty="0"/>
-              <a:t>軸正方向への進行距離</a:t>
-            </a:r>
-            <a:endParaRPr lang="en-US" altLang="ja-JP" sz="3200" dirty="0"/>
-          </a:p>
-          <a:p>
-            <a:pPr marL="0" indent="0">
-              <a:buNone/>
-            </a:pPr>
-            <a:r>
-              <a:rPr kumimoji="1" lang="ja-JP" altLang="en-US" sz="3200" dirty="0"/>
-              <a:t>・初期集団は乱数生成</a:t>
-            </a:r>
-            <a:endParaRPr kumimoji="1" lang="en-US" altLang="ja-JP" sz="3200" dirty="0"/>
-          </a:p>
-          <a:p>
-            <a:pPr marL="0" indent="0">
-              <a:buNone/>
-            </a:pPr>
-            <a:r>
-              <a:rPr lang="ja-JP" altLang="en-US" sz="3200" dirty="0"/>
-              <a:t>・モーターは</a:t>
-            </a:r>
-            <a:r>
-              <a:rPr lang="en-US" altLang="ja-JP" sz="3200" dirty="0"/>
-              <a:t>-2,-1,0,1,2</a:t>
-            </a:r>
-            <a:r>
-              <a:rPr lang="ja-JP" altLang="en-US" sz="3200" dirty="0"/>
-              <a:t>の</a:t>
-            </a:r>
-            <a:r>
-              <a:rPr lang="en-US" altLang="ja-JP" sz="3200" dirty="0"/>
-              <a:t>5</a:t>
-            </a:r>
-            <a:r>
-              <a:rPr lang="ja-JP" altLang="en-US" sz="3200" dirty="0"/>
-              <a:t>段階の強度</a:t>
-            </a:r>
-            <a:endParaRPr lang="en-US" altLang="ja-JP" sz="3200" dirty="0"/>
-          </a:p>
-          <a:p>
-            <a:pPr marL="0" indent="0">
-              <a:buNone/>
-            </a:pPr>
-            <a:endParaRPr kumimoji="1" lang="en-US" altLang="ja-JP" sz="3200" dirty="0"/>
-          </a:p>
-          <a:p>
-            <a:pPr marL="0" indent="0">
-              <a:buNone/>
-            </a:pPr>
-            <a:endParaRPr lang="en-US" altLang="ja-JP" sz="3200" dirty="0"/>
-          </a:p>
-          <a:p>
-            <a:pPr marL="0" indent="0">
-              <a:buNone/>
-            </a:pPr>
-            <a:endParaRPr kumimoji="1" lang="ja-JP" altLang="en-US" sz="3200" dirty="0"/>
-          </a:p>
-        </p:txBody>
-      </p:sp>
-      <p:pic>
-        <p:nvPicPr>
-          <p:cNvPr id="9" name="図 8">
-            <a:extLst>
-              <a:ext uri="{FF2B5EF4-FFF2-40B4-BE49-F238E27FC236}">
-                <a16:creationId xmlns:a16="http://schemas.microsoft.com/office/drawing/2014/main" id="{6FD63EDC-912F-4406-9E33-F9475B6966BE}"/>
-              </a:ext>
-            </a:extLst>
-          </p:cNvPr>
-          <p:cNvPicPr>
-            <a:picLocks noChangeAspect="1"/>
-          </p:cNvPicPr>
-          <p:nvPr/>
-        </p:nvPicPr>
-        <p:blipFill>
-          <a:blip r:embed="rId2"/>
-          <a:stretch>
-            <a:fillRect/>
-          </a:stretch>
-        </p:blipFill>
-        <p:spPr>
-          <a:xfrm>
-            <a:off x="1580269" y="4610686"/>
-            <a:ext cx="614291" cy="610897"/>
-          </a:xfrm>
-          <a:prstGeom prst="rect">
-            <a:avLst/>
-          </a:prstGeom>
-        </p:spPr>
-      </p:pic>
-      <p:pic>
-        <p:nvPicPr>
-          <p:cNvPr id="10" name="図 9">
-            <a:extLst>
-              <a:ext uri="{FF2B5EF4-FFF2-40B4-BE49-F238E27FC236}">
-                <a16:creationId xmlns:a16="http://schemas.microsoft.com/office/drawing/2014/main" id="{6BCA95F3-8D18-43DE-A058-CB4D6B7A84C5}"/>
-              </a:ext>
-            </a:extLst>
-          </p:cNvPr>
-          <p:cNvPicPr>
-            <a:picLocks noChangeAspect="1"/>
-          </p:cNvPicPr>
-          <p:nvPr/>
-        </p:nvPicPr>
-        <p:blipFill>
-          <a:blip r:embed="rId2"/>
-          <a:stretch>
-            <a:fillRect/>
-          </a:stretch>
-        </p:blipFill>
-        <p:spPr>
-          <a:xfrm>
-            <a:off x="6729045" y="4610685"/>
-            <a:ext cx="614291" cy="610897"/>
-          </a:xfrm>
-          <a:prstGeom prst="rect">
-            <a:avLst/>
-          </a:prstGeom>
-        </p:spPr>
-      </p:pic>
-      <p:pic>
-        <p:nvPicPr>
-          <p:cNvPr id="11" name="図 10">
-            <a:extLst>
-              <a:ext uri="{FF2B5EF4-FFF2-40B4-BE49-F238E27FC236}">
-                <a16:creationId xmlns:a16="http://schemas.microsoft.com/office/drawing/2014/main" id="{FAD832D0-5077-4138-A483-8AEEEE8334FE}"/>
-              </a:ext>
-            </a:extLst>
-          </p:cNvPr>
-          <p:cNvPicPr>
-            <a:picLocks noChangeAspect="1"/>
-          </p:cNvPicPr>
-          <p:nvPr/>
-        </p:nvPicPr>
-        <p:blipFill>
-          <a:blip r:embed="rId2"/>
-          <a:stretch>
-            <a:fillRect/>
-          </a:stretch>
-        </p:blipFill>
-        <p:spPr>
-          <a:xfrm>
-            <a:off x="5441851" y="4610685"/>
-            <a:ext cx="614291" cy="610897"/>
-          </a:xfrm>
-          <a:prstGeom prst="rect">
-            <a:avLst/>
-          </a:prstGeom>
-        </p:spPr>
-      </p:pic>
-      <p:pic>
-        <p:nvPicPr>
-          <p:cNvPr id="12" name="図 11">
-            <a:extLst>
-              <a:ext uri="{FF2B5EF4-FFF2-40B4-BE49-F238E27FC236}">
-                <a16:creationId xmlns:a16="http://schemas.microsoft.com/office/drawing/2014/main" id="{A51A2259-52F4-433B-86FA-5A80237A2678}"/>
-              </a:ext>
-            </a:extLst>
-          </p:cNvPr>
-          <p:cNvPicPr>
-            <a:picLocks noChangeAspect="1"/>
-          </p:cNvPicPr>
-          <p:nvPr/>
-        </p:nvPicPr>
-        <p:blipFill>
-          <a:blip r:embed="rId2"/>
-          <a:stretch>
-            <a:fillRect/>
-          </a:stretch>
-        </p:blipFill>
-        <p:spPr>
-          <a:xfrm>
-            <a:off x="4154657" y="4610686"/>
-            <a:ext cx="614291" cy="610897"/>
-          </a:xfrm>
-          <a:prstGeom prst="rect">
-            <a:avLst/>
-          </a:prstGeom>
-        </p:spPr>
-      </p:pic>
-      <p:pic>
-        <p:nvPicPr>
-          <p:cNvPr id="13" name="図 12">
-            <a:extLst>
-              <a:ext uri="{FF2B5EF4-FFF2-40B4-BE49-F238E27FC236}">
-                <a16:creationId xmlns:a16="http://schemas.microsoft.com/office/drawing/2014/main" id="{46782981-F014-4681-AC53-AF4973FB9F22}"/>
-              </a:ext>
-            </a:extLst>
-          </p:cNvPr>
-          <p:cNvPicPr>
-            <a:picLocks noChangeAspect="1"/>
-          </p:cNvPicPr>
-          <p:nvPr/>
-        </p:nvPicPr>
-        <p:blipFill>
-          <a:blip r:embed="rId2"/>
-          <a:stretch>
-            <a:fillRect/>
-          </a:stretch>
-        </p:blipFill>
-        <p:spPr>
-          <a:xfrm>
-            <a:off x="2867463" y="4610686"/>
-            <a:ext cx="614291" cy="610897"/>
-          </a:xfrm>
-          <a:prstGeom prst="rect">
-            <a:avLst/>
-          </a:prstGeom>
-        </p:spPr>
-      </p:pic>
-      <p:pic>
-        <p:nvPicPr>
-          <p:cNvPr id="14" name="図 13">
-            <a:extLst>
-              <a:ext uri="{FF2B5EF4-FFF2-40B4-BE49-F238E27FC236}">
-                <a16:creationId xmlns:a16="http://schemas.microsoft.com/office/drawing/2014/main" id="{3A1656F2-2B1A-4CBA-B389-DBD152EECF05}"/>
-              </a:ext>
-            </a:extLst>
-          </p:cNvPr>
-          <p:cNvPicPr>
-            <a:picLocks noChangeAspect="1"/>
-          </p:cNvPicPr>
-          <p:nvPr/>
-        </p:nvPicPr>
-        <p:blipFill>
-          <a:blip r:embed="rId2"/>
-          <a:stretch>
-            <a:fillRect/>
-          </a:stretch>
-        </p:blipFill>
-        <p:spPr>
-          <a:xfrm>
-            <a:off x="10590627" y="4610683"/>
-            <a:ext cx="614291" cy="610897"/>
-          </a:xfrm>
-          <a:prstGeom prst="rect">
-            <a:avLst/>
-          </a:prstGeom>
-        </p:spPr>
-      </p:pic>
-      <p:pic>
-        <p:nvPicPr>
-          <p:cNvPr id="15" name="図 14">
-            <a:extLst>
-              <a:ext uri="{FF2B5EF4-FFF2-40B4-BE49-F238E27FC236}">
-                <a16:creationId xmlns:a16="http://schemas.microsoft.com/office/drawing/2014/main" id="{1214576E-C788-4C42-8FEC-1339882C1F82}"/>
-              </a:ext>
-            </a:extLst>
-          </p:cNvPr>
-          <p:cNvPicPr>
-            <a:picLocks noChangeAspect="1"/>
-          </p:cNvPicPr>
-          <p:nvPr/>
-        </p:nvPicPr>
-        <p:blipFill>
-          <a:blip r:embed="rId2"/>
-          <a:stretch>
-            <a:fillRect/>
-          </a:stretch>
-        </p:blipFill>
-        <p:spPr>
-          <a:xfrm>
-            <a:off x="9303433" y="4610684"/>
-            <a:ext cx="614291" cy="610897"/>
-          </a:xfrm>
-          <a:prstGeom prst="rect">
-            <a:avLst/>
-          </a:prstGeom>
-        </p:spPr>
-      </p:pic>
-      <p:pic>
-        <p:nvPicPr>
-          <p:cNvPr id="16" name="図 15">
-            <a:extLst>
-              <a:ext uri="{FF2B5EF4-FFF2-40B4-BE49-F238E27FC236}">
-                <a16:creationId xmlns:a16="http://schemas.microsoft.com/office/drawing/2014/main" id="{BBFBDAD3-3363-40A8-847A-EBE8CB8877D5}"/>
-              </a:ext>
-            </a:extLst>
-          </p:cNvPr>
-          <p:cNvPicPr>
-            <a:picLocks noChangeAspect="1"/>
-          </p:cNvPicPr>
-          <p:nvPr/>
-        </p:nvPicPr>
-        <p:blipFill>
-          <a:blip r:embed="rId2"/>
-          <a:stretch>
-            <a:fillRect/>
-          </a:stretch>
-        </p:blipFill>
-        <p:spPr>
-          <a:xfrm>
-            <a:off x="8016239" y="4610685"/>
-            <a:ext cx="614291" cy="610897"/>
-          </a:xfrm>
-          <a:prstGeom prst="rect">
-            <a:avLst/>
-          </a:prstGeom>
-        </p:spPr>
-      </p:pic>
       <p:cxnSp>
         <p:nvCxnSpPr>
-          <p:cNvPr id="21" name="直線矢印コネクタ 20">
-            <a:extLst>
-              <a:ext uri="{FF2B5EF4-FFF2-40B4-BE49-F238E27FC236}">
-                <a16:creationId xmlns:a16="http://schemas.microsoft.com/office/drawing/2014/main" id="{EAE0C75E-C24C-4B05-98ED-5846F261DE14}"/>
+          <p:cNvPr id="10" name="直線矢印コネクタ 9">
+            <a:extLst>
+              <a:ext uri="{FF2B5EF4-FFF2-40B4-BE49-F238E27FC236}">
+                <a16:creationId xmlns:a16="http://schemas.microsoft.com/office/drawing/2014/main" id="{D5AA3BE1-1760-4F90-BC13-1A0B72782396}"/>
               </a:ext>
             </a:extLst>
           </p:cNvPr>
           <p:cNvCxnSpPr>
             <a:cxnSpLocks/>
+            <a:endCxn id="35" idx="1"/>
           </p:cNvCxnSpPr>
           <p:nvPr/>
         </p:nvCxnSpPr>
         <p:spPr>
-          <a:xfrm flipV="1">
-            <a:off x="844062" y="3756074"/>
-            <a:ext cx="3517" cy="2363372"/>
+          <a:xfrm flipH="1" flipV="1">
+            <a:off x="2628281" y="2581994"/>
+            <a:ext cx="2" cy="4276006"/>
           </a:xfrm>
           <a:prstGeom prst="straightConnector1">
             <a:avLst/>
           </a:prstGeom>
-          <a:ln w="38100">
+          <a:ln>
             <a:tailEnd type="triangle"/>
           </a:ln>
         </p:spPr>
@@ -8320,6 +7642,1024 @@
       </p:cxnSp>
       <p:sp>
         <p:nvSpPr>
+          <p:cNvPr id="5" name="楕円 4">
+            <a:extLst>
+              <a:ext uri="{FF2B5EF4-FFF2-40B4-BE49-F238E27FC236}">
+                <a16:creationId xmlns:a16="http://schemas.microsoft.com/office/drawing/2014/main" id="{01369B36-35D2-43A6-AC46-0C69AAD8F149}"/>
+              </a:ext>
+            </a:extLst>
+          </p:cNvPr>
+          <p:cNvSpPr/>
+          <p:nvPr/>
+        </p:nvSpPr>
+        <p:spPr>
+          <a:xfrm>
+            <a:off x="1679902" y="3679283"/>
+            <a:ext cx="1896762" cy="1896762"/>
+          </a:xfrm>
+          <a:prstGeom prst="ellipse">
+            <a:avLst/>
+          </a:prstGeom>
+          <a:solidFill>
+            <a:schemeClr val="bg1">
+              <a:lumMod val="85000"/>
+            </a:schemeClr>
+          </a:solidFill>
+          <a:ln>
+            <a:solidFill>
+              <a:schemeClr val="tx1"/>
+            </a:solidFill>
+          </a:ln>
+        </p:spPr>
+        <p:style>
+          <a:lnRef idx="2">
+            <a:schemeClr val="accent1">
+              <a:shade val="50000"/>
+            </a:schemeClr>
+          </a:lnRef>
+          <a:fillRef idx="1">
+            <a:schemeClr val="accent1"/>
+          </a:fillRef>
+          <a:effectRef idx="0">
+            <a:schemeClr val="accent1"/>
+          </a:effectRef>
+          <a:fontRef idx="minor">
+            <a:schemeClr val="lt1"/>
+          </a:fontRef>
+        </p:style>
+        <p:txBody>
+          <a:bodyPr rtlCol="0" anchor="ctr"/>
+          <a:lstStyle/>
+          <a:p>
+            <a:pPr algn="ctr"/>
+            <a:endParaRPr kumimoji="1" lang="ja-JP" altLang="en-US" dirty="0"/>
+          </a:p>
+        </p:txBody>
+      </p:sp>
+      <p:sp>
+        <p:nvSpPr>
+          <p:cNvPr id="31" name="楕円 30">
+            <a:extLst>
+              <a:ext uri="{FF2B5EF4-FFF2-40B4-BE49-F238E27FC236}">
+                <a16:creationId xmlns:a16="http://schemas.microsoft.com/office/drawing/2014/main" id="{AEFA00D4-F138-4CAC-80A2-97C0D5E1BE24}"/>
+              </a:ext>
+            </a:extLst>
+          </p:cNvPr>
+          <p:cNvSpPr/>
+          <p:nvPr/>
+        </p:nvSpPr>
+        <p:spPr>
+          <a:xfrm>
+            <a:off x="2486272" y="3537273"/>
+            <a:ext cx="284019" cy="284019"/>
+          </a:xfrm>
+          <a:prstGeom prst="ellipse">
+            <a:avLst/>
+          </a:prstGeom>
+          <a:solidFill>
+            <a:schemeClr val="bg1">
+              <a:lumMod val="85000"/>
+            </a:schemeClr>
+          </a:solidFill>
+          <a:ln>
+            <a:solidFill>
+              <a:schemeClr val="tx1"/>
+            </a:solidFill>
+          </a:ln>
+        </p:spPr>
+        <p:style>
+          <a:lnRef idx="2">
+            <a:schemeClr val="accent1">
+              <a:shade val="50000"/>
+            </a:schemeClr>
+          </a:lnRef>
+          <a:fillRef idx="1">
+            <a:schemeClr val="accent1"/>
+          </a:fillRef>
+          <a:effectRef idx="0">
+            <a:schemeClr val="accent1"/>
+          </a:effectRef>
+          <a:fontRef idx="minor">
+            <a:schemeClr val="lt1"/>
+          </a:fontRef>
+        </p:style>
+        <p:txBody>
+          <a:bodyPr rtlCol="0" anchor="ctr"/>
+          <a:lstStyle/>
+          <a:p>
+            <a:pPr algn="ctr"/>
+            <a:endParaRPr kumimoji="1" lang="ja-JP" altLang="en-US" dirty="0"/>
+          </a:p>
+        </p:txBody>
+      </p:sp>
+      <p:sp>
+        <p:nvSpPr>
+          <p:cNvPr id="32" name="楕円 31">
+            <a:extLst>
+              <a:ext uri="{FF2B5EF4-FFF2-40B4-BE49-F238E27FC236}">
+                <a16:creationId xmlns:a16="http://schemas.microsoft.com/office/drawing/2014/main" id="{07DEBDCD-4922-4D89-8095-47F9D0E7CCC5}"/>
+              </a:ext>
+            </a:extLst>
+          </p:cNvPr>
+          <p:cNvSpPr/>
+          <p:nvPr/>
+        </p:nvSpPr>
+        <p:spPr>
+          <a:xfrm>
+            <a:off x="1532946" y="4556314"/>
+            <a:ext cx="284019" cy="284019"/>
+          </a:xfrm>
+          <a:prstGeom prst="ellipse">
+            <a:avLst/>
+          </a:prstGeom>
+          <a:solidFill>
+            <a:schemeClr val="bg1">
+              <a:lumMod val="85000"/>
+            </a:schemeClr>
+          </a:solidFill>
+          <a:ln>
+            <a:solidFill>
+              <a:schemeClr val="tx1"/>
+            </a:solidFill>
+          </a:ln>
+        </p:spPr>
+        <p:style>
+          <a:lnRef idx="2">
+            <a:schemeClr val="accent1">
+              <a:shade val="50000"/>
+            </a:schemeClr>
+          </a:lnRef>
+          <a:fillRef idx="1">
+            <a:schemeClr val="accent1"/>
+          </a:fillRef>
+          <a:effectRef idx="0">
+            <a:schemeClr val="accent1"/>
+          </a:effectRef>
+          <a:fontRef idx="minor">
+            <a:schemeClr val="lt1"/>
+          </a:fontRef>
+        </p:style>
+        <p:txBody>
+          <a:bodyPr rtlCol="0" anchor="ctr"/>
+          <a:lstStyle/>
+          <a:p>
+            <a:pPr algn="ctr"/>
+            <a:endParaRPr kumimoji="1" lang="ja-JP" altLang="en-US" dirty="0"/>
+          </a:p>
+        </p:txBody>
+      </p:sp>
+      <p:sp>
+        <p:nvSpPr>
+          <p:cNvPr id="33" name="楕円 32">
+            <a:extLst>
+              <a:ext uri="{FF2B5EF4-FFF2-40B4-BE49-F238E27FC236}">
+                <a16:creationId xmlns:a16="http://schemas.microsoft.com/office/drawing/2014/main" id="{E1F53032-A539-4F6B-8D66-F3857B274218}"/>
+              </a:ext>
+            </a:extLst>
+          </p:cNvPr>
+          <p:cNvSpPr/>
+          <p:nvPr/>
+        </p:nvSpPr>
+        <p:spPr>
+          <a:xfrm>
+            <a:off x="3438557" y="4556314"/>
+            <a:ext cx="284019" cy="284019"/>
+          </a:xfrm>
+          <a:prstGeom prst="ellipse">
+            <a:avLst/>
+          </a:prstGeom>
+          <a:solidFill>
+            <a:schemeClr val="bg1">
+              <a:lumMod val="85000"/>
+            </a:schemeClr>
+          </a:solidFill>
+          <a:ln>
+            <a:solidFill>
+              <a:schemeClr val="tx1"/>
+            </a:solidFill>
+          </a:ln>
+        </p:spPr>
+        <p:style>
+          <a:lnRef idx="2">
+            <a:schemeClr val="accent1">
+              <a:shade val="50000"/>
+            </a:schemeClr>
+          </a:lnRef>
+          <a:fillRef idx="1">
+            <a:schemeClr val="accent1"/>
+          </a:fillRef>
+          <a:effectRef idx="0">
+            <a:schemeClr val="accent1"/>
+          </a:effectRef>
+          <a:fontRef idx="minor">
+            <a:schemeClr val="lt1"/>
+          </a:fontRef>
+        </p:style>
+        <p:txBody>
+          <a:bodyPr rtlCol="0" anchor="ctr"/>
+          <a:lstStyle/>
+          <a:p>
+            <a:pPr algn="ctr"/>
+            <a:endParaRPr kumimoji="1" lang="ja-JP" altLang="en-US" dirty="0"/>
+          </a:p>
+        </p:txBody>
+      </p:sp>
+      <p:sp>
+        <p:nvSpPr>
+          <p:cNvPr id="34" name="楕円 33">
+            <a:extLst>
+              <a:ext uri="{FF2B5EF4-FFF2-40B4-BE49-F238E27FC236}">
+                <a16:creationId xmlns:a16="http://schemas.microsoft.com/office/drawing/2014/main" id="{B6D3C6D7-5007-4BEB-9F41-719FFD014AD2}"/>
+              </a:ext>
+            </a:extLst>
+          </p:cNvPr>
+          <p:cNvSpPr/>
+          <p:nvPr/>
+        </p:nvSpPr>
+        <p:spPr>
+          <a:xfrm>
+            <a:off x="2476861" y="5433343"/>
+            <a:ext cx="284019" cy="284019"/>
+          </a:xfrm>
+          <a:prstGeom prst="ellipse">
+            <a:avLst/>
+          </a:prstGeom>
+          <a:solidFill>
+            <a:schemeClr val="bg1">
+              <a:lumMod val="85000"/>
+            </a:schemeClr>
+          </a:solidFill>
+          <a:ln>
+            <a:solidFill>
+              <a:schemeClr val="tx1"/>
+            </a:solidFill>
+          </a:ln>
+        </p:spPr>
+        <p:style>
+          <a:lnRef idx="2">
+            <a:schemeClr val="accent1">
+              <a:shade val="50000"/>
+            </a:schemeClr>
+          </a:lnRef>
+          <a:fillRef idx="1">
+            <a:schemeClr val="accent1"/>
+          </a:fillRef>
+          <a:effectRef idx="0">
+            <a:schemeClr val="accent1"/>
+          </a:effectRef>
+          <a:fontRef idx="minor">
+            <a:schemeClr val="lt1"/>
+          </a:fontRef>
+        </p:style>
+        <p:txBody>
+          <a:bodyPr rtlCol="0" anchor="ctr"/>
+          <a:lstStyle/>
+          <a:p>
+            <a:pPr algn="ctr"/>
+            <a:endParaRPr kumimoji="1" lang="ja-JP" altLang="en-US" dirty="0"/>
+          </a:p>
+        </p:txBody>
+      </p:sp>
+      <p:sp>
+        <p:nvSpPr>
+          <p:cNvPr id="35" name="テキスト ボックス 34">
+            <a:extLst>
+              <a:ext uri="{FF2B5EF4-FFF2-40B4-BE49-F238E27FC236}">
+                <a16:creationId xmlns:a16="http://schemas.microsoft.com/office/drawing/2014/main" id="{06D074EA-D591-4FE1-81C7-19AB8A470EC3}"/>
+              </a:ext>
+            </a:extLst>
+          </p:cNvPr>
+          <p:cNvSpPr txBox="1"/>
+          <p:nvPr/>
+        </p:nvSpPr>
+        <p:spPr>
+          <a:xfrm>
+            <a:off x="2628281" y="2397328"/>
+            <a:ext cx="290464" cy="369332"/>
+          </a:xfrm>
+          <a:prstGeom prst="rect">
+            <a:avLst/>
+          </a:prstGeom>
+          <a:noFill/>
+        </p:spPr>
+        <p:txBody>
+          <a:bodyPr wrap="none" rtlCol="0">
+            <a:spAutoFit/>
+          </a:bodyPr>
+          <a:lstStyle/>
+          <a:p>
+            <a:r>
+              <a:rPr kumimoji="1" lang="en-US" altLang="ja-JP" dirty="0"/>
+              <a:t>z</a:t>
+            </a:r>
+            <a:endParaRPr kumimoji="1" lang="ja-JP" altLang="en-US" dirty="0"/>
+          </a:p>
+        </p:txBody>
+      </p:sp>
+      <p:sp>
+        <p:nvSpPr>
+          <p:cNvPr id="36" name="テキスト ボックス 35">
+            <a:extLst>
+              <a:ext uri="{FF2B5EF4-FFF2-40B4-BE49-F238E27FC236}">
+                <a16:creationId xmlns:a16="http://schemas.microsoft.com/office/drawing/2014/main" id="{521019BA-E3CF-49D5-BF56-6D0E8CC467EE}"/>
+              </a:ext>
+            </a:extLst>
+          </p:cNvPr>
+          <p:cNvSpPr txBox="1"/>
+          <p:nvPr/>
+        </p:nvSpPr>
+        <p:spPr>
+          <a:xfrm>
+            <a:off x="4652895" y="4345068"/>
+            <a:ext cx="296876" cy="369332"/>
+          </a:xfrm>
+          <a:prstGeom prst="rect">
+            <a:avLst/>
+          </a:prstGeom>
+          <a:noFill/>
+        </p:spPr>
+        <p:txBody>
+          <a:bodyPr wrap="none" rtlCol="0">
+            <a:spAutoFit/>
+          </a:bodyPr>
+          <a:lstStyle/>
+          <a:p>
+            <a:r>
+              <a:rPr lang="en-US" altLang="ja-JP" dirty="0"/>
+              <a:t>x</a:t>
+            </a:r>
+            <a:endParaRPr kumimoji="1" lang="ja-JP" altLang="en-US" dirty="0"/>
+          </a:p>
+        </p:txBody>
+      </p:sp>
+      <p:sp>
+        <p:nvSpPr>
+          <p:cNvPr id="37" name="テキスト ボックス 36">
+            <a:extLst>
+              <a:ext uri="{FF2B5EF4-FFF2-40B4-BE49-F238E27FC236}">
+                <a16:creationId xmlns:a16="http://schemas.microsoft.com/office/drawing/2014/main" id="{9ADE1C7E-E663-4C34-A3E2-112D7EAC25AD}"/>
+              </a:ext>
+            </a:extLst>
+          </p:cNvPr>
+          <p:cNvSpPr txBox="1"/>
+          <p:nvPr/>
+        </p:nvSpPr>
+        <p:spPr>
+          <a:xfrm>
+            <a:off x="3907950" y="4422012"/>
+            <a:ext cx="420308" cy="584775"/>
+          </a:xfrm>
+          <a:prstGeom prst="rect">
+            <a:avLst/>
+          </a:prstGeom>
+          <a:noFill/>
+        </p:spPr>
+        <p:txBody>
+          <a:bodyPr wrap="none" rtlCol="0">
+            <a:spAutoFit/>
+          </a:bodyPr>
+          <a:lstStyle/>
+          <a:p>
+            <a:r>
+              <a:rPr lang="en-US" altLang="ja-JP" sz="3200" b="1" dirty="0"/>
+              <a:t>0</a:t>
+            </a:r>
+            <a:endParaRPr kumimoji="1" lang="ja-JP" altLang="en-US" sz="3200" b="1" dirty="0"/>
+          </a:p>
+        </p:txBody>
+      </p:sp>
+      <p:sp>
+        <p:nvSpPr>
+          <p:cNvPr id="38" name="テキスト ボックス 37">
+            <a:extLst>
+              <a:ext uri="{FF2B5EF4-FFF2-40B4-BE49-F238E27FC236}">
+                <a16:creationId xmlns:a16="http://schemas.microsoft.com/office/drawing/2014/main" id="{6DA4256B-6A73-447C-A052-C1280B3FD33A}"/>
+              </a:ext>
+            </a:extLst>
+          </p:cNvPr>
+          <p:cNvSpPr txBox="1"/>
+          <p:nvPr/>
+        </p:nvSpPr>
+        <p:spPr>
+          <a:xfrm>
+            <a:off x="2418127" y="5866280"/>
+            <a:ext cx="420308" cy="584775"/>
+          </a:xfrm>
+          <a:prstGeom prst="rect">
+            <a:avLst/>
+          </a:prstGeom>
+          <a:noFill/>
+        </p:spPr>
+        <p:txBody>
+          <a:bodyPr wrap="none" rtlCol="0">
+            <a:spAutoFit/>
+          </a:bodyPr>
+          <a:lstStyle/>
+          <a:p>
+            <a:r>
+              <a:rPr kumimoji="1" lang="en-US" altLang="ja-JP" sz="3200" b="1" dirty="0"/>
+              <a:t>3</a:t>
+            </a:r>
+            <a:endParaRPr kumimoji="1" lang="ja-JP" altLang="en-US" sz="3200" b="1" dirty="0"/>
+          </a:p>
+        </p:txBody>
+      </p:sp>
+      <p:sp>
+        <p:nvSpPr>
+          <p:cNvPr id="39" name="テキスト ボックス 38">
+            <a:extLst>
+              <a:ext uri="{FF2B5EF4-FFF2-40B4-BE49-F238E27FC236}">
+                <a16:creationId xmlns:a16="http://schemas.microsoft.com/office/drawing/2014/main" id="{FE4DC64B-0B45-4EF2-A44B-93A2CF1635CB}"/>
+              </a:ext>
+            </a:extLst>
+          </p:cNvPr>
+          <p:cNvSpPr txBox="1"/>
+          <p:nvPr/>
+        </p:nvSpPr>
+        <p:spPr>
+          <a:xfrm>
+            <a:off x="883797" y="4405935"/>
+            <a:ext cx="420308" cy="584775"/>
+          </a:xfrm>
+          <a:prstGeom prst="rect">
+            <a:avLst/>
+          </a:prstGeom>
+          <a:noFill/>
+        </p:spPr>
+        <p:txBody>
+          <a:bodyPr wrap="none" rtlCol="0">
+            <a:spAutoFit/>
+          </a:bodyPr>
+          <a:lstStyle/>
+          <a:p>
+            <a:r>
+              <a:rPr kumimoji="1" lang="en-US" altLang="ja-JP" sz="3200" b="1" dirty="0"/>
+              <a:t>2</a:t>
+            </a:r>
+            <a:endParaRPr kumimoji="1" lang="ja-JP" altLang="en-US" sz="3200" b="1" dirty="0"/>
+          </a:p>
+        </p:txBody>
+      </p:sp>
+      <p:sp>
+        <p:nvSpPr>
+          <p:cNvPr id="40" name="テキスト ボックス 39">
+            <a:extLst>
+              <a:ext uri="{FF2B5EF4-FFF2-40B4-BE49-F238E27FC236}">
+                <a16:creationId xmlns:a16="http://schemas.microsoft.com/office/drawing/2014/main" id="{760B3D1D-6D8E-4211-8ACF-33799D77C4BB}"/>
+              </a:ext>
+            </a:extLst>
+          </p:cNvPr>
+          <p:cNvSpPr txBox="1"/>
+          <p:nvPr/>
+        </p:nvSpPr>
+        <p:spPr>
+          <a:xfrm>
+            <a:off x="2408716" y="2764505"/>
+            <a:ext cx="420308" cy="584775"/>
+          </a:xfrm>
+          <a:prstGeom prst="rect">
+            <a:avLst/>
+          </a:prstGeom>
+          <a:noFill/>
+        </p:spPr>
+        <p:txBody>
+          <a:bodyPr wrap="none" rtlCol="0">
+            <a:spAutoFit/>
+          </a:bodyPr>
+          <a:lstStyle/>
+          <a:p>
+            <a:r>
+              <a:rPr kumimoji="1" lang="en-US" altLang="ja-JP" sz="3200" b="1" dirty="0"/>
+              <a:t>1</a:t>
+            </a:r>
+            <a:endParaRPr kumimoji="1" lang="ja-JP" altLang="en-US" sz="3200" b="1" dirty="0"/>
+          </a:p>
+        </p:txBody>
+      </p:sp>
+      <p:pic>
+        <p:nvPicPr>
+          <p:cNvPr id="42" name="図 41">
+            <a:extLst>
+              <a:ext uri="{FF2B5EF4-FFF2-40B4-BE49-F238E27FC236}">
+                <a16:creationId xmlns:a16="http://schemas.microsoft.com/office/drawing/2014/main" id="{76CB6D54-D37B-4704-971D-AD6EA4B1291B}"/>
+              </a:ext>
+            </a:extLst>
+          </p:cNvPr>
+          <p:cNvPicPr>
+            <a:picLocks noChangeAspect="1"/>
+          </p:cNvPicPr>
+          <p:nvPr/>
+        </p:nvPicPr>
+        <p:blipFill>
+          <a:blip r:embed="rId2"/>
+          <a:stretch>
+            <a:fillRect/>
+          </a:stretch>
+        </p:blipFill>
+        <p:spPr>
+          <a:xfrm>
+            <a:off x="6096000" y="2711288"/>
+            <a:ext cx="3769084" cy="3832751"/>
+          </a:xfrm>
+          <a:prstGeom prst="rect">
+            <a:avLst/>
+          </a:prstGeom>
+        </p:spPr>
+      </p:pic>
+    </p:spTree>
+    <p:extLst>
+      <p:ext uri="{BB962C8B-B14F-4D97-AF65-F5344CB8AC3E}">
+        <p14:creationId xmlns:p14="http://schemas.microsoft.com/office/powerpoint/2010/main" val="1317032536"/>
+      </p:ext>
+    </p:extLst>
+  </p:cSld>
+  <p:clrMapOvr>
+    <a:masterClrMapping/>
+  </p:clrMapOvr>
+</p:sld>
+</file>
+
+<file path=ppt/slides/slide5.xml><?xml version="1.0" encoding="utf-8"?>
+<p:sld xmlns:a="http://schemas.openxmlformats.org/drawingml/2006/main" xmlns:r="http://schemas.openxmlformats.org/officeDocument/2006/relationships" xmlns:p="http://schemas.openxmlformats.org/presentationml/2006/main">
+  <p:cSld>
+    <p:spTree>
+      <p:nvGrpSpPr>
+        <p:cNvPr id="1" name=""/>
+        <p:cNvGrpSpPr/>
+        <p:nvPr/>
+      </p:nvGrpSpPr>
+      <p:grpSpPr>
+        <a:xfrm>
+          <a:off x="0" y="0"/>
+          <a:ext cx="0" cy="0"/>
+          <a:chOff x="0" y="0"/>
+          <a:chExt cx="0" cy="0"/>
+        </a:xfrm>
+      </p:grpSpPr>
+      <p:cxnSp>
+        <p:nvCxnSpPr>
+          <p:cNvPr id="18" name="直線コネクタ 17">
+            <a:extLst>
+              <a:ext uri="{FF2B5EF4-FFF2-40B4-BE49-F238E27FC236}">
+                <a16:creationId xmlns:a16="http://schemas.microsoft.com/office/drawing/2014/main" id="{37C105B1-04BD-450E-8445-2CCD3A53A8FC}"/>
+              </a:ext>
+            </a:extLst>
+          </p:cNvPr>
+          <p:cNvCxnSpPr>
+            <a:cxnSpLocks/>
+          </p:cNvCxnSpPr>
+          <p:nvPr/>
+        </p:nvCxnSpPr>
+        <p:spPr>
+          <a:xfrm>
+            <a:off x="847579" y="4916131"/>
+            <a:ext cx="11030242" cy="0"/>
+          </a:xfrm>
+          <a:prstGeom prst="line">
+            <a:avLst/>
+          </a:prstGeom>
+          <a:ln>
+            <a:solidFill>
+              <a:srgbClr val="FF0000"/>
+            </a:solidFill>
+          </a:ln>
+        </p:spPr>
+        <p:style>
+          <a:lnRef idx="1">
+            <a:schemeClr val="accent1"/>
+          </a:lnRef>
+          <a:fillRef idx="0">
+            <a:schemeClr val="accent1"/>
+          </a:fillRef>
+          <a:effectRef idx="0">
+            <a:schemeClr val="accent1"/>
+          </a:effectRef>
+          <a:fontRef idx="minor">
+            <a:schemeClr val="tx1"/>
+          </a:fontRef>
+        </p:style>
+      </p:cxnSp>
+      <p:sp>
+        <p:nvSpPr>
+          <p:cNvPr id="2" name="タイトル 1">
+            <a:extLst>
+              <a:ext uri="{FF2B5EF4-FFF2-40B4-BE49-F238E27FC236}">
+                <a16:creationId xmlns:a16="http://schemas.microsoft.com/office/drawing/2014/main" id="{8659B496-85E1-4820-9D49-43AFBF621C3D}"/>
+              </a:ext>
+            </a:extLst>
+          </p:cNvPr>
+          <p:cNvSpPr>
+            <a:spLocks noGrp="1"/>
+          </p:cNvSpPr>
+          <p:nvPr>
+            <p:ph type="title"/>
+          </p:nvPr>
+        </p:nvSpPr>
+        <p:spPr>
+          <a:xfrm>
+            <a:off x="1097280" y="286603"/>
+            <a:ext cx="10058400" cy="1023213"/>
+          </a:xfrm>
+        </p:spPr>
+        <p:txBody>
+          <a:bodyPr>
+            <a:normAutofit/>
+          </a:bodyPr>
+          <a:lstStyle/>
+          <a:p>
+            <a:pPr algn="ctr"/>
+            <a:r>
+              <a:rPr lang="ja-JP" altLang="en-US" sz="6000" dirty="0"/>
+              <a:t>環境・適応度</a:t>
+            </a:r>
+            <a:endParaRPr kumimoji="1" lang="ja-JP" altLang="en-US" sz="6000" dirty="0"/>
+          </a:p>
+        </p:txBody>
+      </p:sp>
+      <p:sp>
+        <p:nvSpPr>
+          <p:cNvPr id="3" name="コンテンツ プレースホルダー 2">
+            <a:extLst>
+              <a:ext uri="{FF2B5EF4-FFF2-40B4-BE49-F238E27FC236}">
+                <a16:creationId xmlns:a16="http://schemas.microsoft.com/office/drawing/2014/main" id="{AAD208B0-04EC-4244-AB9A-870D916503AE}"/>
+              </a:ext>
+            </a:extLst>
+          </p:cNvPr>
+          <p:cNvSpPr>
+            <a:spLocks noGrp="1"/>
+          </p:cNvSpPr>
+          <p:nvPr>
+            <p:ph idx="1"/>
+          </p:nvPr>
+        </p:nvSpPr>
+        <p:spPr>
+          <a:xfrm>
+            <a:off x="1097280" y="1532238"/>
+            <a:ext cx="10058400" cy="5039159"/>
+          </a:xfrm>
+        </p:spPr>
+        <p:txBody>
+          <a:bodyPr>
+            <a:normAutofit/>
+          </a:bodyPr>
+          <a:lstStyle/>
+          <a:p>
+            <a:pPr marL="0" indent="0">
+              <a:buNone/>
+            </a:pPr>
+            <a:r>
+              <a:rPr lang="ja-JP" altLang="en-US" sz="3200" dirty="0"/>
+              <a:t>・適応度＝</a:t>
+            </a:r>
+            <a:r>
+              <a:rPr lang="en-US" altLang="ja-JP" sz="3200" dirty="0"/>
+              <a:t>z</a:t>
+            </a:r>
+            <a:r>
+              <a:rPr lang="ja-JP" altLang="en-US" sz="3200" dirty="0"/>
+              <a:t>軸正方向への進行距離</a:t>
+            </a:r>
+            <a:endParaRPr lang="en-US" altLang="ja-JP" sz="3200" dirty="0"/>
+          </a:p>
+          <a:p>
+            <a:pPr marL="0" indent="0">
+              <a:buNone/>
+            </a:pPr>
+            <a:r>
+              <a:rPr kumimoji="1" lang="ja-JP" altLang="en-US" sz="3200" dirty="0"/>
+              <a:t>・初期集団は乱数生成</a:t>
+            </a:r>
+            <a:endParaRPr kumimoji="1" lang="en-US" altLang="ja-JP" sz="3200" dirty="0"/>
+          </a:p>
+          <a:p>
+            <a:pPr marL="0" indent="0">
+              <a:buNone/>
+            </a:pPr>
+            <a:r>
+              <a:rPr lang="ja-JP" altLang="en-US" sz="3200" dirty="0"/>
+              <a:t>・モーターは</a:t>
+            </a:r>
+            <a:r>
+              <a:rPr lang="en-US" altLang="ja-JP" sz="3200" dirty="0"/>
+              <a:t>-2,-1,0,1,2</a:t>
+            </a:r>
+            <a:r>
+              <a:rPr lang="ja-JP" altLang="en-US" sz="3200" dirty="0"/>
+              <a:t>の</a:t>
+            </a:r>
+            <a:r>
+              <a:rPr lang="en-US" altLang="ja-JP" sz="3200" dirty="0"/>
+              <a:t>5</a:t>
+            </a:r>
+            <a:r>
+              <a:rPr lang="ja-JP" altLang="en-US" sz="3200" dirty="0"/>
+              <a:t>段階の回転速度</a:t>
+            </a:r>
+            <a:endParaRPr lang="en-US" altLang="ja-JP" sz="3200" dirty="0"/>
+          </a:p>
+          <a:p>
+            <a:pPr marL="0" indent="0">
+              <a:buNone/>
+            </a:pPr>
+            <a:endParaRPr kumimoji="1" lang="en-US" altLang="ja-JP" sz="3200" dirty="0"/>
+          </a:p>
+          <a:p>
+            <a:pPr marL="0" indent="0">
+              <a:buNone/>
+            </a:pPr>
+            <a:endParaRPr lang="en-US" altLang="ja-JP" sz="3200" dirty="0"/>
+          </a:p>
+          <a:p>
+            <a:pPr marL="0" indent="0">
+              <a:buNone/>
+            </a:pPr>
+            <a:endParaRPr kumimoji="1" lang="ja-JP" altLang="en-US" sz="3200" dirty="0"/>
+          </a:p>
+        </p:txBody>
+      </p:sp>
+      <p:pic>
+        <p:nvPicPr>
+          <p:cNvPr id="9" name="図 8">
+            <a:extLst>
+              <a:ext uri="{FF2B5EF4-FFF2-40B4-BE49-F238E27FC236}">
+                <a16:creationId xmlns:a16="http://schemas.microsoft.com/office/drawing/2014/main" id="{6FD63EDC-912F-4406-9E33-F9475B6966BE}"/>
+              </a:ext>
+            </a:extLst>
+          </p:cNvPr>
+          <p:cNvPicPr>
+            <a:picLocks noChangeAspect="1"/>
+          </p:cNvPicPr>
+          <p:nvPr/>
+        </p:nvPicPr>
+        <p:blipFill>
+          <a:blip r:embed="rId2"/>
+          <a:stretch>
+            <a:fillRect/>
+          </a:stretch>
+        </p:blipFill>
+        <p:spPr>
+          <a:xfrm>
+            <a:off x="1580269" y="4610686"/>
+            <a:ext cx="614291" cy="610897"/>
+          </a:xfrm>
+          <a:prstGeom prst="rect">
+            <a:avLst/>
+          </a:prstGeom>
+        </p:spPr>
+      </p:pic>
+      <p:pic>
+        <p:nvPicPr>
+          <p:cNvPr id="10" name="図 9">
+            <a:extLst>
+              <a:ext uri="{FF2B5EF4-FFF2-40B4-BE49-F238E27FC236}">
+                <a16:creationId xmlns:a16="http://schemas.microsoft.com/office/drawing/2014/main" id="{6BCA95F3-8D18-43DE-A058-CB4D6B7A84C5}"/>
+              </a:ext>
+            </a:extLst>
+          </p:cNvPr>
+          <p:cNvPicPr>
+            <a:picLocks noChangeAspect="1"/>
+          </p:cNvPicPr>
+          <p:nvPr/>
+        </p:nvPicPr>
+        <p:blipFill>
+          <a:blip r:embed="rId2"/>
+          <a:stretch>
+            <a:fillRect/>
+          </a:stretch>
+        </p:blipFill>
+        <p:spPr>
+          <a:xfrm>
+            <a:off x="6729045" y="4610685"/>
+            <a:ext cx="614291" cy="610897"/>
+          </a:xfrm>
+          <a:prstGeom prst="rect">
+            <a:avLst/>
+          </a:prstGeom>
+        </p:spPr>
+      </p:pic>
+      <p:pic>
+        <p:nvPicPr>
+          <p:cNvPr id="11" name="図 10">
+            <a:extLst>
+              <a:ext uri="{FF2B5EF4-FFF2-40B4-BE49-F238E27FC236}">
+                <a16:creationId xmlns:a16="http://schemas.microsoft.com/office/drawing/2014/main" id="{FAD832D0-5077-4138-A483-8AEEEE8334FE}"/>
+              </a:ext>
+            </a:extLst>
+          </p:cNvPr>
+          <p:cNvPicPr>
+            <a:picLocks noChangeAspect="1"/>
+          </p:cNvPicPr>
+          <p:nvPr/>
+        </p:nvPicPr>
+        <p:blipFill>
+          <a:blip r:embed="rId2"/>
+          <a:stretch>
+            <a:fillRect/>
+          </a:stretch>
+        </p:blipFill>
+        <p:spPr>
+          <a:xfrm>
+            <a:off x="5441851" y="4610685"/>
+            <a:ext cx="614291" cy="610897"/>
+          </a:xfrm>
+          <a:prstGeom prst="rect">
+            <a:avLst/>
+          </a:prstGeom>
+        </p:spPr>
+      </p:pic>
+      <p:pic>
+        <p:nvPicPr>
+          <p:cNvPr id="12" name="図 11">
+            <a:extLst>
+              <a:ext uri="{FF2B5EF4-FFF2-40B4-BE49-F238E27FC236}">
+                <a16:creationId xmlns:a16="http://schemas.microsoft.com/office/drawing/2014/main" id="{A51A2259-52F4-433B-86FA-5A80237A2678}"/>
+              </a:ext>
+            </a:extLst>
+          </p:cNvPr>
+          <p:cNvPicPr>
+            <a:picLocks noChangeAspect="1"/>
+          </p:cNvPicPr>
+          <p:nvPr/>
+        </p:nvPicPr>
+        <p:blipFill>
+          <a:blip r:embed="rId2"/>
+          <a:stretch>
+            <a:fillRect/>
+          </a:stretch>
+        </p:blipFill>
+        <p:spPr>
+          <a:xfrm>
+            <a:off x="4154657" y="4610686"/>
+            <a:ext cx="614291" cy="610897"/>
+          </a:xfrm>
+          <a:prstGeom prst="rect">
+            <a:avLst/>
+          </a:prstGeom>
+        </p:spPr>
+      </p:pic>
+      <p:pic>
+        <p:nvPicPr>
+          <p:cNvPr id="13" name="図 12">
+            <a:extLst>
+              <a:ext uri="{FF2B5EF4-FFF2-40B4-BE49-F238E27FC236}">
+                <a16:creationId xmlns:a16="http://schemas.microsoft.com/office/drawing/2014/main" id="{46782981-F014-4681-AC53-AF4973FB9F22}"/>
+              </a:ext>
+            </a:extLst>
+          </p:cNvPr>
+          <p:cNvPicPr>
+            <a:picLocks noChangeAspect="1"/>
+          </p:cNvPicPr>
+          <p:nvPr/>
+        </p:nvPicPr>
+        <p:blipFill>
+          <a:blip r:embed="rId2"/>
+          <a:stretch>
+            <a:fillRect/>
+          </a:stretch>
+        </p:blipFill>
+        <p:spPr>
+          <a:xfrm>
+            <a:off x="2867463" y="4610686"/>
+            <a:ext cx="614291" cy="610897"/>
+          </a:xfrm>
+          <a:prstGeom prst="rect">
+            <a:avLst/>
+          </a:prstGeom>
+        </p:spPr>
+      </p:pic>
+      <p:pic>
+        <p:nvPicPr>
+          <p:cNvPr id="14" name="図 13">
+            <a:extLst>
+              <a:ext uri="{FF2B5EF4-FFF2-40B4-BE49-F238E27FC236}">
+                <a16:creationId xmlns:a16="http://schemas.microsoft.com/office/drawing/2014/main" id="{3A1656F2-2B1A-4CBA-B389-DBD152EECF05}"/>
+              </a:ext>
+            </a:extLst>
+          </p:cNvPr>
+          <p:cNvPicPr>
+            <a:picLocks noChangeAspect="1"/>
+          </p:cNvPicPr>
+          <p:nvPr/>
+        </p:nvPicPr>
+        <p:blipFill>
+          <a:blip r:embed="rId2"/>
+          <a:stretch>
+            <a:fillRect/>
+          </a:stretch>
+        </p:blipFill>
+        <p:spPr>
+          <a:xfrm>
+            <a:off x="10590627" y="4610683"/>
+            <a:ext cx="614291" cy="610897"/>
+          </a:xfrm>
+          <a:prstGeom prst="rect">
+            <a:avLst/>
+          </a:prstGeom>
+        </p:spPr>
+      </p:pic>
+      <p:pic>
+        <p:nvPicPr>
+          <p:cNvPr id="15" name="図 14">
+            <a:extLst>
+              <a:ext uri="{FF2B5EF4-FFF2-40B4-BE49-F238E27FC236}">
+                <a16:creationId xmlns:a16="http://schemas.microsoft.com/office/drawing/2014/main" id="{1214576E-C788-4C42-8FEC-1339882C1F82}"/>
+              </a:ext>
+            </a:extLst>
+          </p:cNvPr>
+          <p:cNvPicPr>
+            <a:picLocks noChangeAspect="1"/>
+          </p:cNvPicPr>
+          <p:nvPr/>
+        </p:nvPicPr>
+        <p:blipFill>
+          <a:blip r:embed="rId2"/>
+          <a:stretch>
+            <a:fillRect/>
+          </a:stretch>
+        </p:blipFill>
+        <p:spPr>
+          <a:xfrm>
+            <a:off x="9303433" y="4610684"/>
+            <a:ext cx="614291" cy="610897"/>
+          </a:xfrm>
+          <a:prstGeom prst="rect">
+            <a:avLst/>
+          </a:prstGeom>
+        </p:spPr>
+      </p:pic>
+      <p:pic>
+        <p:nvPicPr>
+          <p:cNvPr id="16" name="図 15">
+            <a:extLst>
+              <a:ext uri="{FF2B5EF4-FFF2-40B4-BE49-F238E27FC236}">
+                <a16:creationId xmlns:a16="http://schemas.microsoft.com/office/drawing/2014/main" id="{BBFBDAD3-3363-40A8-847A-EBE8CB8877D5}"/>
+              </a:ext>
+            </a:extLst>
+          </p:cNvPr>
+          <p:cNvPicPr>
+            <a:picLocks noChangeAspect="1"/>
+          </p:cNvPicPr>
+          <p:nvPr/>
+        </p:nvPicPr>
+        <p:blipFill>
+          <a:blip r:embed="rId2"/>
+          <a:stretch>
+            <a:fillRect/>
+          </a:stretch>
+        </p:blipFill>
+        <p:spPr>
+          <a:xfrm>
+            <a:off x="8016239" y="4610685"/>
+            <a:ext cx="614291" cy="610897"/>
+          </a:xfrm>
+          <a:prstGeom prst="rect">
+            <a:avLst/>
+          </a:prstGeom>
+        </p:spPr>
+      </p:pic>
+      <p:cxnSp>
+        <p:nvCxnSpPr>
+          <p:cNvPr id="21" name="直線矢印コネクタ 20">
+            <a:extLst>
+              <a:ext uri="{FF2B5EF4-FFF2-40B4-BE49-F238E27FC236}">
+                <a16:creationId xmlns:a16="http://schemas.microsoft.com/office/drawing/2014/main" id="{EAE0C75E-C24C-4B05-98ED-5846F261DE14}"/>
+              </a:ext>
+            </a:extLst>
+          </p:cNvPr>
+          <p:cNvCxnSpPr>
+            <a:cxnSpLocks/>
+          </p:cNvCxnSpPr>
+          <p:nvPr/>
+        </p:nvCxnSpPr>
+        <p:spPr>
+          <a:xfrm flipV="1">
+            <a:off x="844062" y="3756074"/>
+            <a:ext cx="3517" cy="2363372"/>
+          </a:xfrm>
+          <a:prstGeom prst="straightConnector1">
+            <a:avLst/>
+          </a:prstGeom>
+          <a:ln w="38100">
+            <a:tailEnd type="triangle"/>
+          </a:ln>
+        </p:spPr>
+        <p:style>
+          <a:lnRef idx="1">
+            <a:schemeClr val="accent1"/>
+          </a:lnRef>
+          <a:fillRef idx="0">
+            <a:schemeClr val="accent1"/>
+          </a:fillRef>
+          <a:effectRef idx="0">
+            <a:schemeClr val="accent1"/>
+          </a:effectRef>
+          <a:fontRef idx="minor">
+            <a:schemeClr val="tx1"/>
+          </a:fontRef>
+        </p:style>
+      </p:cxnSp>
+      <p:sp>
+        <p:nvSpPr>
           <p:cNvPr id="24" name="テキスト ボックス 23">
             <a:extLst>
               <a:ext uri="{FF2B5EF4-FFF2-40B4-BE49-F238E27FC236}">
@@ -8367,7 +8707,7 @@
 </p:sld>
 </file>
 
-<file path=ppt/slides/slide5.xml><?xml version="1.0" encoding="utf-8"?>
+<file path=ppt/slides/slide6.xml><?xml version="1.0" encoding="utf-8"?>
 <p:sld xmlns:a="http://schemas.openxmlformats.org/drawingml/2006/main" xmlns:r="http://schemas.openxmlformats.org/officeDocument/2006/relationships" xmlns:p="http://schemas.openxmlformats.org/presentationml/2006/main">
   <p:cSld>
     <p:spTree>
@@ -8515,1556 +8855,6 @@
 </p:sld>
 </file>
 
-<file path=ppt/slides/slide6.xml><?xml version="1.0" encoding="utf-8"?>
-<p:sld xmlns:a="http://schemas.openxmlformats.org/drawingml/2006/main" xmlns:r="http://schemas.openxmlformats.org/officeDocument/2006/relationships" xmlns:p="http://schemas.openxmlformats.org/presentationml/2006/main">
-  <p:cSld>
-    <p:spTree>
-      <p:nvGrpSpPr>
-        <p:cNvPr id="1" name=""/>
-        <p:cNvGrpSpPr/>
-        <p:nvPr/>
-      </p:nvGrpSpPr>
-      <p:grpSpPr>
-        <a:xfrm>
-          <a:off x="0" y="0"/>
-          <a:ext cx="0" cy="0"/>
-          <a:chOff x="0" y="0"/>
-          <a:chExt cx="0" cy="0"/>
-        </a:xfrm>
-      </p:grpSpPr>
-      <p:sp>
-        <p:nvSpPr>
-          <p:cNvPr id="2" name="タイトル 1">
-            <a:extLst>
-              <a:ext uri="{FF2B5EF4-FFF2-40B4-BE49-F238E27FC236}">
-                <a16:creationId xmlns:a16="http://schemas.microsoft.com/office/drawing/2014/main" id="{8659B496-85E1-4820-9D49-43AFBF621C3D}"/>
-              </a:ext>
-            </a:extLst>
-          </p:cNvPr>
-          <p:cNvSpPr>
-            <a:spLocks noGrp="1"/>
-          </p:cNvSpPr>
-          <p:nvPr>
-            <p:ph type="title"/>
-          </p:nvPr>
-        </p:nvSpPr>
-        <p:spPr>
-          <a:xfrm>
-            <a:off x="1097280" y="286603"/>
-            <a:ext cx="10058400" cy="1023213"/>
-          </a:xfrm>
-        </p:spPr>
-        <p:txBody>
-          <a:bodyPr>
-            <a:normAutofit/>
-          </a:bodyPr>
-          <a:lstStyle/>
-          <a:p>
-            <a:pPr algn="ctr"/>
-            <a:r>
-              <a:rPr lang="ja-JP" altLang="en-US" sz="6000" dirty="0"/>
-              <a:t>交叉</a:t>
-            </a:r>
-            <a:endParaRPr kumimoji="1" lang="ja-JP" altLang="en-US" sz="6000" dirty="0"/>
-          </a:p>
-        </p:txBody>
-      </p:sp>
-      <p:sp>
-        <p:nvSpPr>
-          <p:cNvPr id="3" name="コンテンツ プレースホルダー 2">
-            <a:extLst>
-              <a:ext uri="{FF2B5EF4-FFF2-40B4-BE49-F238E27FC236}">
-                <a16:creationId xmlns:a16="http://schemas.microsoft.com/office/drawing/2014/main" id="{AAD208B0-04EC-4244-AB9A-870D916503AE}"/>
-              </a:ext>
-            </a:extLst>
-          </p:cNvPr>
-          <p:cNvSpPr>
-            <a:spLocks noGrp="1"/>
-          </p:cNvSpPr>
-          <p:nvPr>
-            <p:ph idx="1"/>
-          </p:nvPr>
-        </p:nvSpPr>
-        <p:spPr>
-          <a:xfrm>
-            <a:off x="1097280" y="1532238"/>
-            <a:ext cx="10058400" cy="5039159"/>
-          </a:xfrm>
-        </p:spPr>
-        <p:txBody>
-          <a:bodyPr>
-            <a:normAutofit/>
-          </a:bodyPr>
-          <a:lstStyle/>
-          <a:p>
-            <a:pPr marL="0" indent="0">
-              <a:buNone/>
-            </a:pPr>
-            <a:r>
-              <a:rPr lang="ja-JP" altLang="en-US" sz="3200" dirty="0"/>
-              <a:t>・</a:t>
-            </a:r>
-            <a:r>
-              <a:rPr lang="en-US" altLang="ja-JP" sz="3200" dirty="0"/>
-              <a:t>1</a:t>
-            </a:r>
-            <a:r>
-              <a:rPr lang="ja-JP" altLang="en-US" sz="3200" dirty="0"/>
-              <a:t>遺伝子ごとに、選択された親の同箇所を継承</a:t>
-            </a:r>
-            <a:endParaRPr lang="en-US" altLang="ja-JP" sz="3200" dirty="0"/>
-          </a:p>
-          <a:p>
-            <a:pPr marL="0" indent="0">
-              <a:buNone/>
-            </a:pPr>
-            <a:r>
-              <a:rPr kumimoji="1" lang="ja-JP" altLang="en-US" sz="3200" dirty="0"/>
-              <a:t>　→親は</a:t>
-            </a:r>
-            <a:r>
-              <a:rPr kumimoji="1" lang="en-US" altLang="ja-JP" sz="3200" dirty="0"/>
-              <a:t>2</a:t>
-            </a:r>
-            <a:r>
-              <a:rPr kumimoji="1" lang="ja-JP" altLang="en-US" sz="3200" dirty="0"/>
-              <a:t>個体に限らない</a:t>
-            </a:r>
-            <a:endParaRPr kumimoji="1" lang="en-US" altLang="ja-JP" sz="3200" dirty="0"/>
-          </a:p>
-          <a:p>
-            <a:pPr marL="0" indent="0">
-              <a:buNone/>
-            </a:pPr>
-            <a:endParaRPr kumimoji="1" lang="ja-JP" altLang="en-US" sz="3200" dirty="0"/>
-          </a:p>
-        </p:txBody>
-      </p:sp>
-      <p:sp>
-        <p:nvSpPr>
-          <p:cNvPr id="4" name="正方形/長方形 3">
-            <a:extLst>
-              <a:ext uri="{FF2B5EF4-FFF2-40B4-BE49-F238E27FC236}">
-                <a16:creationId xmlns:a16="http://schemas.microsoft.com/office/drawing/2014/main" id="{D4557395-3AD7-4978-B4A4-D789B025D060}"/>
-              </a:ext>
-            </a:extLst>
-          </p:cNvPr>
-          <p:cNvSpPr/>
-          <p:nvPr/>
-        </p:nvSpPr>
-        <p:spPr>
-          <a:xfrm>
-            <a:off x="1559169" y="2866290"/>
-            <a:ext cx="1294229" cy="362243"/>
-          </a:xfrm>
-          <a:prstGeom prst="rect">
-            <a:avLst/>
-          </a:prstGeom>
-          <a:solidFill>
-            <a:srgbClr val="FF0000"/>
-          </a:solidFill>
-          <a:ln>
-            <a:solidFill>
-              <a:schemeClr val="tx1"/>
-            </a:solidFill>
-          </a:ln>
-        </p:spPr>
-        <p:style>
-          <a:lnRef idx="2">
-            <a:schemeClr val="accent1">
-              <a:shade val="50000"/>
-            </a:schemeClr>
-          </a:lnRef>
-          <a:fillRef idx="1">
-            <a:schemeClr val="accent1"/>
-          </a:fillRef>
-          <a:effectRef idx="0">
-            <a:schemeClr val="accent1"/>
-          </a:effectRef>
-          <a:fontRef idx="minor">
-            <a:schemeClr val="lt1"/>
-          </a:fontRef>
-        </p:style>
-        <p:txBody>
-          <a:bodyPr rtlCol="0" anchor="ctr"/>
-          <a:lstStyle/>
-          <a:p>
-            <a:pPr algn="ctr"/>
-            <a:endParaRPr kumimoji="1" lang="ja-JP" altLang="en-US">
-              <a:solidFill>
-                <a:srgbClr val="FF0000"/>
-              </a:solidFill>
-            </a:endParaRPr>
-          </a:p>
-        </p:txBody>
-      </p:sp>
-      <p:sp>
-        <p:nvSpPr>
-          <p:cNvPr id="8" name="正方形/長方形 7">
-            <a:extLst>
-              <a:ext uri="{FF2B5EF4-FFF2-40B4-BE49-F238E27FC236}">
-                <a16:creationId xmlns:a16="http://schemas.microsoft.com/office/drawing/2014/main" id="{27EC9D9F-77A7-40CD-B61F-A41C6A9EEA2F}"/>
-              </a:ext>
-            </a:extLst>
-          </p:cNvPr>
-          <p:cNvSpPr/>
-          <p:nvPr/>
-        </p:nvSpPr>
-        <p:spPr>
-          <a:xfrm>
-            <a:off x="2865121" y="2866290"/>
-            <a:ext cx="1294229" cy="362243"/>
-          </a:xfrm>
-          <a:prstGeom prst="rect">
-            <a:avLst/>
-          </a:prstGeom>
-          <a:solidFill>
-            <a:srgbClr val="FF0000"/>
-          </a:solidFill>
-          <a:ln>
-            <a:solidFill>
-              <a:schemeClr val="tx1"/>
-            </a:solidFill>
-          </a:ln>
-        </p:spPr>
-        <p:style>
-          <a:lnRef idx="2">
-            <a:schemeClr val="accent1">
-              <a:shade val="50000"/>
-            </a:schemeClr>
-          </a:lnRef>
-          <a:fillRef idx="1">
-            <a:schemeClr val="accent1"/>
-          </a:fillRef>
-          <a:effectRef idx="0">
-            <a:schemeClr val="accent1"/>
-          </a:effectRef>
-          <a:fontRef idx="minor">
-            <a:schemeClr val="lt1"/>
-          </a:fontRef>
-        </p:style>
-        <p:txBody>
-          <a:bodyPr rtlCol="0" anchor="ctr"/>
-          <a:lstStyle/>
-          <a:p>
-            <a:pPr algn="ctr"/>
-            <a:endParaRPr kumimoji="1" lang="ja-JP" altLang="en-US"/>
-          </a:p>
-        </p:txBody>
-      </p:sp>
-      <p:sp>
-        <p:nvSpPr>
-          <p:cNvPr id="9" name="正方形/長方形 8">
-            <a:extLst>
-              <a:ext uri="{FF2B5EF4-FFF2-40B4-BE49-F238E27FC236}">
-                <a16:creationId xmlns:a16="http://schemas.microsoft.com/office/drawing/2014/main" id="{FE4F3C6C-ABB2-4FDE-8819-CFDC6DEB5A8B}"/>
-              </a:ext>
-            </a:extLst>
-          </p:cNvPr>
-          <p:cNvSpPr/>
-          <p:nvPr/>
-        </p:nvSpPr>
-        <p:spPr>
-          <a:xfrm>
-            <a:off x="8032652" y="2866290"/>
-            <a:ext cx="1294229" cy="362243"/>
-          </a:xfrm>
-          <a:prstGeom prst="rect">
-            <a:avLst/>
-          </a:prstGeom>
-          <a:solidFill>
-            <a:srgbClr val="FF0000"/>
-          </a:solidFill>
-          <a:ln>
-            <a:solidFill>
-              <a:schemeClr val="tx1"/>
-            </a:solidFill>
-          </a:ln>
-        </p:spPr>
-        <p:style>
-          <a:lnRef idx="2">
-            <a:schemeClr val="accent1">
-              <a:shade val="50000"/>
-            </a:schemeClr>
-          </a:lnRef>
-          <a:fillRef idx="1">
-            <a:schemeClr val="accent1"/>
-          </a:fillRef>
-          <a:effectRef idx="0">
-            <a:schemeClr val="accent1"/>
-          </a:effectRef>
-          <a:fontRef idx="minor">
-            <a:schemeClr val="lt1"/>
-          </a:fontRef>
-        </p:style>
-        <p:txBody>
-          <a:bodyPr rtlCol="0" anchor="ctr"/>
-          <a:lstStyle/>
-          <a:p>
-            <a:pPr algn="ctr"/>
-            <a:endParaRPr kumimoji="1" lang="ja-JP" altLang="en-US"/>
-          </a:p>
-        </p:txBody>
-      </p:sp>
-      <p:sp>
-        <p:nvSpPr>
-          <p:cNvPr id="10" name="正方形/長方形 9">
-            <a:extLst>
-              <a:ext uri="{FF2B5EF4-FFF2-40B4-BE49-F238E27FC236}">
-                <a16:creationId xmlns:a16="http://schemas.microsoft.com/office/drawing/2014/main" id="{86FE8097-DC57-4B2A-A404-CFCAB0691A87}"/>
-              </a:ext>
-            </a:extLst>
-          </p:cNvPr>
-          <p:cNvSpPr/>
-          <p:nvPr/>
-        </p:nvSpPr>
-        <p:spPr>
-          <a:xfrm>
-            <a:off x="5479365" y="2866290"/>
-            <a:ext cx="1294229" cy="362243"/>
-          </a:xfrm>
-          <a:prstGeom prst="rect">
-            <a:avLst/>
-          </a:prstGeom>
-          <a:solidFill>
-            <a:srgbClr val="FF0000"/>
-          </a:solidFill>
-          <a:ln>
-            <a:solidFill>
-              <a:schemeClr val="tx1"/>
-            </a:solidFill>
-          </a:ln>
-        </p:spPr>
-        <p:style>
-          <a:lnRef idx="2">
-            <a:schemeClr val="accent1">
-              <a:shade val="50000"/>
-            </a:schemeClr>
-          </a:lnRef>
-          <a:fillRef idx="1">
-            <a:schemeClr val="accent1"/>
-          </a:fillRef>
-          <a:effectRef idx="0">
-            <a:schemeClr val="accent1"/>
-          </a:effectRef>
-          <a:fontRef idx="minor">
-            <a:schemeClr val="lt1"/>
-          </a:fontRef>
-        </p:style>
-        <p:txBody>
-          <a:bodyPr rtlCol="0" anchor="ctr"/>
-          <a:lstStyle/>
-          <a:p>
-            <a:pPr algn="ctr"/>
-            <a:endParaRPr kumimoji="1" lang="ja-JP" altLang="en-US"/>
-          </a:p>
-        </p:txBody>
-      </p:sp>
-      <p:sp>
-        <p:nvSpPr>
-          <p:cNvPr id="11" name="正方形/長方形 10">
-            <a:extLst>
-              <a:ext uri="{FF2B5EF4-FFF2-40B4-BE49-F238E27FC236}">
-                <a16:creationId xmlns:a16="http://schemas.microsoft.com/office/drawing/2014/main" id="{73CFE75B-69AE-4388-A5DE-3AA32DC90463}"/>
-              </a:ext>
-            </a:extLst>
-          </p:cNvPr>
-          <p:cNvSpPr/>
-          <p:nvPr/>
-        </p:nvSpPr>
-        <p:spPr>
-          <a:xfrm>
-            <a:off x="4182796" y="2866290"/>
-            <a:ext cx="1294229" cy="362243"/>
-          </a:xfrm>
-          <a:prstGeom prst="rect">
-            <a:avLst/>
-          </a:prstGeom>
-          <a:solidFill>
-            <a:srgbClr val="FF0000"/>
-          </a:solidFill>
-          <a:ln>
-            <a:solidFill>
-              <a:schemeClr val="tx1"/>
-            </a:solidFill>
-          </a:ln>
-        </p:spPr>
-        <p:style>
-          <a:lnRef idx="2">
-            <a:schemeClr val="accent1">
-              <a:shade val="50000"/>
-            </a:schemeClr>
-          </a:lnRef>
-          <a:fillRef idx="1">
-            <a:schemeClr val="accent1"/>
-          </a:fillRef>
-          <a:effectRef idx="0">
-            <a:schemeClr val="accent1"/>
-          </a:effectRef>
-          <a:fontRef idx="minor">
-            <a:schemeClr val="lt1"/>
-          </a:fontRef>
-        </p:style>
-        <p:txBody>
-          <a:bodyPr rtlCol="0" anchor="ctr"/>
-          <a:lstStyle/>
-          <a:p>
-            <a:pPr algn="ctr"/>
-            <a:endParaRPr kumimoji="1" lang="ja-JP" altLang="en-US"/>
-          </a:p>
-        </p:txBody>
-      </p:sp>
-      <p:sp>
-        <p:nvSpPr>
-          <p:cNvPr id="17" name="正方形/長方形 16">
-            <a:extLst>
-              <a:ext uri="{FF2B5EF4-FFF2-40B4-BE49-F238E27FC236}">
-                <a16:creationId xmlns:a16="http://schemas.microsoft.com/office/drawing/2014/main" id="{A31D3B88-CBA5-43B2-A322-24A3A6854E1E}"/>
-              </a:ext>
-            </a:extLst>
-          </p:cNvPr>
-          <p:cNvSpPr/>
-          <p:nvPr/>
-        </p:nvSpPr>
-        <p:spPr>
-          <a:xfrm>
-            <a:off x="1559169" y="3389406"/>
-            <a:ext cx="1294229" cy="362243"/>
-          </a:xfrm>
-          <a:prstGeom prst="rect">
-            <a:avLst/>
-          </a:prstGeom>
-          <a:solidFill>
-            <a:srgbClr val="FFFF00"/>
-          </a:solidFill>
-          <a:ln>
-            <a:solidFill>
-              <a:schemeClr val="tx1"/>
-            </a:solidFill>
-          </a:ln>
-        </p:spPr>
-        <p:style>
-          <a:lnRef idx="2">
-            <a:schemeClr val="accent1">
-              <a:shade val="50000"/>
-            </a:schemeClr>
-          </a:lnRef>
-          <a:fillRef idx="1">
-            <a:schemeClr val="accent1"/>
-          </a:fillRef>
-          <a:effectRef idx="0">
-            <a:schemeClr val="accent1"/>
-          </a:effectRef>
-          <a:fontRef idx="minor">
-            <a:schemeClr val="lt1"/>
-          </a:fontRef>
-        </p:style>
-        <p:txBody>
-          <a:bodyPr rtlCol="0" anchor="ctr"/>
-          <a:lstStyle/>
-          <a:p>
-            <a:pPr algn="ctr"/>
-            <a:endParaRPr kumimoji="1" lang="ja-JP" altLang="en-US"/>
-          </a:p>
-        </p:txBody>
-      </p:sp>
-      <p:sp>
-        <p:nvSpPr>
-          <p:cNvPr id="18" name="正方形/長方形 17">
-            <a:extLst>
-              <a:ext uri="{FF2B5EF4-FFF2-40B4-BE49-F238E27FC236}">
-                <a16:creationId xmlns:a16="http://schemas.microsoft.com/office/drawing/2014/main" id="{35E9747E-676C-4A2D-9A71-D8C8C63222F1}"/>
-              </a:ext>
-            </a:extLst>
-          </p:cNvPr>
-          <p:cNvSpPr/>
-          <p:nvPr/>
-        </p:nvSpPr>
-        <p:spPr>
-          <a:xfrm>
-            <a:off x="2865121" y="3389406"/>
-            <a:ext cx="1294229" cy="362243"/>
-          </a:xfrm>
-          <a:prstGeom prst="rect">
-            <a:avLst/>
-          </a:prstGeom>
-          <a:solidFill>
-            <a:srgbClr val="FFFF00"/>
-          </a:solidFill>
-          <a:ln>
-            <a:solidFill>
-              <a:schemeClr val="tx1"/>
-            </a:solidFill>
-          </a:ln>
-        </p:spPr>
-        <p:style>
-          <a:lnRef idx="2">
-            <a:schemeClr val="accent1">
-              <a:shade val="50000"/>
-            </a:schemeClr>
-          </a:lnRef>
-          <a:fillRef idx="1">
-            <a:schemeClr val="accent1"/>
-          </a:fillRef>
-          <a:effectRef idx="0">
-            <a:schemeClr val="accent1"/>
-          </a:effectRef>
-          <a:fontRef idx="minor">
-            <a:schemeClr val="lt1"/>
-          </a:fontRef>
-        </p:style>
-        <p:txBody>
-          <a:bodyPr rtlCol="0" anchor="ctr"/>
-          <a:lstStyle/>
-          <a:p>
-            <a:pPr algn="ctr"/>
-            <a:endParaRPr kumimoji="1" lang="ja-JP" altLang="en-US"/>
-          </a:p>
-        </p:txBody>
-      </p:sp>
-      <p:sp>
-        <p:nvSpPr>
-          <p:cNvPr id="19" name="正方形/長方形 18">
-            <a:extLst>
-              <a:ext uri="{FF2B5EF4-FFF2-40B4-BE49-F238E27FC236}">
-                <a16:creationId xmlns:a16="http://schemas.microsoft.com/office/drawing/2014/main" id="{5E1D1F6F-B261-4B78-B555-2EE353D7DBC6}"/>
-              </a:ext>
-            </a:extLst>
-          </p:cNvPr>
-          <p:cNvSpPr/>
-          <p:nvPr/>
-        </p:nvSpPr>
-        <p:spPr>
-          <a:xfrm>
-            <a:off x="8032652" y="3389406"/>
-            <a:ext cx="1294229" cy="362243"/>
-          </a:xfrm>
-          <a:prstGeom prst="rect">
-            <a:avLst/>
-          </a:prstGeom>
-          <a:solidFill>
-            <a:srgbClr val="FFFF00"/>
-          </a:solidFill>
-          <a:ln>
-            <a:solidFill>
-              <a:schemeClr val="tx1"/>
-            </a:solidFill>
-          </a:ln>
-        </p:spPr>
-        <p:style>
-          <a:lnRef idx="2">
-            <a:schemeClr val="accent1">
-              <a:shade val="50000"/>
-            </a:schemeClr>
-          </a:lnRef>
-          <a:fillRef idx="1">
-            <a:schemeClr val="accent1"/>
-          </a:fillRef>
-          <a:effectRef idx="0">
-            <a:schemeClr val="accent1"/>
-          </a:effectRef>
-          <a:fontRef idx="minor">
-            <a:schemeClr val="lt1"/>
-          </a:fontRef>
-        </p:style>
-        <p:txBody>
-          <a:bodyPr rtlCol="0" anchor="ctr"/>
-          <a:lstStyle/>
-          <a:p>
-            <a:pPr algn="ctr"/>
-            <a:endParaRPr kumimoji="1" lang="ja-JP" altLang="en-US"/>
-          </a:p>
-        </p:txBody>
-      </p:sp>
-      <p:sp>
-        <p:nvSpPr>
-          <p:cNvPr id="20" name="正方形/長方形 19">
-            <a:extLst>
-              <a:ext uri="{FF2B5EF4-FFF2-40B4-BE49-F238E27FC236}">
-                <a16:creationId xmlns:a16="http://schemas.microsoft.com/office/drawing/2014/main" id="{AE03C0E9-3AD9-4F8F-BBF7-90269B94F793}"/>
-              </a:ext>
-            </a:extLst>
-          </p:cNvPr>
-          <p:cNvSpPr/>
-          <p:nvPr/>
-        </p:nvSpPr>
-        <p:spPr>
-          <a:xfrm>
-            <a:off x="5479365" y="3389406"/>
-            <a:ext cx="1294229" cy="362243"/>
-          </a:xfrm>
-          <a:prstGeom prst="rect">
-            <a:avLst/>
-          </a:prstGeom>
-          <a:solidFill>
-            <a:srgbClr val="FFFF00"/>
-          </a:solidFill>
-          <a:ln>
-            <a:solidFill>
-              <a:schemeClr val="tx1"/>
-            </a:solidFill>
-          </a:ln>
-        </p:spPr>
-        <p:style>
-          <a:lnRef idx="2">
-            <a:schemeClr val="accent1">
-              <a:shade val="50000"/>
-            </a:schemeClr>
-          </a:lnRef>
-          <a:fillRef idx="1">
-            <a:schemeClr val="accent1"/>
-          </a:fillRef>
-          <a:effectRef idx="0">
-            <a:schemeClr val="accent1"/>
-          </a:effectRef>
-          <a:fontRef idx="minor">
-            <a:schemeClr val="lt1"/>
-          </a:fontRef>
-        </p:style>
-        <p:txBody>
-          <a:bodyPr rtlCol="0" anchor="ctr"/>
-          <a:lstStyle/>
-          <a:p>
-            <a:pPr algn="ctr"/>
-            <a:endParaRPr kumimoji="1" lang="ja-JP" altLang="en-US"/>
-          </a:p>
-        </p:txBody>
-      </p:sp>
-      <p:sp>
-        <p:nvSpPr>
-          <p:cNvPr id="21" name="正方形/長方形 20">
-            <a:extLst>
-              <a:ext uri="{FF2B5EF4-FFF2-40B4-BE49-F238E27FC236}">
-                <a16:creationId xmlns:a16="http://schemas.microsoft.com/office/drawing/2014/main" id="{9A86DDCD-5DFD-4AF1-B666-8B43AEE60289}"/>
-              </a:ext>
-            </a:extLst>
-          </p:cNvPr>
-          <p:cNvSpPr/>
-          <p:nvPr/>
-        </p:nvSpPr>
-        <p:spPr>
-          <a:xfrm>
-            <a:off x="4182796" y="3389406"/>
-            <a:ext cx="1294229" cy="362243"/>
-          </a:xfrm>
-          <a:prstGeom prst="rect">
-            <a:avLst/>
-          </a:prstGeom>
-          <a:solidFill>
-            <a:srgbClr val="FFFF00"/>
-          </a:solidFill>
-          <a:ln>
-            <a:solidFill>
-              <a:schemeClr val="tx1"/>
-            </a:solidFill>
-          </a:ln>
-        </p:spPr>
-        <p:style>
-          <a:lnRef idx="2">
-            <a:schemeClr val="accent1">
-              <a:shade val="50000"/>
-            </a:schemeClr>
-          </a:lnRef>
-          <a:fillRef idx="1">
-            <a:schemeClr val="accent1"/>
-          </a:fillRef>
-          <a:effectRef idx="0">
-            <a:schemeClr val="accent1"/>
-          </a:effectRef>
-          <a:fontRef idx="minor">
-            <a:schemeClr val="lt1"/>
-          </a:fontRef>
-        </p:style>
-        <p:txBody>
-          <a:bodyPr rtlCol="0" anchor="ctr"/>
-          <a:lstStyle/>
-          <a:p>
-            <a:pPr algn="ctr"/>
-            <a:endParaRPr kumimoji="1" lang="ja-JP" altLang="en-US"/>
-          </a:p>
-        </p:txBody>
-      </p:sp>
-      <p:sp>
-        <p:nvSpPr>
-          <p:cNvPr id="33" name="正方形/長方形 32">
-            <a:extLst>
-              <a:ext uri="{FF2B5EF4-FFF2-40B4-BE49-F238E27FC236}">
-                <a16:creationId xmlns:a16="http://schemas.microsoft.com/office/drawing/2014/main" id="{7B2A7DB3-6113-4D2A-87AC-11D90BC18E0E}"/>
-              </a:ext>
-            </a:extLst>
-          </p:cNvPr>
-          <p:cNvSpPr/>
-          <p:nvPr/>
-        </p:nvSpPr>
-        <p:spPr>
-          <a:xfrm>
-            <a:off x="1559169" y="3912522"/>
-            <a:ext cx="1294229" cy="362243"/>
-          </a:xfrm>
-          <a:prstGeom prst="rect">
-            <a:avLst/>
-          </a:prstGeom>
-          <a:ln>
-            <a:solidFill>
-              <a:schemeClr val="tx1"/>
-            </a:solidFill>
-          </a:ln>
-        </p:spPr>
-        <p:style>
-          <a:lnRef idx="2">
-            <a:schemeClr val="accent1">
-              <a:shade val="50000"/>
-            </a:schemeClr>
-          </a:lnRef>
-          <a:fillRef idx="1">
-            <a:schemeClr val="accent1"/>
-          </a:fillRef>
-          <a:effectRef idx="0">
-            <a:schemeClr val="accent1"/>
-          </a:effectRef>
-          <a:fontRef idx="minor">
-            <a:schemeClr val="lt1"/>
-          </a:fontRef>
-        </p:style>
-        <p:txBody>
-          <a:bodyPr rtlCol="0" anchor="ctr"/>
-          <a:lstStyle/>
-          <a:p>
-            <a:pPr algn="ctr"/>
-            <a:endParaRPr kumimoji="1" lang="ja-JP" altLang="en-US"/>
-          </a:p>
-        </p:txBody>
-      </p:sp>
-      <p:sp>
-        <p:nvSpPr>
-          <p:cNvPr id="34" name="正方形/長方形 33">
-            <a:extLst>
-              <a:ext uri="{FF2B5EF4-FFF2-40B4-BE49-F238E27FC236}">
-                <a16:creationId xmlns:a16="http://schemas.microsoft.com/office/drawing/2014/main" id="{F17C7F6B-3749-40F5-96D3-FBE7A160A919}"/>
-              </a:ext>
-            </a:extLst>
-          </p:cNvPr>
-          <p:cNvSpPr/>
-          <p:nvPr/>
-        </p:nvSpPr>
-        <p:spPr>
-          <a:xfrm>
-            <a:off x="2865121" y="3912522"/>
-            <a:ext cx="1294229" cy="362243"/>
-          </a:xfrm>
-          <a:prstGeom prst="rect">
-            <a:avLst/>
-          </a:prstGeom>
-          <a:ln>
-            <a:solidFill>
-              <a:schemeClr val="tx1"/>
-            </a:solidFill>
-          </a:ln>
-        </p:spPr>
-        <p:style>
-          <a:lnRef idx="2">
-            <a:schemeClr val="accent1">
-              <a:shade val="50000"/>
-            </a:schemeClr>
-          </a:lnRef>
-          <a:fillRef idx="1">
-            <a:schemeClr val="accent1"/>
-          </a:fillRef>
-          <a:effectRef idx="0">
-            <a:schemeClr val="accent1"/>
-          </a:effectRef>
-          <a:fontRef idx="minor">
-            <a:schemeClr val="lt1"/>
-          </a:fontRef>
-        </p:style>
-        <p:txBody>
-          <a:bodyPr rtlCol="0" anchor="ctr"/>
-          <a:lstStyle/>
-          <a:p>
-            <a:pPr algn="ctr"/>
-            <a:endParaRPr kumimoji="1" lang="ja-JP" altLang="en-US"/>
-          </a:p>
-        </p:txBody>
-      </p:sp>
-      <p:sp>
-        <p:nvSpPr>
-          <p:cNvPr id="35" name="正方形/長方形 34">
-            <a:extLst>
-              <a:ext uri="{FF2B5EF4-FFF2-40B4-BE49-F238E27FC236}">
-                <a16:creationId xmlns:a16="http://schemas.microsoft.com/office/drawing/2014/main" id="{6CA3E767-3415-44ED-9433-E0F0863E3980}"/>
-              </a:ext>
-            </a:extLst>
-          </p:cNvPr>
-          <p:cNvSpPr/>
-          <p:nvPr/>
-        </p:nvSpPr>
-        <p:spPr>
-          <a:xfrm>
-            <a:off x="8032652" y="3912522"/>
-            <a:ext cx="1294229" cy="362243"/>
-          </a:xfrm>
-          <a:prstGeom prst="rect">
-            <a:avLst/>
-          </a:prstGeom>
-          <a:ln>
-            <a:solidFill>
-              <a:schemeClr val="tx1"/>
-            </a:solidFill>
-          </a:ln>
-        </p:spPr>
-        <p:style>
-          <a:lnRef idx="2">
-            <a:schemeClr val="accent1">
-              <a:shade val="50000"/>
-            </a:schemeClr>
-          </a:lnRef>
-          <a:fillRef idx="1">
-            <a:schemeClr val="accent1"/>
-          </a:fillRef>
-          <a:effectRef idx="0">
-            <a:schemeClr val="accent1"/>
-          </a:effectRef>
-          <a:fontRef idx="minor">
-            <a:schemeClr val="lt1"/>
-          </a:fontRef>
-        </p:style>
-        <p:txBody>
-          <a:bodyPr rtlCol="0" anchor="ctr"/>
-          <a:lstStyle/>
-          <a:p>
-            <a:pPr algn="ctr"/>
-            <a:endParaRPr kumimoji="1" lang="ja-JP" altLang="en-US"/>
-          </a:p>
-        </p:txBody>
-      </p:sp>
-      <p:sp>
-        <p:nvSpPr>
-          <p:cNvPr id="36" name="正方形/長方形 35">
-            <a:extLst>
-              <a:ext uri="{FF2B5EF4-FFF2-40B4-BE49-F238E27FC236}">
-                <a16:creationId xmlns:a16="http://schemas.microsoft.com/office/drawing/2014/main" id="{95107EE1-B092-415A-9ECD-1A55878F7C46}"/>
-              </a:ext>
-            </a:extLst>
-          </p:cNvPr>
-          <p:cNvSpPr/>
-          <p:nvPr/>
-        </p:nvSpPr>
-        <p:spPr>
-          <a:xfrm>
-            <a:off x="5479365" y="3912522"/>
-            <a:ext cx="1294229" cy="362243"/>
-          </a:xfrm>
-          <a:prstGeom prst="rect">
-            <a:avLst/>
-          </a:prstGeom>
-          <a:ln>
-            <a:solidFill>
-              <a:schemeClr val="tx1"/>
-            </a:solidFill>
-          </a:ln>
-        </p:spPr>
-        <p:style>
-          <a:lnRef idx="2">
-            <a:schemeClr val="accent1">
-              <a:shade val="50000"/>
-            </a:schemeClr>
-          </a:lnRef>
-          <a:fillRef idx="1">
-            <a:schemeClr val="accent1"/>
-          </a:fillRef>
-          <a:effectRef idx="0">
-            <a:schemeClr val="accent1"/>
-          </a:effectRef>
-          <a:fontRef idx="minor">
-            <a:schemeClr val="lt1"/>
-          </a:fontRef>
-        </p:style>
-        <p:txBody>
-          <a:bodyPr rtlCol="0" anchor="ctr"/>
-          <a:lstStyle/>
-          <a:p>
-            <a:pPr algn="ctr"/>
-            <a:endParaRPr kumimoji="1" lang="ja-JP" altLang="en-US"/>
-          </a:p>
-        </p:txBody>
-      </p:sp>
-      <p:sp>
-        <p:nvSpPr>
-          <p:cNvPr id="37" name="正方形/長方形 36">
-            <a:extLst>
-              <a:ext uri="{FF2B5EF4-FFF2-40B4-BE49-F238E27FC236}">
-                <a16:creationId xmlns:a16="http://schemas.microsoft.com/office/drawing/2014/main" id="{19E169AC-76FE-4B90-A06D-012651571102}"/>
-              </a:ext>
-            </a:extLst>
-          </p:cNvPr>
-          <p:cNvSpPr/>
-          <p:nvPr/>
-        </p:nvSpPr>
-        <p:spPr>
-          <a:xfrm>
-            <a:off x="4182796" y="3912522"/>
-            <a:ext cx="1294229" cy="362243"/>
-          </a:xfrm>
-          <a:prstGeom prst="rect">
-            <a:avLst/>
-          </a:prstGeom>
-          <a:ln>
-            <a:solidFill>
-              <a:schemeClr val="tx1"/>
-            </a:solidFill>
-          </a:ln>
-        </p:spPr>
-        <p:style>
-          <a:lnRef idx="2">
-            <a:schemeClr val="accent1">
-              <a:shade val="50000"/>
-            </a:schemeClr>
-          </a:lnRef>
-          <a:fillRef idx="1">
-            <a:schemeClr val="accent1"/>
-          </a:fillRef>
-          <a:effectRef idx="0">
-            <a:schemeClr val="accent1"/>
-          </a:effectRef>
-          <a:fontRef idx="minor">
-            <a:schemeClr val="lt1"/>
-          </a:fontRef>
-        </p:style>
-        <p:txBody>
-          <a:bodyPr rtlCol="0" anchor="ctr"/>
-          <a:lstStyle/>
-          <a:p>
-            <a:pPr algn="ctr"/>
-            <a:endParaRPr kumimoji="1" lang="ja-JP" altLang="en-US"/>
-          </a:p>
-        </p:txBody>
-      </p:sp>
-      <p:sp>
-        <p:nvSpPr>
-          <p:cNvPr id="38" name="正方形/長方形 37">
-            <a:extLst>
-              <a:ext uri="{FF2B5EF4-FFF2-40B4-BE49-F238E27FC236}">
-                <a16:creationId xmlns:a16="http://schemas.microsoft.com/office/drawing/2014/main" id="{A15DB257-2F8C-4F4F-808F-73D0CCF3F972}"/>
-              </a:ext>
-            </a:extLst>
-          </p:cNvPr>
-          <p:cNvSpPr/>
-          <p:nvPr/>
-        </p:nvSpPr>
-        <p:spPr>
-          <a:xfrm>
-            <a:off x="1559169" y="5144640"/>
-            <a:ext cx="1294229" cy="362243"/>
-          </a:xfrm>
-          <a:prstGeom prst="rect">
-            <a:avLst/>
-          </a:prstGeom>
-          <a:solidFill>
-            <a:srgbClr val="FFFF00"/>
-          </a:solidFill>
-          <a:ln>
-            <a:solidFill>
-              <a:schemeClr val="tx1"/>
-            </a:solidFill>
-          </a:ln>
-        </p:spPr>
-        <p:style>
-          <a:lnRef idx="2">
-            <a:schemeClr val="accent1">
-              <a:shade val="50000"/>
-            </a:schemeClr>
-          </a:lnRef>
-          <a:fillRef idx="1">
-            <a:schemeClr val="accent1"/>
-          </a:fillRef>
-          <a:effectRef idx="0">
-            <a:schemeClr val="accent1"/>
-          </a:effectRef>
-          <a:fontRef idx="minor">
-            <a:schemeClr val="lt1"/>
-          </a:fontRef>
-        </p:style>
-        <p:txBody>
-          <a:bodyPr rtlCol="0" anchor="ctr"/>
-          <a:lstStyle/>
-          <a:p>
-            <a:pPr algn="ctr"/>
-            <a:endParaRPr kumimoji="1" lang="ja-JP" altLang="en-US"/>
-          </a:p>
-        </p:txBody>
-      </p:sp>
-      <p:sp>
-        <p:nvSpPr>
-          <p:cNvPr id="39" name="正方形/長方形 38">
-            <a:extLst>
-              <a:ext uri="{FF2B5EF4-FFF2-40B4-BE49-F238E27FC236}">
-                <a16:creationId xmlns:a16="http://schemas.microsoft.com/office/drawing/2014/main" id="{E0A68FEA-2DB7-4B99-A202-0A344A0B6E13}"/>
-              </a:ext>
-            </a:extLst>
-          </p:cNvPr>
-          <p:cNvSpPr/>
-          <p:nvPr/>
-        </p:nvSpPr>
-        <p:spPr>
-          <a:xfrm>
-            <a:off x="2865121" y="5144640"/>
-            <a:ext cx="1294229" cy="362243"/>
-          </a:xfrm>
-          <a:prstGeom prst="rect">
-            <a:avLst/>
-          </a:prstGeom>
-          <a:ln>
-            <a:solidFill>
-              <a:schemeClr val="tx1"/>
-            </a:solidFill>
-          </a:ln>
-        </p:spPr>
-        <p:style>
-          <a:lnRef idx="2">
-            <a:schemeClr val="accent1">
-              <a:shade val="50000"/>
-            </a:schemeClr>
-          </a:lnRef>
-          <a:fillRef idx="1">
-            <a:schemeClr val="accent1"/>
-          </a:fillRef>
-          <a:effectRef idx="0">
-            <a:schemeClr val="accent1"/>
-          </a:effectRef>
-          <a:fontRef idx="minor">
-            <a:schemeClr val="lt1"/>
-          </a:fontRef>
-        </p:style>
-        <p:txBody>
-          <a:bodyPr rtlCol="0" anchor="ctr"/>
-          <a:lstStyle/>
-          <a:p>
-            <a:pPr algn="ctr"/>
-            <a:endParaRPr kumimoji="1" lang="ja-JP" altLang="en-US"/>
-          </a:p>
-        </p:txBody>
-      </p:sp>
-      <p:sp>
-        <p:nvSpPr>
-          <p:cNvPr id="40" name="正方形/長方形 39">
-            <a:extLst>
-              <a:ext uri="{FF2B5EF4-FFF2-40B4-BE49-F238E27FC236}">
-                <a16:creationId xmlns:a16="http://schemas.microsoft.com/office/drawing/2014/main" id="{3DA09854-E21B-45B9-8991-B0EC8C7A652F}"/>
-              </a:ext>
-            </a:extLst>
-          </p:cNvPr>
-          <p:cNvSpPr/>
-          <p:nvPr/>
-        </p:nvSpPr>
-        <p:spPr>
-          <a:xfrm>
-            <a:off x="8032652" y="5144640"/>
-            <a:ext cx="1294229" cy="362243"/>
-          </a:xfrm>
-          <a:prstGeom prst="rect">
-            <a:avLst/>
-          </a:prstGeom>
-          <a:solidFill>
-            <a:srgbClr val="FFFF00"/>
-          </a:solidFill>
-          <a:ln>
-            <a:solidFill>
-              <a:schemeClr val="tx1"/>
-            </a:solidFill>
-          </a:ln>
-        </p:spPr>
-        <p:style>
-          <a:lnRef idx="2">
-            <a:schemeClr val="accent1">
-              <a:shade val="50000"/>
-            </a:schemeClr>
-          </a:lnRef>
-          <a:fillRef idx="1">
-            <a:schemeClr val="accent1"/>
-          </a:fillRef>
-          <a:effectRef idx="0">
-            <a:schemeClr val="accent1"/>
-          </a:effectRef>
-          <a:fontRef idx="minor">
-            <a:schemeClr val="lt1"/>
-          </a:fontRef>
-        </p:style>
-        <p:txBody>
-          <a:bodyPr rtlCol="0" anchor="ctr"/>
-          <a:lstStyle/>
-          <a:p>
-            <a:pPr algn="ctr"/>
-            <a:endParaRPr kumimoji="1" lang="ja-JP" altLang="en-US"/>
-          </a:p>
-        </p:txBody>
-      </p:sp>
-      <p:sp>
-        <p:nvSpPr>
-          <p:cNvPr id="41" name="正方形/長方形 40">
-            <a:extLst>
-              <a:ext uri="{FF2B5EF4-FFF2-40B4-BE49-F238E27FC236}">
-                <a16:creationId xmlns:a16="http://schemas.microsoft.com/office/drawing/2014/main" id="{8F5835E0-C4FC-4EDB-BFA9-A3BC0410811F}"/>
-              </a:ext>
-            </a:extLst>
-          </p:cNvPr>
-          <p:cNvSpPr/>
-          <p:nvPr/>
-        </p:nvSpPr>
-        <p:spPr>
-          <a:xfrm>
-            <a:off x="5479365" y="5144640"/>
-            <a:ext cx="1294229" cy="362243"/>
-          </a:xfrm>
-          <a:prstGeom prst="rect">
-            <a:avLst/>
-          </a:prstGeom>
-          <a:solidFill>
-            <a:srgbClr val="FF0000"/>
-          </a:solidFill>
-          <a:ln>
-            <a:solidFill>
-              <a:schemeClr val="tx1"/>
-            </a:solidFill>
-          </a:ln>
-        </p:spPr>
-        <p:style>
-          <a:lnRef idx="2">
-            <a:schemeClr val="accent1">
-              <a:shade val="50000"/>
-            </a:schemeClr>
-          </a:lnRef>
-          <a:fillRef idx="1">
-            <a:schemeClr val="accent1"/>
-          </a:fillRef>
-          <a:effectRef idx="0">
-            <a:schemeClr val="accent1"/>
-          </a:effectRef>
-          <a:fontRef idx="minor">
-            <a:schemeClr val="lt1"/>
-          </a:fontRef>
-        </p:style>
-        <p:txBody>
-          <a:bodyPr rtlCol="0" anchor="ctr"/>
-          <a:lstStyle/>
-          <a:p>
-            <a:pPr algn="ctr"/>
-            <a:endParaRPr kumimoji="1" lang="ja-JP" altLang="en-US"/>
-          </a:p>
-        </p:txBody>
-      </p:sp>
-      <p:sp>
-        <p:nvSpPr>
-          <p:cNvPr id="42" name="正方形/長方形 41">
-            <a:extLst>
-              <a:ext uri="{FF2B5EF4-FFF2-40B4-BE49-F238E27FC236}">
-                <a16:creationId xmlns:a16="http://schemas.microsoft.com/office/drawing/2014/main" id="{439BFAD3-3D73-4D6D-B247-ACEF81EE3FDF}"/>
-              </a:ext>
-            </a:extLst>
-          </p:cNvPr>
-          <p:cNvSpPr/>
-          <p:nvPr/>
-        </p:nvSpPr>
-        <p:spPr>
-          <a:xfrm>
-            <a:off x="4182796" y="5144640"/>
-            <a:ext cx="1294229" cy="362243"/>
-          </a:xfrm>
-          <a:prstGeom prst="rect">
-            <a:avLst/>
-          </a:prstGeom>
-          <a:solidFill>
-            <a:srgbClr val="FF0000"/>
-          </a:solidFill>
-          <a:ln>
-            <a:solidFill>
-              <a:schemeClr val="tx1"/>
-            </a:solidFill>
-          </a:ln>
-        </p:spPr>
-        <p:style>
-          <a:lnRef idx="2">
-            <a:schemeClr val="accent1">
-              <a:shade val="50000"/>
-            </a:schemeClr>
-          </a:lnRef>
-          <a:fillRef idx="1">
-            <a:schemeClr val="accent1"/>
-          </a:fillRef>
-          <a:effectRef idx="0">
-            <a:schemeClr val="accent1"/>
-          </a:effectRef>
-          <a:fontRef idx="minor">
-            <a:schemeClr val="lt1"/>
-          </a:fontRef>
-        </p:style>
-        <p:txBody>
-          <a:bodyPr rtlCol="0" anchor="ctr"/>
-          <a:lstStyle/>
-          <a:p>
-            <a:pPr algn="ctr"/>
-            <a:endParaRPr kumimoji="1" lang="ja-JP" altLang="en-US"/>
-          </a:p>
-        </p:txBody>
-      </p:sp>
-      <p:sp>
-        <p:nvSpPr>
-          <p:cNvPr id="43" name="矢印: 下 42">
-            <a:extLst>
-              <a:ext uri="{FF2B5EF4-FFF2-40B4-BE49-F238E27FC236}">
-                <a16:creationId xmlns:a16="http://schemas.microsoft.com/office/drawing/2014/main" id="{F639D6E0-1993-4B67-9072-4E0D58EE2742}"/>
-              </a:ext>
-            </a:extLst>
-          </p:cNvPr>
-          <p:cNvSpPr/>
-          <p:nvPr/>
-        </p:nvSpPr>
-        <p:spPr>
-          <a:xfrm>
-            <a:off x="4398502" y="4460113"/>
-            <a:ext cx="862815" cy="499179"/>
-          </a:xfrm>
-          <a:prstGeom prst="downArrow">
-            <a:avLst/>
-          </a:prstGeom>
-        </p:spPr>
-        <p:style>
-          <a:lnRef idx="2">
-            <a:schemeClr val="accent1">
-              <a:shade val="50000"/>
-            </a:schemeClr>
-          </a:lnRef>
-          <a:fillRef idx="1">
-            <a:schemeClr val="accent1"/>
-          </a:fillRef>
-          <a:effectRef idx="0">
-            <a:schemeClr val="accent1"/>
-          </a:effectRef>
-          <a:fontRef idx="minor">
-            <a:schemeClr val="lt1"/>
-          </a:fontRef>
-        </p:style>
-        <p:txBody>
-          <a:bodyPr rtlCol="0" anchor="ctr"/>
-          <a:lstStyle/>
-          <a:p>
-            <a:pPr algn="ctr"/>
-            <a:endParaRPr kumimoji="1" lang="ja-JP" altLang="en-US"/>
-          </a:p>
-        </p:txBody>
-      </p:sp>
-      <p:sp>
-        <p:nvSpPr>
-          <p:cNvPr id="44" name="テキスト ボックス 43">
-            <a:extLst>
-              <a:ext uri="{FF2B5EF4-FFF2-40B4-BE49-F238E27FC236}">
-                <a16:creationId xmlns:a16="http://schemas.microsoft.com/office/drawing/2014/main" id="{87D9B5C8-5F13-4115-B09D-BF3804C28957}"/>
-              </a:ext>
-            </a:extLst>
-          </p:cNvPr>
-          <p:cNvSpPr txBox="1"/>
-          <p:nvPr/>
-        </p:nvSpPr>
-        <p:spPr>
-          <a:xfrm>
-            <a:off x="9865406" y="2859201"/>
-            <a:ext cx="1005403" cy="369332"/>
-          </a:xfrm>
-          <a:prstGeom prst="rect">
-            <a:avLst/>
-          </a:prstGeom>
-          <a:noFill/>
-        </p:spPr>
-        <p:txBody>
-          <a:bodyPr wrap="none" rtlCol="0">
-            <a:spAutoFit/>
-          </a:bodyPr>
-          <a:lstStyle/>
-          <a:p>
-            <a:r>
-              <a:rPr kumimoji="1" lang="ja-JP" altLang="en-US" dirty="0"/>
-              <a:t>ランク</a:t>
-            </a:r>
-            <a:r>
-              <a:rPr kumimoji="1" lang="en-US" altLang="ja-JP" dirty="0"/>
-              <a:t>1</a:t>
-            </a:r>
-            <a:endParaRPr kumimoji="1" lang="ja-JP" altLang="en-US" dirty="0"/>
-          </a:p>
-        </p:txBody>
-      </p:sp>
-      <p:sp>
-        <p:nvSpPr>
-          <p:cNvPr id="45" name="テキスト ボックス 44">
-            <a:extLst>
-              <a:ext uri="{FF2B5EF4-FFF2-40B4-BE49-F238E27FC236}">
-                <a16:creationId xmlns:a16="http://schemas.microsoft.com/office/drawing/2014/main" id="{87A475E9-9034-475A-B319-DA19CD401020}"/>
-              </a:ext>
-            </a:extLst>
-          </p:cNvPr>
-          <p:cNvSpPr txBox="1"/>
-          <p:nvPr/>
-        </p:nvSpPr>
-        <p:spPr>
-          <a:xfrm>
-            <a:off x="9865404" y="3385861"/>
-            <a:ext cx="1005403" cy="369332"/>
-          </a:xfrm>
-          <a:prstGeom prst="rect">
-            <a:avLst/>
-          </a:prstGeom>
-          <a:noFill/>
-        </p:spPr>
-        <p:txBody>
-          <a:bodyPr wrap="none" rtlCol="0">
-            <a:spAutoFit/>
-          </a:bodyPr>
-          <a:lstStyle/>
-          <a:p>
-            <a:r>
-              <a:rPr kumimoji="1" lang="ja-JP" altLang="en-US" dirty="0"/>
-              <a:t>ランク</a:t>
-            </a:r>
-            <a:r>
-              <a:rPr lang="en-US" altLang="ja-JP" dirty="0"/>
-              <a:t>2</a:t>
-            </a:r>
-            <a:endParaRPr kumimoji="1" lang="ja-JP" altLang="en-US" dirty="0"/>
-          </a:p>
-        </p:txBody>
-      </p:sp>
-      <p:sp>
-        <p:nvSpPr>
-          <p:cNvPr id="46" name="テキスト ボックス 45">
-            <a:extLst>
-              <a:ext uri="{FF2B5EF4-FFF2-40B4-BE49-F238E27FC236}">
-                <a16:creationId xmlns:a16="http://schemas.microsoft.com/office/drawing/2014/main" id="{18AF790E-00F0-43E9-9CAC-490FBC88B25F}"/>
-              </a:ext>
-            </a:extLst>
-          </p:cNvPr>
-          <p:cNvSpPr txBox="1"/>
-          <p:nvPr/>
-        </p:nvSpPr>
-        <p:spPr>
-          <a:xfrm>
-            <a:off x="9865405" y="3908977"/>
-            <a:ext cx="1005403" cy="369332"/>
-          </a:xfrm>
-          <a:prstGeom prst="rect">
-            <a:avLst/>
-          </a:prstGeom>
-          <a:noFill/>
-        </p:spPr>
-        <p:txBody>
-          <a:bodyPr wrap="none" rtlCol="0">
-            <a:spAutoFit/>
-          </a:bodyPr>
-          <a:lstStyle/>
-          <a:p>
-            <a:r>
-              <a:rPr kumimoji="1" lang="ja-JP" altLang="en-US" dirty="0"/>
-              <a:t>ランク</a:t>
-            </a:r>
-            <a:r>
-              <a:rPr lang="en-US" altLang="ja-JP" dirty="0"/>
-              <a:t>3</a:t>
-            </a:r>
-            <a:endParaRPr kumimoji="1" lang="ja-JP" altLang="en-US" dirty="0"/>
-          </a:p>
-        </p:txBody>
-      </p:sp>
-      <p:sp>
-        <p:nvSpPr>
-          <p:cNvPr id="47" name="テキスト ボックス 46">
-            <a:extLst>
-              <a:ext uri="{FF2B5EF4-FFF2-40B4-BE49-F238E27FC236}">
-                <a16:creationId xmlns:a16="http://schemas.microsoft.com/office/drawing/2014/main" id="{C96F5F55-4068-435D-962D-91633B3ACA3F}"/>
-              </a:ext>
-            </a:extLst>
-          </p:cNvPr>
-          <p:cNvSpPr txBox="1"/>
-          <p:nvPr/>
-        </p:nvSpPr>
-        <p:spPr>
-          <a:xfrm>
-            <a:off x="9865406" y="5144640"/>
-            <a:ext cx="877163" cy="369332"/>
-          </a:xfrm>
-          <a:prstGeom prst="rect">
-            <a:avLst/>
-          </a:prstGeom>
-          <a:noFill/>
-        </p:spPr>
-        <p:txBody>
-          <a:bodyPr wrap="none" rtlCol="0">
-            <a:spAutoFit/>
-          </a:bodyPr>
-          <a:lstStyle/>
-          <a:p>
-            <a:r>
-              <a:rPr lang="ja-JP" altLang="en-US" dirty="0"/>
-              <a:t>次世代</a:t>
-            </a:r>
-            <a:endParaRPr kumimoji="1" lang="ja-JP" altLang="en-US" dirty="0"/>
-          </a:p>
-        </p:txBody>
-      </p:sp>
-      <p:sp>
-        <p:nvSpPr>
-          <p:cNvPr id="48" name="テキスト ボックス 47">
-            <a:extLst>
-              <a:ext uri="{FF2B5EF4-FFF2-40B4-BE49-F238E27FC236}">
-                <a16:creationId xmlns:a16="http://schemas.microsoft.com/office/drawing/2014/main" id="{4BCDBCF6-F970-4B86-876E-9DB2E04C6725}"/>
-              </a:ext>
-            </a:extLst>
-          </p:cNvPr>
-          <p:cNvSpPr txBox="1"/>
-          <p:nvPr/>
-        </p:nvSpPr>
-        <p:spPr>
-          <a:xfrm>
-            <a:off x="6964541" y="2859201"/>
-            <a:ext cx="877163" cy="369332"/>
-          </a:xfrm>
-          <a:prstGeom prst="rect">
-            <a:avLst/>
-          </a:prstGeom>
-          <a:noFill/>
-        </p:spPr>
-        <p:txBody>
-          <a:bodyPr wrap="none" rtlCol="0">
-            <a:spAutoFit/>
-          </a:bodyPr>
-          <a:lstStyle/>
-          <a:p>
-            <a:r>
-              <a:rPr lang="ja-JP" altLang="en-US" dirty="0"/>
-              <a:t>・・・</a:t>
-            </a:r>
-            <a:endParaRPr kumimoji="1" lang="ja-JP" altLang="en-US" dirty="0"/>
-          </a:p>
-        </p:txBody>
-      </p:sp>
-      <p:sp>
-        <p:nvSpPr>
-          <p:cNvPr id="49" name="テキスト ボックス 48">
-            <a:extLst>
-              <a:ext uri="{FF2B5EF4-FFF2-40B4-BE49-F238E27FC236}">
-                <a16:creationId xmlns:a16="http://schemas.microsoft.com/office/drawing/2014/main" id="{FAE7BDBD-513B-4CA8-8907-143951EA3860}"/>
-              </a:ext>
-            </a:extLst>
-          </p:cNvPr>
-          <p:cNvSpPr txBox="1"/>
-          <p:nvPr/>
-        </p:nvSpPr>
-        <p:spPr>
-          <a:xfrm>
-            <a:off x="6964539" y="3391932"/>
-            <a:ext cx="877163" cy="369332"/>
-          </a:xfrm>
-          <a:prstGeom prst="rect">
-            <a:avLst/>
-          </a:prstGeom>
-          <a:noFill/>
-        </p:spPr>
-        <p:txBody>
-          <a:bodyPr wrap="none" rtlCol="0">
-            <a:spAutoFit/>
-          </a:bodyPr>
-          <a:lstStyle/>
-          <a:p>
-            <a:r>
-              <a:rPr lang="ja-JP" altLang="en-US" dirty="0"/>
-              <a:t>・・・</a:t>
-            </a:r>
-            <a:endParaRPr kumimoji="1" lang="ja-JP" altLang="en-US" dirty="0"/>
-          </a:p>
-        </p:txBody>
-      </p:sp>
-      <p:sp>
-        <p:nvSpPr>
-          <p:cNvPr id="50" name="テキスト ボックス 49">
-            <a:extLst>
-              <a:ext uri="{FF2B5EF4-FFF2-40B4-BE49-F238E27FC236}">
-                <a16:creationId xmlns:a16="http://schemas.microsoft.com/office/drawing/2014/main" id="{8D82C183-F86D-4DA6-B249-53C417ACE869}"/>
-              </a:ext>
-            </a:extLst>
-          </p:cNvPr>
-          <p:cNvSpPr txBox="1"/>
-          <p:nvPr/>
-        </p:nvSpPr>
-        <p:spPr>
-          <a:xfrm>
-            <a:off x="6964540" y="3908977"/>
-            <a:ext cx="877163" cy="369332"/>
-          </a:xfrm>
-          <a:prstGeom prst="rect">
-            <a:avLst/>
-          </a:prstGeom>
-          <a:noFill/>
-        </p:spPr>
-        <p:txBody>
-          <a:bodyPr wrap="none" rtlCol="0">
-            <a:spAutoFit/>
-          </a:bodyPr>
-          <a:lstStyle/>
-          <a:p>
-            <a:r>
-              <a:rPr lang="ja-JP" altLang="en-US" dirty="0"/>
-              <a:t>・・・</a:t>
-            </a:r>
-            <a:endParaRPr kumimoji="1" lang="ja-JP" altLang="en-US" dirty="0"/>
-          </a:p>
-        </p:txBody>
-      </p:sp>
-      <p:sp>
-        <p:nvSpPr>
-          <p:cNvPr id="51" name="テキスト ボックス 50">
-            <a:extLst>
-              <a:ext uri="{FF2B5EF4-FFF2-40B4-BE49-F238E27FC236}">
-                <a16:creationId xmlns:a16="http://schemas.microsoft.com/office/drawing/2014/main" id="{E9121F20-E41C-4788-967F-AB92496F4A9B}"/>
-              </a:ext>
-            </a:extLst>
-          </p:cNvPr>
-          <p:cNvSpPr txBox="1"/>
-          <p:nvPr/>
-        </p:nvSpPr>
-        <p:spPr>
-          <a:xfrm>
-            <a:off x="6964541" y="5144640"/>
-            <a:ext cx="877163" cy="369332"/>
-          </a:xfrm>
-          <a:prstGeom prst="rect">
-            <a:avLst/>
-          </a:prstGeom>
-          <a:noFill/>
-        </p:spPr>
-        <p:txBody>
-          <a:bodyPr wrap="none" rtlCol="0">
-            <a:spAutoFit/>
-          </a:bodyPr>
-          <a:lstStyle/>
-          <a:p>
-            <a:r>
-              <a:rPr lang="ja-JP" altLang="en-US" dirty="0"/>
-              <a:t>・・・</a:t>
-            </a:r>
-            <a:endParaRPr kumimoji="1" lang="ja-JP" altLang="en-US" dirty="0"/>
-          </a:p>
-        </p:txBody>
-      </p:sp>
-    </p:spTree>
-    <p:extLst>
-      <p:ext uri="{BB962C8B-B14F-4D97-AF65-F5344CB8AC3E}">
-        <p14:creationId xmlns:p14="http://schemas.microsoft.com/office/powerpoint/2010/main" val="2979231568"/>
-      </p:ext>
-    </p:extLst>
-  </p:cSld>
-  <p:clrMapOvr>
-    <a:masterClrMapping/>
-  </p:clrMapOvr>
-</p:sld>
-</file>
-
 <file path=ppt/slides/slide7.xml><?xml version="1.0" encoding="utf-8"?>
 <p:sld xmlns:a="http://schemas.openxmlformats.org/drawingml/2006/main" xmlns:r="http://schemas.openxmlformats.org/officeDocument/2006/relationships" xmlns:p="http://schemas.openxmlformats.org/presentationml/2006/main">
   <p:cSld>
@@ -10113,7 +8903,7 @@
             <a:pPr algn="ctr"/>
             <a:r>
               <a:rPr lang="ja-JP" altLang="en-US" sz="6000" dirty="0"/>
-              <a:t>突然変異</a:t>
+              <a:t>交叉</a:t>
             </a:r>
             <a:endParaRPr kumimoji="1" lang="ja-JP" altLang="en-US" sz="6000" dirty="0"/>
           </a:p>
@@ -10151,51 +8941,41 @@
               <a:buNone/>
             </a:pPr>
             <a:r>
-              <a:rPr kumimoji="1" lang="ja-JP" altLang="en-US" sz="3200" dirty="0"/>
+              <a:rPr lang="ja-JP" altLang="en-US" sz="3200" dirty="0"/>
               <a:t>・</a:t>
             </a:r>
             <a:r>
-              <a:rPr kumimoji="1" lang="en-US" altLang="ja-JP" sz="3200" dirty="0"/>
+              <a:rPr lang="en-US" altLang="ja-JP" sz="3200" dirty="0"/>
               <a:t>1</a:t>
             </a:r>
             <a:r>
-              <a:rPr kumimoji="1" lang="ja-JP" altLang="en-US" sz="3200" dirty="0"/>
-              <a:t>遺伝子ごとに判定、</a:t>
-            </a:r>
-            <a:r>
-              <a:rPr lang="en-US" altLang="ja-JP" sz="3200" dirty="0"/>
-              <a:t>10</a:t>
-            </a:r>
-            <a:r>
               <a:rPr lang="ja-JP" altLang="en-US" sz="3200" dirty="0"/>
-              <a:t>％で乱数生成</a:t>
-            </a:r>
-            <a:endParaRPr kumimoji="1" lang="en-US" altLang="ja-JP" sz="3200" dirty="0"/>
+              <a:t>遺伝子ごとに、選択された親の同箇所を継承</a:t>
+            </a:r>
+            <a:endParaRPr lang="en-US" altLang="ja-JP" sz="3200" dirty="0"/>
           </a:p>
           <a:p>
             <a:pPr marL="0" indent="0">
               <a:buNone/>
             </a:pPr>
             <a:r>
-              <a:rPr lang="ja-JP" altLang="en-US" sz="3200" dirty="0"/>
-              <a:t>・</a:t>
-            </a:r>
-            <a:r>
-              <a:rPr lang="en-US" altLang="ja-JP" sz="3200" dirty="0"/>
-              <a:t>20</a:t>
-            </a:r>
-            <a:r>
-              <a:rPr lang="ja-JP" altLang="en-US" sz="3200" dirty="0"/>
-              <a:t>世代ごとに大変異、</a:t>
-            </a:r>
-            <a:r>
-              <a:rPr lang="en-US" altLang="ja-JP" sz="3200" dirty="0"/>
-              <a:t>80</a:t>
-            </a:r>
-            <a:r>
-              <a:rPr lang="ja-JP" altLang="en-US" sz="3200" dirty="0"/>
-              <a:t>％で乱数生成</a:t>
-            </a:r>
+              <a:rPr kumimoji="1" lang="ja-JP" altLang="en-US" sz="3200" dirty="0"/>
+              <a:t>　→親は</a:t>
+            </a:r>
+            <a:r>
+              <a:rPr kumimoji="1" lang="en-US" altLang="ja-JP" sz="3200" dirty="0"/>
+              <a:t>2</a:t>
+            </a:r>
+            <a:r>
+              <a:rPr kumimoji="1" lang="ja-JP" altLang="en-US" sz="3200" dirty="0"/>
+              <a:t>個体に限らない</a:t>
+            </a:r>
+            <a:endParaRPr kumimoji="1" lang="en-US" altLang="ja-JP" sz="3200" dirty="0"/>
+          </a:p>
+          <a:p>
+            <a:pPr marL="0" indent="0">
+              <a:buNone/>
+            </a:pPr>
             <a:endParaRPr kumimoji="1" lang="ja-JP" altLang="en-US" sz="3200" dirty="0"/>
           </a:p>
         </p:txBody>
@@ -10205,7 +8985,7 @@
           <p:cNvPr id="4" name="正方形/長方形 3">
             <a:extLst>
               <a:ext uri="{FF2B5EF4-FFF2-40B4-BE49-F238E27FC236}">
-                <a16:creationId xmlns:a16="http://schemas.microsoft.com/office/drawing/2014/main" id="{4BC1FC9F-6D87-4B23-B877-62E1E1D946C9}"/>
+                <a16:creationId xmlns:a16="http://schemas.microsoft.com/office/drawing/2014/main" id="{D4557395-3AD7-4978-B4A4-D789B025D060}"/>
               </a:ext>
             </a:extLst>
           </p:cNvPr>
@@ -10260,10 +9040,10 @@
       </p:sp>
       <p:sp>
         <p:nvSpPr>
-          <p:cNvPr id="5" name="正方形/長方形 4">
-            <a:extLst>
-              <a:ext uri="{FF2B5EF4-FFF2-40B4-BE49-F238E27FC236}">
-                <a16:creationId xmlns:a16="http://schemas.microsoft.com/office/drawing/2014/main" id="{36E6198B-4C2E-4CD9-A5EB-9816041A0E35}"/>
+          <p:cNvPr id="8" name="正方形/長方形 7">
+            <a:extLst>
+              <a:ext uri="{FF2B5EF4-FFF2-40B4-BE49-F238E27FC236}">
+                <a16:creationId xmlns:a16="http://schemas.microsoft.com/office/drawing/2014/main" id="{27EC9D9F-77A7-40CD-B61F-A41C6A9EEA2F}"/>
               </a:ext>
             </a:extLst>
           </p:cNvPr>
@@ -10314,10 +9094,10 @@
       </p:sp>
       <p:sp>
         <p:nvSpPr>
-          <p:cNvPr id="6" name="正方形/長方形 5">
-            <a:extLst>
-              <a:ext uri="{FF2B5EF4-FFF2-40B4-BE49-F238E27FC236}">
-                <a16:creationId xmlns:a16="http://schemas.microsoft.com/office/drawing/2014/main" id="{B2B5C9E3-153F-403F-9082-C44895F6C912}"/>
+          <p:cNvPr id="9" name="正方形/長方形 8">
+            <a:extLst>
+              <a:ext uri="{FF2B5EF4-FFF2-40B4-BE49-F238E27FC236}">
+                <a16:creationId xmlns:a16="http://schemas.microsoft.com/office/drawing/2014/main" id="{FE4F3C6C-ABB2-4FDE-8819-CFDC6DEB5A8B}"/>
               </a:ext>
             </a:extLst>
           </p:cNvPr>
@@ -10368,10 +9148,10 @@
       </p:sp>
       <p:sp>
         <p:nvSpPr>
-          <p:cNvPr id="7" name="正方形/長方形 6">
-            <a:extLst>
-              <a:ext uri="{FF2B5EF4-FFF2-40B4-BE49-F238E27FC236}">
-                <a16:creationId xmlns:a16="http://schemas.microsoft.com/office/drawing/2014/main" id="{13489231-CB02-4575-97D5-6213862C2C1F}"/>
+          <p:cNvPr id="10" name="正方形/長方形 9">
+            <a:extLst>
+              <a:ext uri="{FF2B5EF4-FFF2-40B4-BE49-F238E27FC236}">
+                <a16:creationId xmlns:a16="http://schemas.microsoft.com/office/drawing/2014/main" id="{86FE8097-DC57-4B2A-A404-CFCAB0691A87}"/>
               </a:ext>
             </a:extLst>
           </p:cNvPr>
@@ -10422,10 +9202,10 @@
       </p:sp>
       <p:sp>
         <p:nvSpPr>
-          <p:cNvPr id="8" name="正方形/長方形 7">
-            <a:extLst>
-              <a:ext uri="{FF2B5EF4-FFF2-40B4-BE49-F238E27FC236}">
-                <a16:creationId xmlns:a16="http://schemas.microsoft.com/office/drawing/2014/main" id="{5FB7DA72-5608-4FF3-88BD-DF6EF2A7D170}"/>
+          <p:cNvPr id="11" name="正方形/長方形 10">
+            <a:extLst>
+              <a:ext uri="{FF2B5EF4-FFF2-40B4-BE49-F238E27FC236}">
+                <a16:creationId xmlns:a16="http://schemas.microsoft.com/office/drawing/2014/main" id="{73CFE75B-69AE-4388-A5DE-3AA32DC90463}"/>
               </a:ext>
             </a:extLst>
           </p:cNvPr>
@@ -10476,10 +9256,10 @@
       </p:sp>
       <p:sp>
         <p:nvSpPr>
-          <p:cNvPr id="9" name="正方形/長方形 8">
-            <a:extLst>
-              <a:ext uri="{FF2B5EF4-FFF2-40B4-BE49-F238E27FC236}">
-                <a16:creationId xmlns:a16="http://schemas.microsoft.com/office/drawing/2014/main" id="{A05CA53E-22CC-4408-A170-DB1A1A0B6A62}"/>
+          <p:cNvPr id="17" name="正方形/長方形 16">
+            <a:extLst>
+              <a:ext uri="{FF2B5EF4-FFF2-40B4-BE49-F238E27FC236}">
+                <a16:creationId xmlns:a16="http://schemas.microsoft.com/office/drawing/2014/main" id="{A31D3B88-CBA5-43B2-A322-24A3A6854E1E}"/>
               </a:ext>
             </a:extLst>
           </p:cNvPr>
@@ -10530,10 +9310,10 @@
       </p:sp>
       <p:sp>
         <p:nvSpPr>
-          <p:cNvPr id="10" name="正方形/長方形 9">
-            <a:extLst>
-              <a:ext uri="{FF2B5EF4-FFF2-40B4-BE49-F238E27FC236}">
-                <a16:creationId xmlns:a16="http://schemas.microsoft.com/office/drawing/2014/main" id="{42CBBE2A-7CBD-4A7D-A937-2D610267BF3F}"/>
+          <p:cNvPr id="18" name="正方形/長方形 17">
+            <a:extLst>
+              <a:ext uri="{FF2B5EF4-FFF2-40B4-BE49-F238E27FC236}">
+                <a16:creationId xmlns:a16="http://schemas.microsoft.com/office/drawing/2014/main" id="{35E9747E-676C-4A2D-9A71-D8C8C63222F1}"/>
               </a:ext>
             </a:extLst>
           </p:cNvPr>
@@ -10584,10 +9364,10 @@
       </p:sp>
       <p:sp>
         <p:nvSpPr>
-          <p:cNvPr id="11" name="正方形/長方形 10">
-            <a:extLst>
-              <a:ext uri="{FF2B5EF4-FFF2-40B4-BE49-F238E27FC236}">
-                <a16:creationId xmlns:a16="http://schemas.microsoft.com/office/drawing/2014/main" id="{E7DC408B-9F0B-4DEF-9AA5-33CDBA102410}"/>
+          <p:cNvPr id="19" name="正方形/長方形 18">
+            <a:extLst>
+              <a:ext uri="{FF2B5EF4-FFF2-40B4-BE49-F238E27FC236}">
+                <a16:creationId xmlns:a16="http://schemas.microsoft.com/office/drawing/2014/main" id="{5E1D1F6F-B261-4B78-B555-2EE353D7DBC6}"/>
               </a:ext>
             </a:extLst>
           </p:cNvPr>
@@ -10638,10 +9418,10 @@
       </p:sp>
       <p:sp>
         <p:nvSpPr>
-          <p:cNvPr id="12" name="正方形/長方形 11">
-            <a:extLst>
-              <a:ext uri="{FF2B5EF4-FFF2-40B4-BE49-F238E27FC236}">
-                <a16:creationId xmlns:a16="http://schemas.microsoft.com/office/drawing/2014/main" id="{5AC10CD5-3EA9-4AE5-83E7-F4AED47B9019}"/>
+          <p:cNvPr id="20" name="正方形/長方形 19">
+            <a:extLst>
+              <a:ext uri="{FF2B5EF4-FFF2-40B4-BE49-F238E27FC236}">
+                <a16:creationId xmlns:a16="http://schemas.microsoft.com/office/drawing/2014/main" id="{AE03C0E9-3AD9-4F8F-BBF7-90269B94F793}"/>
               </a:ext>
             </a:extLst>
           </p:cNvPr>
@@ -10692,10 +9472,10 @@
       </p:sp>
       <p:sp>
         <p:nvSpPr>
-          <p:cNvPr id="13" name="正方形/長方形 12">
-            <a:extLst>
-              <a:ext uri="{FF2B5EF4-FFF2-40B4-BE49-F238E27FC236}">
-                <a16:creationId xmlns:a16="http://schemas.microsoft.com/office/drawing/2014/main" id="{DCCFBC98-A22D-4F15-B95F-DAC4845D92B7}"/>
+          <p:cNvPr id="21" name="正方形/長方形 20">
+            <a:extLst>
+              <a:ext uri="{FF2B5EF4-FFF2-40B4-BE49-F238E27FC236}">
+                <a16:creationId xmlns:a16="http://schemas.microsoft.com/office/drawing/2014/main" id="{9A86DDCD-5DFD-4AF1-B666-8B43AEE60289}"/>
               </a:ext>
             </a:extLst>
           </p:cNvPr>
@@ -10746,10 +9526,10 @@
       </p:sp>
       <p:sp>
         <p:nvSpPr>
-          <p:cNvPr id="14" name="正方形/長方形 13">
-            <a:extLst>
-              <a:ext uri="{FF2B5EF4-FFF2-40B4-BE49-F238E27FC236}">
-                <a16:creationId xmlns:a16="http://schemas.microsoft.com/office/drawing/2014/main" id="{BE61F35C-BB54-4217-A99D-C5EA96C13B99}"/>
+          <p:cNvPr id="33" name="正方形/長方形 32">
+            <a:extLst>
+              <a:ext uri="{FF2B5EF4-FFF2-40B4-BE49-F238E27FC236}">
+                <a16:creationId xmlns:a16="http://schemas.microsoft.com/office/drawing/2014/main" id="{7B2A7DB3-6113-4D2A-87AC-11D90BC18E0E}"/>
               </a:ext>
             </a:extLst>
           </p:cNvPr>
@@ -10797,10 +9577,10 @@
       </p:sp>
       <p:sp>
         <p:nvSpPr>
-          <p:cNvPr id="15" name="正方形/長方形 14">
-            <a:extLst>
-              <a:ext uri="{FF2B5EF4-FFF2-40B4-BE49-F238E27FC236}">
-                <a16:creationId xmlns:a16="http://schemas.microsoft.com/office/drawing/2014/main" id="{63A018E3-96F3-46E4-885F-1991D88DDDAD}"/>
+          <p:cNvPr id="34" name="正方形/長方形 33">
+            <a:extLst>
+              <a:ext uri="{FF2B5EF4-FFF2-40B4-BE49-F238E27FC236}">
+                <a16:creationId xmlns:a16="http://schemas.microsoft.com/office/drawing/2014/main" id="{F17C7F6B-3749-40F5-96D3-FBE7A160A919}"/>
               </a:ext>
             </a:extLst>
           </p:cNvPr>
@@ -10848,10 +9628,10 @@
       </p:sp>
       <p:sp>
         <p:nvSpPr>
-          <p:cNvPr id="16" name="正方形/長方形 15">
-            <a:extLst>
-              <a:ext uri="{FF2B5EF4-FFF2-40B4-BE49-F238E27FC236}">
-                <a16:creationId xmlns:a16="http://schemas.microsoft.com/office/drawing/2014/main" id="{1F13E024-610C-44CD-9260-8BD73F94BF86}"/>
+          <p:cNvPr id="35" name="正方形/長方形 34">
+            <a:extLst>
+              <a:ext uri="{FF2B5EF4-FFF2-40B4-BE49-F238E27FC236}">
+                <a16:creationId xmlns:a16="http://schemas.microsoft.com/office/drawing/2014/main" id="{6CA3E767-3415-44ED-9433-E0F0863E3980}"/>
               </a:ext>
             </a:extLst>
           </p:cNvPr>
@@ -10899,10 +9679,10 @@
       </p:sp>
       <p:sp>
         <p:nvSpPr>
-          <p:cNvPr id="17" name="正方形/長方形 16">
-            <a:extLst>
-              <a:ext uri="{FF2B5EF4-FFF2-40B4-BE49-F238E27FC236}">
-                <a16:creationId xmlns:a16="http://schemas.microsoft.com/office/drawing/2014/main" id="{A506F62C-747D-40B6-9DFF-7A6F49E87574}"/>
+          <p:cNvPr id="36" name="正方形/長方形 35">
+            <a:extLst>
+              <a:ext uri="{FF2B5EF4-FFF2-40B4-BE49-F238E27FC236}">
+                <a16:creationId xmlns:a16="http://schemas.microsoft.com/office/drawing/2014/main" id="{95107EE1-B092-415A-9ECD-1A55878F7C46}"/>
               </a:ext>
             </a:extLst>
           </p:cNvPr>
@@ -10950,10 +9730,10 @@
       </p:sp>
       <p:sp>
         <p:nvSpPr>
-          <p:cNvPr id="18" name="正方形/長方形 17">
-            <a:extLst>
-              <a:ext uri="{FF2B5EF4-FFF2-40B4-BE49-F238E27FC236}">
-                <a16:creationId xmlns:a16="http://schemas.microsoft.com/office/drawing/2014/main" id="{F2DA6500-698C-401B-AEB6-2089B1790033}"/>
+          <p:cNvPr id="37" name="正方形/長方形 36">
+            <a:extLst>
+              <a:ext uri="{FF2B5EF4-FFF2-40B4-BE49-F238E27FC236}">
+                <a16:creationId xmlns:a16="http://schemas.microsoft.com/office/drawing/2014/main" id="{19E169AC-76FE-4B90-A06D-012651571102}"/>
               </a:ext>
             </a:extLst>
           </p:cNvPr>
@@ -11001,10 +9781,10 @@
       </p:sp>
       <p:sp>
         <p:nvSpPr>
-          <p:cNvPr id="19" name="正方形/長方形 18">
-            <a:extLst>
-              <a:ext uri="{FF2B5EF4-FFF2-40B4-BE49-F238E27FC236}">
-                <a16:creationId xmlns:a16="http://schemas.microsoft.com/office/drawing/2014/main" id="{626A071A-AE93-4B22-84BC-441B74105469}"/>
+          <p:cNvPr id="38" name="正方形/長方形 37">
+            <a:extLst>
+              <a:ext uri="{FF2B5EF4-FFF2-40B4-BE49-F238E27FC236}">
+                <a16:creationId xmlns:a16="http://schemas.microsoft.com/office/drawing/2014/main" id="{A15DB257-2F8C-4F4F-808F-73D0CCF3F972}"/>
               </a:ext>
             </a:extLst>
           </p:cNvPr>
@@ -11013,14 +9793,14 @@
         </p:nvSpPr>
         <p:spPr>
           <a:xfrm>
-            <a:off x="1559169" y="5762601"/>
+            <a:off x="1559169" y="5144640"/>
             <a:ext cx="1294229" cy="362243"/>
           </a:xfrm>
           <a:prstGeom prst="rect">
             <a:avLst/>
           </a:prstGeom>
           <a:solidFill>
-            <a:srgbClr val="00B050"/>
+            <a:srgbClr val="FFFF00"/>
           </a:solidFill>
           <a:ln>
             <a:solidFill>
@@ -11055,10 +9835,10 @@
       </p:sp>
       <p:sp>
         <p:nvSpPr>
-          <p:cNvPr id="20" name="正方形/長方形 19">
-            <a:extLst>
-              <a:ext uri="{FF2B5EF4-FFF2-40B4-BE49-F238E27FC236}">
-                <a16:creationId xmlns:a16="http://schemas.microsoft.com/office/drawing/2014/main" id="{F731E1BB-280E-4744-A064-8E7BBE10A103}"/>
+          <p:cNvPr id="39" name="正方形/長方形 38">
+            <a:extLst>
+              <a:ext uri="{FF2B5EF4-FFF2-40B4-BE49-F238E27FC236}">
+                <a16:creationId xmlns:a16="http://schemas.microsoft.com/office/drawing/2014/main" id="{E0A68FEA-2DB7-4B99-A202-0A344A0B6E13}"/>
               </a:ext>
             </a:extLst>
           </p:cNvPr>
@@ -11067,15 +9847,12 @@
         </p:nvSpPr>
         <p:spPr>
           <a:xfrm>
-            <a:off x="2865121" y="5762601"/>
+            <a:off x="2865121" y="5144640"/>
             <a:ext cx="1294229" cy="362243"/>
           </a:xfrm>
           <a:prstGeom prst="rect">
             <a:avLst/>
           </a:prstGeom>
-          <a:solidFill>
-            <a:srgbClr val="00B050"/>
-          </a:solidFill>
           <a:ln>
             <a:solidFill>
               <a:schemeClr val="tx1"/>
@@ -11109,10 +9886,10 @@
       </p:sp>
       <p:sp>
         <p:nvSpPr>
-          <p:cNvPr id="21" name="正方形/長方形 20">
-            <a:extLst>
-              <a:ext uri="{FF2B5EF4-FFF2-40B4-BE49-F238E27FC236}">
-                <a16:creationId xmlns:a16="http://schemas.microsoft.com/office/drawing/2014/main" id="{12639E73-4CC9-4F42-A291-6E663EFD2035}"/>
+          <p:cNvPr id="40" name="正方形/長方形 39">
+            <a:extLst>
+              <a:ext uri="{FF2B5EF4-FFF2-40B4-BE49-F238E27FC236}">
+                <a16:creationId xmlns:a16="http://schemas.microsoft.com/office/drawing/2014/main" id="{3DA09854-E21B-45B9-8991-B0EC8C7A652F}"/>
               </a:ext>
             </a:extLst>
           </p:cNvPr>
@@ -11121,14 +9898,14 @@
         </p:nvSpPr>
         <p:spPr>
           <a:xfrm>
-            <a:off x="8032652" y="5762601"/>
+            <a:off x="8032652" y="5144640"/>
             <a:ext cx="1294229" cy="362243"/>
           </a:xfrm>
           <a:prstGeom prst="rect">
             <a:avLst/>
           </a:prstGeom>
           <a:solidFill>
-            <a:srgbClr val="00B050"/>
+            <a:srgbClr val="FFFF00"/>
           </a:solidFill>
           <a:ln>
             <a:solidFill>
@@ -11163,10 +9940,10 @@
       </p:sp>
       <p:sp>
         <p:nvSpPr>
-          <p:cNvPr id="22" name="正方形/長方形 21">
-            <a:extLst>
-              <a:ext uri="{FF2B5EF4-FFF2-40B4-BE49-F238E27FC236}">
-                <a16:creationId xmlns:a16="http://schemas.microsoft.com/office/drawing/2014/main" id="{68DCA58C-BE28-45D4-B136-06BF98D45ECC}"/>
+          <p:cNvPr id="41" name="正方形/長方形 40">
+            <a:extLst>
+              <a:ext uri="{FF2B5EF4-FFF2-40B4-BE49-F238E27FC236}">
+                <a16:creationId xmlns:a16="http://schemas.microsoft.com/office/drawing/2014/main" id="{8F5835E0-C4FC-4EDB-BFA9-A3BC0410811F}"/>
               </a:ext>
             </a:extLst>
           </p:cNvPr>
@@ -11175,7 +9952,7 @@
         </p:nvSpPr>
         <p:spPr>
           <a:xfrm>
-            <a:off x="5479365" y="5762601"/>
+            <a:off x="5479365" y="5144640"/>
             <a:ext cx="1294229" cy="362243"/>
           </a:xfrm>
           <a:prstGeom prst="rect">
@@ -11217,10 +9994,10 @@
       </p:sp>
       <p:sp>
         <p:nvSpPr>
-          <p:cNvPr id="23" name="正方形/長方形 22">
-            <a:extLst>
-              <a:ext uri="{FF2B5EF4-FFF2-40B4-BE49-F238E27FC236}">
-                <a16:creationId xmlns:a16="http://schemas.microsoft.com/office/drawing/2014/main" id="{FEDD8E90-8FE6-409B-A841-8467F08B7519}"/>
+          <p:cNvPr id="42" name="正方形/長方形 41">
+            <a:extLst>
+              <a:ext uri="{FF2B5EF4-FFF2-40B4-BE49-F238E27FC236}">
+                <a16:creationId xmlns:a16="http://schemas.microsoft.com/office/drawing/2014/main" id="{439BFAD3-3D73-4D6D-B247-ACEF81EE3FDF}"/>
               </a:ext>
             </a:extLst>
           </p:cNvPr>
@@ -11229,14 +10006,14 @@
         </p:nvSpPr>
         <p:spPr>
           <a:xfrm>
-            <a:off x="4182796" y="5762601"/>
+            <a:off x="4182796" y="5144640"/>
             <a:ext cx="1294229" cy="362243"/>
           </a:xfrm>
           <a:prstGeom prst="rect">
             <a:avLst/>
           </a:prstGeom>
           <a:solidFill>
-            <a:srgbClr val="00B050"/>
+            <a:srgbClr val="FF0000"/>
           </a:solidFill>
           <a:ln>
             <a:solidFill>
@@ -11271,10 +10048,10 @@
       </p:sp>
       <p:sp>
         <p:nvSpPr>
-          <p:cNvPr id="24" name="矢印: 下 23">
-            <a:extLst>
-              <a:ext uri="{FF2B5EF4-FFF2-40B4-BE49-F238E27FC236}">
-                <a16:creationId xmlns:a16="http://schemas.microsoft.com/office/drawing/2014/main" id="{38342874-320B-453A-AFC1-8FE28B4CA1D7}"/>
+          <p:cNvPr id="43" name="矢印: 下 42">
+            <a:extLst>
+              <a:ext uri="{FF2B5EF4-FFF2-40B4-BE49-F238E27FC236}">
+                <a16:creationId xmlns:a16="http://schemas.microsoft.com/office/drawing/2014/main" id="{F639D6E0-1993-4B67-9072-4E0D58EE2742}"/>
               </a:ext>
             </a:extLst>
           </p:cNvPr>
@@ -11317,10 +10094,10 @@
       </p:sp>
       <p:sp>
         <p:nvSpPr>
-          <p:cNvPr id="25" name="テキスト ボックス 24">
-            <a:extLst>
-              <a:ext uri="{FF2B5EF4-FFF2-40B4-BE49-F238E27FC236}">
-                <a16:creationId xmlns:a16="http://schemas.microsoft.com/office/drawing/2014/main" id="{0C98C107-533B-43BD-972C-8499A11FA968}"/>
+          <p:cNvPr id="44" name="テキスト ボックス 43">
+            <a:extLst>
+              <a:ext uri="{FF2B5EF4-FFF2-40B4-BE49-F238E27FC236}">
+                <a16:creationId xmlns:a16="http://schemas.microsoft.com/office/drawing/2014/main" id="{87D9B5C8-5F13-4115-B09D-BF3804C28957}"/>
               </a:ext>
             </a:extLst>
           </p:cNvPr>
@@ -11357,10 +10134,10 @@
       </p:sp>
       <p:sp>
         <p:nvSpPr>
-          <p:cNvPr id="26" name="テキスト ボックス 25">
-            <a:extLst>
-              <a:ext uri="{FF2B5EF4-FFF2-40B4-BE49-F238E27FC236}">
-                <a16:creationId xmlns:a16="http://schemas.microsoft.com/office/drawing/2014/main" id="{F71DCD5E-AAD6-4B62-8895-DA1D8FE4F73B}"/>
+          <p:cNvPr id="45" name="テキスト ボックス 44">
+            <a:extLst>
+              <a:ext uri="{FF2B5EF4-FFF2-40B4-BE49-F238E27FC236}">
+                <a16:creationId xmlns:a16="http://schemas.microsoft.com/office/drawing/2014/main" id="{87A475E9-9034-475A-B319-DA19CD401020}"/>
               </a:ext>
             </a:extLst>
           </p:cNvPr>
@@ -11397,10 +10174,10 @@
       </p:sp>
       <p:sp>
         <p:nvSpPr>
-          <p:cNvPr id="27" name="テキスト ボックス 26">
-            <a:extLst>
-              <a:ext uri="{FF2B5EF4-FFF2-40B4-BE49-F238E27FC236}">
-                <a16:creationId xmlns:a16="http://schemas.microsoft.com/office/drawing/2014/main" id="{1D012F41-2218-49D2-A5E2-D43580FD2438}"/>
+          <p:cNvPr id="46" name="テキスト ボックス 45">
+            <a:extLst>
+              <a:ext uri="{FF2B5EF4-FFF2-40B4-BE49-F238E27FC236}">
+                <a16:creationId xmlns:a16="http://schemas.microsoft.com/office/drawing/2014/main" id="{18AF790E-00F0-43E9-9CAC-490FBC88B25F}"/>
               </a:ext>
             </a:extLst>
           </p:cNvPr>
@@ -11437,10 +10214,10 @@
       </p:sp>
       <p:sp>
         <p:nvSpPr>
-          <p:cNvPr id="28" name="テキスト ボックス 27">
-            <a:extLst>
-              <a:ext uri="{FF2B5EF4-FFF2-40B4-BE49-F238E27FC236}">
-                <a16:creationId xmlns:a16="http://schemas.microsoft.com/office/drawing/2014/main" id="{D630EE2D-8217-407C-854F-C061D042481A}"/>
+          <p:cNvPr id="47" name="テキスト ボックス 46">
+            <a:extLst>
+              <a:ext uri="{FF2B5EF4-FFF2-40B4-BE49-F238E27FC236}">
+                <a16:creationId xmlns:a16="http://schemas.microsoft.com/office/drawing/2014/main" id="{C96F5F55-4068-435D-962D-91633B3ACA3F}"/>
               </a:ext>
             </a:extLst>
           </p:cNvPr>
@@ -11449,8 +10226,8 @@
         </p:nvSpPr>
         <p:spPr>
           <a:xfrm>
-            <a:off x="9865406" y="5762601"/>
-            <a:ext cx="2031325" cy="369332"/>
+            <a:off x="9865406" y="5144640"/>
+            <a:ext cx="877163" cy="369332"/>
           </a:xfrm>
           <a:prstGeom prst="rect">
             <a:avLst/>
@@ -11465,7 +10242,7 @@
           <a:p>
             <a:r>
               <a:rPr lang="ja-JP" altLang="en-US" dirty="0"/>
-              <a:t>次世代（大変異）</a:t>
+              <a:t>次世代</a:t>
             </a:r>
             <a:endParaRPr kumimoji="1" lang="ja-JP" altLang="en-US" dirty="0"/>
           </a:p>
@@ -11473,10 +10250,302 @@
       </p:sp>
       <p:sp>
         <p:nvSpPr>
-          <p:cNvPr id="29" name="正方形/長方形 28">
-            <a:extLst>
-              <a:ext uri="{FF2B5EF4-FFF2-40B4-BE49-F238E27FC236}">
-                <a16:creationId xmlns:a16="http://schemas.microsoft.com/office/drawing/2014/main" id="{B3BA4AD5-88FD-470F-814E-75F99DB177D3}"/>
+          <p:cNvPr id="48" name="テキスト ボックス 47">
+            <a:extLst>
+              <a:ext uri="{FF2B5EF4-FFF2-40B4-BE49-F238E27FC236}">
+                <a16:creationId xmlns:a16="http://schemas.microsoft.com/office/drawing/2014/main" id="{4BCDBCF6-F970-4B86-876E-9DB2E04C6725}"/>
+              </a:ext>
+            </a:extLst>
+          </p:cNvPr>
+          <p:cNvSpPr txBox="1"/>
+          <p:nvPr/>
+        </p:nvSpPr>
+        <p:spPr>
+          <a:xfrm>
+            <a:off x="6964541" y="2859201"/>
+            <a:ext cx="877163" cy="369332"/>
+          </a:xfrm>
+          <a:prstGeom prst="rect">
+            <a:avLst/>
+          </a:prstGeom>
+          <a:noFill/>
+        </p:spPr>
+        <p:txBody>
+          <a:bodyPr wrap="none" rtlCol="0">
+            <a:spAutoFit/>
+          </a:bodyPr>
+          <a:lstStyle/>
+          <a:p>
+            <a:r>
+              <a:rPr lang="ja-JP" altLang="en-US" dirty="0"/>
+              <a:t>・・・</a:t>
+            </a:r>
+            <a:endParaRPr kumimoji="1" lang="ja-JP" altLang="en-US" dirty="0"/>
+          </a:p>
+        </p:txBody>
+      </p:sp>
+      <p:sp>
+        <p:nvSpPr>
+          <p:cNvPr id="49" name="テキスト ボックス 48">
+            <a:extLst>
+              <a:ext uri="{FF2B5EF4-FFF2-40B4-BE49-F238E27FC236}">
+                <a16:creationId xmlns:a16="http://schemas.microsoft.com/office/drawing/2014/main" id="{FAE7BDBD-513B-4CA8-8907-143951EA3860}"/>
+              </a:ext>
+            </a:extLst>
+          </p:cNvPr>
+          <p:cNvSpPr txBox="1"/>
+          <p:nvPr/>
+        </p:nvSpPr>
+        <p:spPr>
+          <a:xfrm>
+            <a:off x="6964539" y="3391932"/>
+            <a:ext cx="877163" cy="369332"/>
+          </a:xfrm>
+          <a:prstGeom prst="rect">
+            <a:avLst/>
+          </a:prstGeom>
+          <a:noFill/>
+        </p:spPr>
+        <p:txBody>
+          <a:bodyPr wrap="none" rtlCol="0">
+            <a:spAutoFit/>
+          </a:bodyPr>
+          <a:lstStyle/>
+          <a:p>
+            <a:r>
+              <a:rPr lang="ja-JP" altLang="en-US" dirty="0"/>
+              <a:t>・・・</a:t>
+            </a:r>
+            <a:endParaRPr kumimoji="1" lang="ja-JP" altLang="en-US" dirty="0"/>
+          </a:p>
+        </p:txBody>
+      </p:sp>
+      <p:sp>
+        <p:nvSpPr>
+          <p:cNvPr id="50" name="テキスト ボックス 49">
+            <a:extLst>
+              <a:ext uri="{FF2B5EF4-FFF2-40B4-BE49-F238E27FC236}">
+                <a16:creationId xmlns:a16="http://schemas.microsoft.com/office/drawing/2014/main" id="{8D82C183-F86D-4DA6-B249-53C417ACE869}"/>
+              </a:ext>
+            </a:extLst>
+          </p:cNvPr>
+          <p:cNvSpPr txBox="1"/>
+          <p:nvPr/>
+        </p:nvSpPr>
+        <p:spPr>
+          <a:xfrm>
+            <a:off x="6964540" y="3908977"/>
+            <a:ext cx="877163" cy="369332"/>
+          </a:xfrm>
+          <a:prstGeom prst="rect">
+            <a:avLst/>
+          </a:prstGeom>
+          <a:noFill/>
+        </p:spPr>
+        <p:txBody>
+          <a:bodyPr wrap="none" rtlCol="0">
+            <a:spAutoFit/>
+          </a:bodyPr>
+          <a:lstStyle/>
+          <a:p>
+            <a:r>
+              <a:rPr lang="ja-JP" altLang="en-US" dirty="0"/>
+              <a:t>・・・</a:t>
+            </a:r>
+            <a:endParaRPr kumimoji="1" lang="ja-JP" altLang="en-US" dirty="0"/>
+          </a:p>
+        </p:txBody>
+      </p:sp>
+      <p:sp>
+        <p:nvSpPr>
+          <p:cNvPr id="51" name="テキスト ボックス 50">
+            <a:extLst>
+              <a:ext uri="{FF2B5EF4-FFF2-40B4-BE49-F238E27FC236}">
+                <a16:creationId xmlns:a16="http://schemas.microsoft.com/office/drawing/2014/main" id="{E9121F20-E41C-4788-967F-AB92496F4A9B}"/>
+              </a:ext>
+            </a:extLst>
+          </p:cNvPr>
+          <p:cNvSpPr txBox="1"/>
+          <p:nvPr/>
+        </p:nvSpPr>
+        <p:spPr>
+          <a:xfrm>
+            <a:off x="6964541" y="5144640"/>
+            <a:ext cx="877163" cy="369332"/>
+          </a:xfrm>
+          <a:prstGeom prst="rect">
+            <a:avLst/>
+          </a:prstGeom>
+          <a:noFill/>
+        </p:spPr>
+        <p:txBody>
+          <a:bodyPr wrap="none" rtlCol="0">
+            <a:spAutoFit/>
+          </a:bodyPr>
+          <a:lstStyle/>
+          <a:p>
+            <a:r>
+              <a:rPr lang="ja-JP" altLang="en-US" dirty="0"/>
+              <a:t>・・・</a:t>
+            </a:r>
+            <a:endParaRPr kumimoji="1" lang="ja-JP" altLang="en-US" dirty="0"/>
+          </a:p>
+        </p:txBody>
+      </p:sp>
+    </p:spTree>
+    <p:extLst>
+      <p:ext uri="{BB962C8B-B14F-4D97-AF65-F5344CB8AC3E}">
+        <p14:creationId xmlns:p14="http://schemas.microsoft.com/office/powerpoint/2010/main" val="2979231568"/>
+      </p:ext>
+    </p:extLst>
+  </p:cSld>
+  <p:clrMapOvr>
+    <a:masterClrMapping/>
+  </p:clrMapOvr>
+</p:sld>
+</file>
+
+<file path=ppt/slides/slide8.xml><?xml version="1.0" encoding="utf-8"?>
+<p:sld xmlns:a="http://schemas.openxmlformats.org/drawingml/2006/main" xmlns:r="http://schemas.openxmlformats.org/officeDocument/2006/relationships" xmlns:p="http://schemas.openxmlformats.org/presentationml/2006/main">
+  <p:cSld>
+    <p:spTree>
+      <p:nvGrpSpPr>
+        <p:cNvPr id="1" name=""/>
+        <p:cNvGrpSpPr/>
+        <p:nvPr/>
+      </p:nvGrpSpPr>
+      <p:grpSpPr>
+        <a:xfrm>
+          <a:off x="0" y="0"/>
+          <a:ext cx="0" cy="0"/>
+          <a:chOff x="0" y="0"/>
+          <a:chExt cx="0" cy="0"/>
+        </a:xfrm>
+      </p:grpSpPr>
+      <p:sp>
+        <p:nvSpPr>
+          <p:cNvPr id="2" name="タイトル 1">
+            <a:extLst>
+              <a:ext uri="{FF2B5EF4-FFF2-40B4-BE49-F238E27FC236}">
+                <a16:creationId xmlns:a16="http://schemas.microsoft.com/office/drawing/2014/main" id="{8659B496-85E1-4820-9D49-43AFBF621C3D}"/>
+              </a:ext>
+            </a:extLst>
+          </p:cNvPr>
+          <p:cNvSpPr>
+            <a:spLocks noGrp="1"/>
+          </p:cNvSpPr>
+          <p:nvPr>
+            <p:ph type="title"/>
+          </p:nvPr>
+        </p:nvSpPr>
+        <p:spPr>
+          <a:xfrm>
+            <a:off x="1097280" y="286603"/>
+            <a:ext cx="10058400" cy="1023213"/>
+          </a:xfrm>
+        </p:spPr>
+        <p:txBody>
+          <a:bodyPr>
+            <a:normAutofit/>
+          </a:bodyPr>
+          <a:lstStyle/>
+          <a:p>
+            <a:pPr algn="ctr"/>
+            <a:r>
+              <a:rPr lang="ja-JP" altLang="en-US" sz="6000" dirty="0"/>
+              <a:t>突然変異</a:t>
+            </a:r>
+            <a:endParaRPr kumimoji="1" lang="ja-JP" altLang="en-US" sz="6000" dirty="0"/>
+          </a:p>
+        </p:txBody>
+      </p:sp>
+      <p:sp>
+        <p:nvSpPr>
+          <p:cNvPr id="3" name="コンテンツ プレースホルダー 2">
+            <a:extLst>
+              <a:ext uri="{FF2B5EF4-FFF2-40B4-BE49-F238E27FC236}">
+                <a16:creationId xmlns:a16="http://schemas.microsoft.com/office/drawing/2014/main" id="{AAD208B0-04EC-4244-AB9A-870D916503AE}"/>
+              </a:ext>
+            </a:extLst>
+          </p:cNvPr>
+          <p:cNvSpPr>
+            <a:spLocks noGrp="1"/>
+          </p:cNvSpPr>
+          <p:nvPr>
+            <p:ph idx="1"/>
+          </p:nvPr>
+        </p:nvSpPr>
+        <p:spPr>
+          <a:xfrm>
+            <a:off x="1097280" y="1532238"/>
+            <a:ext cx="10058400" cy="5039159"/>
+          </a:xfrm>
+        </p:spPr>
+        <p:txBody>
+          <a:bodyPr>
+            <a:normAutofit/>
+          </a:bodyPr>
+          <a:lstStyle/>
+          <a:p>
+            <a:pPr marL="0" indent="0">
+              <a:buNone/>
+            </a:pPr>
+            <a:r>
+              <a:rPr kumimoji="1" lang="ja-JP" altLang="en-US" sz="3200" dirty="0"/>
+              <a:t>・</a:t>
+            </a:r>
+            <a:r>
+              <a:rPr kumimoji="1" lang="en-US" altLang="ja-JP" sz="3200" dirty="0"/>
+              <a:t>1</a:t>
+            </a:r>
+            <a:r>
+              <a:rPr kumimoji="1" lang="ja-JP" altLang="en-US" sz="3200" dirty="0"/>
+              <a:t>遺伝子ごとに判定、</a:t>
+            </a:r>
+            <a:r>
+              <a:rPr lang="en-US" altLang="ja-JP" sz="3200" dirty="0"/>
+              <a:t>10</a:t>
+            </a:r>
+            <a:r>
+              <a:rPr lang="ja-JP" altLang="en-US" sz="3200" dirty="0"/>
+              <a:t>％で乱数生成</a:t>
+            </a:r>
+            <a:endParaRPr kumimoji="1" lang="en-US" altLang="ja-JP" sz="3200" dirty="0"/>
+          </a:p>
+          <a:p>
+            <a:pPr marL="0" indent="0">
+              <a:buNone/>
+            </a:pPr>
+            <a:r>
+              <a:rPr lang="ja-JP" altLang="en-US" sz="3200" dirty="0"/>
+              <a:t>・</a:t>
+            </a:r>
+            <a:r>
+              <a:rPr lang="en-US" altLang="ja-JP" sz="3200" dirty="0"/>
+              <a:t>20</a:t>
+            </a:r>
+            <a:r>
+              <a:rPr lang="ja-JP" altLang="en-US" sz="3200" dirty="0"/>
+              <a:t>世代ごとに大変異、</a:t>
+            </a:r>
+            <a:r>
+              <a:rPr lang="en-US" altLang="ja-JP" sz="3200" dirty="0"/>
+              <a:t>80</a:t>
+            </a:r>
+            <a:r>
+              <a:rPr lang="ja-JP" altLang="en-US" sz="3200" dirty="0"/>
+              <a:t>％で乱数生成</a:t>
+            </a:r>
+            <a:endParaRPr kumimoji="1" lang="ja-JP" altLang="en-US" sz="3200" dirty="0"/>
+          </a:p>
+        </p:txBody>
+      </p:sp>
+      <p:sp>
+        <p:nvSpPr>
+          <p:cNvPr id="4" name="正方形/長方形 3">
+            <a:extLst>
+              <a:ext uri="{FF2B5EF4-FFF2-40B4-BE49-F238E27FC236}">
+                <a16:creationId xmlns:a16="http://schemas.microsoft.com/office/drawing/2014/main" id="{4BC1FC9F-6D87-4B23-B877-62E1E1D946C9}"/>
               </a:ext>
             </a:extLst>
           </p:cNvPr>
@@ -11485,14 +10554,14 @@
         </p:nvSpPr>
         <p:spPr>
           <a:xfrm>
-            <a:off x="1559169" y="5144640"/>
+            <a:off x="1559169" y="2866290"/>
             <a:ext cx="1294229" cy="362243"/>
           </a:xfrm>
           <a:prstGeom prst="rect">
             <a:avLst/>
           </a:prstGeom>
           <a:solidFill>
-            <a:srgbClr val="00B050"/>
+            <a:srgbClr val="FF0000"/>
           </a:solidFill>
           <a:ln>
             <a:solidFill>
@@ -11521,16 +10590,20 @@
           <a:lstStyle/>
           <a:p>
             <a:pPr algn="ctr"/>
-            <a:endParaRPr kumimoji="1" lang="ja-JP" altLang="en-US"/>
-          </a:p>
-        </p:txBody>
-      </p:sp>
-      <p:sp>
-        <p:nvSpPr>
-          <p:cNvPr id="30" name="正方形/長方形 29">
-            <a:extLst>
-              <a:ext uri="{FF2B5EF4-FFF2-40B4-BE49-F238E27FC236}">
-                <a16:creationId xmlns:a16="http://schemas.microsoft.com/office/drawing/2014/main" id="{4B0E475F-C162-4D03-B44D-C515D804E5A8}"/>
+            <a:endParaRPr kumimoji="1" lang="ja-JP" altLang="en-US">
+              <a:solidFill>
+                <a:srgbClr val="FF0000"/>
+              </a:solidFill>
+            </a:endParaRPr>
+          </a:p>
+        </p:txBody>
+      </p:sp>
+      <p:sp>
+        <p:nvSpPr>
+          <p:cNvPr id="5" name="正方形/長方形 4">
+            <a:extLst>
+              <a:ext uri="{FF2B5EF4-FFF2-40B4-BE49-F238E27FC236}">
+                <a16:creationId xmlns:a16="http://schemas.microsoft.com/office/drawing/2014/main" id="{36E6198B-4C2E-4CD9-A5EB-9816041A0E35}"/>
               </a:ext>
             </a:extLst>
           </p:cNvPr>
@@ -11539,12 +10612,15 @@
         </p:nvSpPr>
         <p:spPr>
           <a:xfrm>
-            <a:off x="2865121" y="5144640"/>
+            <a:off x="2865121" y="2866290"/>
             <a:ext cx="1294229" cy="362243"/>
           </a:xfrm>
           <a:prstGeom prst="rect">
             <a:avLst/>
           </a:prstGeom>
+          <a:solidFill>
+            <a:srgbClr val="FF0000"/>
+          </a:solidFill>
           <a:ln>
             <a:solidFill>
               <a:schemeClr val="tx1"/>
@@ -11578,10 +10654,10 @@
       </p:sp>
       <p:sp>
         <p:nvSpPr>
-          <p:cNvPr id="31" name="正方形/長方形 30">
-            <a:extLst>
-              <a:ext uri="{FF2B5EF4-FFF2-40B4-BE49-F238E27FC236}">
-                <a16:creationId xmlns:a16="http://schemas.microsoft.com/office/drawing/2014/main" id="{5AAA2D17-F05D-4FCA-AB2F-EEB16BAE9A6B}"/>
+          <p:cNvPr id="6" name="正方形/長方形 5">
+            <a:extLst>
+              <a:ext uri="{FF2B5EF4-FFF2-40B4-BE49-F238E27FC236}">
+                <a16:creationId xmlns:a16="http://schemas.microsoft.com/office/drawing/2014/main" id="{B2B5C9E3-153F-403F-9082-C44895F6C912}"/>
               </a:ext>
             </a:extLst>
           </p:cNvPr>
@@ -11590,14 +10666,14 @@
         </p:nvSpPr>
         <p:spPr>
           <a:xfrm>
-            <a:off x="8032652" y="5144640"/>
+            <a:off x="8032652" y="2866290"/>
             <a:ext cx="1294229" cy="362243"/>
           </a:xfrm>
           <a:prstGeom prst="rect">
             <a:avLst/>
           </a:prstGeom>
           <a:solidFill>
-            <a:srgbClr val="FFFF00"/>
+            <a:srgbClr val="FF0000"/>
           </a:solidFill>
           <a:ln>
             <a:solidFill>
@@ -11632,10 +10708,10 @@
       </p:sp>
       <p:sp>
         <p:nvSpPr>
-          <p:cNvPr id="32" name="正方形/長方形 31">
-            <a:extLst>
-              <a:ext uri="{FF2B5EF4-FFF2-40B4-BE49-F238E27FC236}">
-                <a16:creationId xmlns:a16="http://schemas.microsoft.com/office/drawing/2014/main" id="{18672AD8-FF3A-4C80-BCE4-77D7C31FE350}"/>
+          <p:cNvPr id="7" name="正方形/長方形 6">
+            <a:extLst>
+              <a:ext uri="{FF2B5EF4-FFF2-40B4-BE49-F238E27FC236}">
+                <a16:creationId xmlns:a16="http://schemas.microsoft.com/office/drawing/2014/main" id="{13489231-CB02-4575-97D5-6213862C2C1F}"/>
               </a:ext>
             </a:extLst>
           </p:cNvPr>
@@ -11644,7 +10720,7 @@
         </p:nvSpPr>
         <p:spPr>
           <a:xfrm>
-            <a:off x="5479365" y="5144640"/>
+            <a:off x="5479365" y="2866290"/>
             <a:ext cx="1294229" cy="362243"/>
           </a:xfrm>
           <a:prstGeom prst="rect">
@@ -11686,10 +10762,10 @@
       </p:sp>
       <p:sp>
         <p:nvSpPr>
-          <p:cNvPr id="33" name="正方形/長方形 32">
-            <a:extLst>
-              <a:ext uri="{FF2B5EF4-FFF2-40B4-BE49-F238E27FC236}">
-                <a16:creationId xmlns:a16="http://schemas.microsoft.com/office/drawing/2014/main" id="{FA0A2700-89C1-4F02-873E-18721FB27167}"/>
+          <p:cNvPr id="8" name="正方形/長方形 7">
+            <a:extLst>
+              <a:ext uri="{FF2B5EF4-FFF2-40B4-BE49-F238E27FC236}">
+                <a16:creationId xmlns:a16="http://schemas.microsoft.com/office/drawing/2014/main" id="{5FB7DA72-5608-4FF3-88BD-DF6EF2A7D170}"/>
               </a:ext>
             </a:extLst>
           </p:cNvPr>
@@ -11698,7 +10774,7 @@
         </p:nvSpPr>
         <p:spPr>
           <a:xfrm>
-            <a:off x="4182796" y="5144640"/>
+            <a:off x="4182796" y="2866290"/>
             <a:ext cx="1294229" cy="362243"/>
           </a:xfrm>
           <a:prstGeom prst="rect">
@@ -11740,6 +10816,1270 @@
       </p:sp>
       <p:sp>
         <p:nvSpPr>
+          <p:cNvPr id="9" name="正方形/長方形 8">
+            <a:extLst>
+              <a:ext uri="{FF2B5EF4-FFF2-40B4-BE49-F238E27FC236}">
+                <a16:creationId xmlns:a16="http://schemas.microsoft.com/office/drawing/2014/main" id="{A05CA53E-22CC-4408-A170-DB1A1A0B6A62}"/>
+              </a:ext>
+            </a:extLst>
+          </p:cNvPr>
+          <p:cNvSpPr/>
+          <p:nvPr/>
+        </p:nvSpPr>
+        <p:spPr>
+          <a:xfrm>
+            <a:off x="1559169" y="3389406"/>
+            <a:ext cx="1294229" cy="362243"/>
+          </a:xfrm>
+          <a:prstGeom prst="rect">
+            <a:avLst/>
+          </a:prstGeom>
+          <a:solidFill>
+            <a:srgbClr val="FFFF00"/>
+          </a:solidFill>
+          <a:ln>
+            <a:solidFill>
+              <a:schemeClr val="tx1"/>
+            </a:solidFill>
+          </a:ln>
+        </p:spPr>
+        <p:style>
+          <a:lnRef idx="2">
+            <a:schemeClr val="accent1">
+              <a:shade val="50000"/>
+            </a:schemeClr>
+          </a:lnRef>
+          <a:fillRef idx="1">
+            <a:schemeClr val="accent1"/>
+          </a:fillRef>
+          <a:effectRef idx="0">
+            <a:schemeClr val="accent1"/>
+          </a:effectRef>
+          <a:fontRef idx="minor">
+            <a:schemeClr val="lt1"/>
+          </a:fontRef>
+        </p:style>
+        <p:txBody>
+          <a:bodyPr rtlCol="0" anchor="ctr"/>
+          <a:lstStyle/>
+          <a:p>
+            <a:pPr algn="ctr"/>
+            <a:endParaRPr kumimoji="1" lang="ja-JP" altLang="en-US"/>
+          </a:p>
+        </p:txBody>
+      </p:sp>
+      <p:sp>
+        <p:nvSpPr>
+          <p:cNvPr id="10" name="正方形/長方形 9">
+            <a:extLst>
+              <a:ext uri="{FF2B5EF4-FFF2-40B4-BE49-F238E27FC236}">
+                <a16:creationId xmlns:a16="http://schemas.microsoft.com/office/drawing/2014/main" id="{42CBBE2A-7CBD-4A7D-A937-2D610267BF3F}"/>
+              </a:ext>
+            </a:extLst>
+          </p:cNvPr>
+          <p:cNvSpPr/>
+          <p:nvPr/>
+        </p:nvSpPr>
+        <p:spPr>
+          <a:xfrm>
+            <a:off x="2865121" y="3389406"/>
+            <a:ext cx="1294229" cy="362243"/>
+          </a:xfrm>
+          <a:prstGeom prst="rect">
+            <a:avLst/>
+          </a:prstGeom>
+          <a:solidFill>
+            <a:srgbClr val="FFFF00"/>
+          </a:solidFill>
+          <a:ln>
+            <a:solidFill>
+              <a:schemeClr val="tx1"/>
+            </a:solidFill>
+          </a:ln>
+        </p:spPr>
+        <p:style>
+          <a:lnRef idx="2">
+            <a:schemeClr val="accent1">
+              <a:shade val="50000"/>
+            </a:schemeClr>
+          </a:lnRef>
+          <a:fillRef idx="1">
+            <a:schemeClr val="accent1"/>
+          </a:fillRef>
+          <a:effectRef idx="0">
+            <a:schemeClr val="accent1"/>
+          </a:effectRef>
+          <a:fontRef idx="minor">
+            <a:schemeClr val="lt1"/>
+          </a:fontRef>
+        </p:style>
+        <p:txBody>
+          <a:bodyPr rtlCol="0" anchor="ctr"/>
+          <a:lstStyle/>
+          <a:p>
+            <a:pPr algn="ctr"/>
+            <a:endParaRPr kumimoji="1" lang="ja-JP" altLang="en-US"/>
+          </a:p>
+        </p:txBody>
+      </p:sp>
+      <p:sp>
+        <p:nvSpPr>
+          <p:cNvPr id="11" name="正方形/長方形 10">
+            <a:extLst>
+              <a:ext uri="{FF2B5EF4-FFF2-40B4-BE49-F238E27FC236}">
+                <a16:creationId xmlns:a16="http://schemas.microsoft.com/office/drawing/2014/main" id="{E7DC408B-9F0B-4DEF-9AA5-33CDBA102410}"/>
+              </a:ext>
+            </a:extLst>
+          </p:cNvPr>
+          <p:cNvSpPr/>
+          <p:nvPr/>
+        </p:nvSpPr>
+        <p:spPr>
+          <a:xfrm>
+            <a:off x="8032652" y="3389406"/>
+            <a:ext cx="1294229" cy="362243"/>
+          </a:xfrm>
+          <a:prstGeom prst="rect">
+            <a:avLst/>
+          </a:prstGeom>
+          <a:solidFill>
+            <a:srgbClr val="FFFF00"/>
+          </a:solidFill>
+          <a:ln>
+            <a:solidFill>
+              <a:schemeClr val="tx1"/>
+            </a:solidFill>
+          </a:ln>
+        </p:spPr>
+        <p:style>
+          <a:lnRef idx="2">
+            <a:schemeClr val="accent1">
+              <a:shade val="50000"/>
+            </a:schemeClr>
+          </a:lnRef>
+          <a:fillRef idx="1">
+            <a:schemeClr val="accent1"/>
+          </a:fillRef>
+          <a:effectRef idx="0">
+            <a:schemeClr val="accent1"/>
+          </a:effectRef>
+          <a:fontRef idx="minor">
+            <a:schemeClr val="lt1"/>
+          </a:fontRef>
+        </p:style>
+        <p:txBody>
+          <a:bodyPr rtlCol="0" anchor="ctr"/>
+          <a:lstStyle/>
+          <a:p>
+            <a:pPr algn="ctr"/>
+            <a:endParaRPr kumimoji="1" lang="ja-JP" altLang="en-US"/>
+          </a:p>
+        </p:txBody>
+      </p:sp>
+      <p:sp>
+        <p:nvSpPr>
+          <p:cNvPr id="12" name="正方形/長方形 11">
+            <a:extLst>
+              <a:ext uri="{FF2B5EF4-FFF2-40B4-BE49-F238E27FC236}">
+                <a16:creationId xmlns:a16="http://schemas.microsoft.com/office/drawing/2014/main" id="{5AC10CD5-3EA9-4AE5-83E7-F4AED47B9019}"/>
+              </a:ext>
+            </a:extLst>
+          </p:cNvPr>
+          <p:cNvSpPr/>
+          <p:nvPr/>
+        </p:nvSpPr>
+        <p:spPr>
+          <a:xfrm>
+            <a:off x="5479365" y="3389406"/>
+            <a:ext cx="1294229" cy="362243"/>
+          </a:xfrm>
+          <a:prstGeom prst="rect">
+            <a:avLst/>
+          </a:prstGeom>
+          <a:solidFill>
+            <a:srgbClr val="FFFF00"/>
+          </a:solidFill>
+          <a:ln>
+            <a:solidFill>
+              <a:schemeClr val="tx1"/>
+            </a:solidFill>
+          </a:ln>
+        </p:spPr>
+        <p:style>
+          <a:lnRef idx="2">
+            <a:schemeClr val="accent1">
+              <a:shade val="50000"/>
+            </a:schemeClr>
+          </a:lnRef>
+          <a:fillRef idx="1">
+            <a:schemeClr val="accent1"/>
+          </a:fillRef>
+          <a:effectRef idx="0">
+            <a:schemeClr val="accent1"/>
+          </a:effectRef>
+          <a:fontRef idx="minor">
+            <a:schemeClr val="lt1"/>
+          </a:fontRef>
+        </p:style>
+        <p:txBody>
+          <a:bodyPr rtlCol="0" anchor="ctr"/>
+          <a:lstStyle/>
+          <a:p>
+            <a:pPr algn="ctr"/>
+            <a:endParaRPr kumimoji="1" lang="ja-JP" altLang="en-US"/>
+          </a:p>
+        </p:txBody>
+      </p:sp>
+      <p:sp>
+        <p:nvSpPr>
+          <p:cNvPr id="13" name="正方形/長方形 12">
+            <a:extLst>
+              <a:ext uri="{FF2B5EF4-FFF2-40B4-BE49-F238E27FC236}">
+                <a16:creationId xmlns:a16="http://schemas.microsoft.com/office/drawing/2014/main" id="{DCCFBC98-A22D-4F15-B95F-DAC4845D92B7}"/>
+              </a:ext>
+            </a:extLst>
+          </p:cNvPr>
+          <p:cNvSpPr/>
+          <p:nvPr/>
+        </p:nvSpPr>
+        <p:spPr>
+          <a:xfrm>
+            <a:off x="4182796" y="3389406"/>
+            <a:ext cx="1294229" cy="362243"/>
+          </a:xfrm>
+          <a:prstGeom prst="rect">
+            <a:avLst/>
+          </a:prstGeom>
+          <a:solidFill>
+            <a:srgbClr val="FFFF00"/>
+          </a:solidFill>
+          <a:ln>
+            <a:solidFill>
+              <a:schemeClr val="tx1"/>
+            </a:solidFill>
+          </a:ln>
+        </p:spPr>
+        <p:style>
+          <a:lnRef idx="2">
+            <a:schemeClr val="accent1">
+              <a:shade val="50000"/>
+            </a:schemeClr>
+          </a:lnRef>
+          <a:fillRef idx="1">
+            <a:schemeClr val="accent1"/>
+          </a:fillRef>
+          <a:effectRef idx="0">
+            <a:schemeClr val="accent1"/>
+          </a:effectRef>
+          <a:fontRef idx="minor">
+            <a:schemeClr val="lt1"/>
+          </a:fontRef>
+        </p:style>
+        <p:txBody>
+          <a:bodyPr rtlCol="0" anchor="ctr"/>
+          <a:lstStyle/>
+          <a:p>
+            <a:pPr algn="ctr"/>
+            <a:endParaRPr kumimoji="1" lang="ja-JP" altLang="en-US"/>
+          </a:p>
+        </p:txBody>
+      </p:sp>
+      <p:sp>
+        <p:nvSpPr>
+          <p:cNvPr id="14" name="正方形/長方形 13">
+            <a:extLst>
+              <a:ext uri="{FF2B5EF4-FFF2-40B4-BE49-F238E27FC236}">
+                <a16:creationId xmlns:a16="http://schemas.microsoft.com/office/drawing/2014/main" id="{BE61F35C-BB54-4217-A99D-C5EA96C13B99}"/>
+              </a:ext>
+            </a:extLst>
+          </p:cNvPr>
+          <p:cNvSpPr/>
+          <p:nvPr/>
+        </p:nvSpPr>
+        <p:spPr>
+          <a:xfrm>
+            <a:off x="1559169" y="3912522"/>
+            <a:ext cx="1294229" cy="362243"/>
+          </a:xfrm>
+          <a:prstGeom prst="rect">
+            <a:avLst/>
+          </a:prstGeom>
+          <a:ln>
+            <a:solidFill>
+              <a:schemeClr val="tx1"/>
+            </a:solidFill>
+          </a:ln>
+        </p:spPr>
+        <p:style>
+          <a:lnRef idx="2">
+            <a:schemeClr val="accent1">
+              <a:shade val="50000"/>
+            </a:schemeClr>
+          </a:lnRef>
+          <a:fillRef idx="1">
+            <a:schemeClr val="accent1"/>
+          </a:fillRef>
+          <a:effectRef idx="0">
+            <a:schemeClr val="accent1"/>
+          </a:effectRef>
+          <a:fontRef idx="minor">
+            <a:schemeClr val="lt1"/>
+          </a:fontRef>
+        </p:style>
+        <p:txBody>
+          <a:bodyPr rtlCol="0" anchor="ctr"/>
+          <a:lstStyle/>
+          <a:p>
+            <a:pPr algn="ctr"/>
+            <a:endParaRPr kumimoji="1" lang="ja-JP" altLang="en-US"/>
+          </a:p>
+        </p:txBody>
+      </p:sp>
+      <p:sp>
+        <p:nvSpPr>
+          <p:cNvPr id="15" name="正方形/長方形 14">
+            <a:extLst>
+              <a:ext uri="{FF2B5EF4-FFF2-40B4-BE49-F238E27FC236}">
+                <a16:creationId xmlns:a16="http://schemas.microsoft.com/office/drawing/2014/main" id="{63A018E3-96F3-46E4-885F-1991D88DDDAD}"/>
+              </a:ext>
+            </a:extLst>
+          </p:cNvPr>
+          <p:cNvSpPr/>
+          <p:nvPr/>
+        </p:nvSpPr>
+        <p:spPr>
+          <a:xfrm>
+            <a:off x="2865121" y="3912522"/>
+            <a:ext cx="1294229" cy="362243"/>
+          </a:xfrm>
+          <a:prstGeom prst="rect">
+            <a:avLst/>
+          </a:prstGeom>
+          <a:ln>
+            <a:solidFill>
+              <a:schemeClr val="tx1"/>
+            </a:solidFill>
+          </a:ln>
+        </p:spPr>
+        <p:style>
+          <a:lnRef idx="2">
+            <a:schemeClr val="accent1">
+              <a:shade val="50000"/>
+            </a:schemeClr>
+          </a:lnRef>
+          <a:fillRef idx="1">
+            <a:schemeClr val="accent1"/>
+          </a:fillRef>
+          <a:effectRef idx="0">
+            <a:schemeClr val="accent1"/>
+          </a:effectRef>
+          <a:fontRef idx="minor">
+            <a:schemeClr val="lt1"/>
+          </a:fontRef>
+        </p:style>
+        <p:txBody>
+          <a:bodyPr rtlCol="0" anchor="ctr"/>
+          <a:lstStyle/>
+          <a:p>
+            <a:pPr algn="ctr"/>
+            <a:endParaRPr kumimoji="1" lang="ja-JP" altLang="en-US"/>
+          </a:p>
+        </p:txBody>
+      </p:sp>
+      <p:sp>
+        <p:nvSpPr>
+          <p:cNvPr id="16" name="正方形/長方形 15">
+            <a:extLst>
+              <a:ext uri="{FF2B5EF4-FFF2-40B4-BE49-F238E27FC236}">
+                <a16:creationId xmlns:a16="http://schemas.microsoft.com/office/drawing/2014/main" id="{1F13E024-610C-44CD-9260-8BD73F94BF86}"/>
+              </a:ext>
+            </a:extLst>
+          </p:cNvPr>
+          <p:cNvSpPr/>
+          <p:nvPr/>
+        </p:nvSpPr>
+        <p:spPr>
+          <a:xfrm>
+            <a:off x="8032652" y="3912522"/>
+            <a:ext cx="1294229" cy="362243"/>
+          </a:xfrm>
+          <a:prstGeom prst="rect">
+            <a:avLst/>
+          </a:prstGeom>
+          <a:ln>
+            <a:solidFill>
+              <a:schemeClr val="tx1"/>
+            </a:solidFill>
+          </a:ln>
+        </p:spPr>
+        <p:style>
+          <a:lnRef idx="2">
+            <a:schemeClr val="accent1">
+              <a:shade val="50000"/>
+            </a:schemeClr>
+          </a:lnRef>
+          <a:fillRef idx="1">
+            <a:schemeClr val="accent1"/>
+          </a:fillRef>
+          <a:effectRef idx="0">
+            <a:schemeClr val="accent1"/>
+          </a:effectRef>
+          <a:fontRef idx="minor">
+            <a:schemeClr val="lt1"/>
+          </a:fontRef>
+        </p:style>
+        <p:txBody>
+          <a:bodyPr rtlCol="0" anchor="ctr"/>
+          <a:lstStyle/>
+          <a:p>
+            <a:pPr algn="ctr"/>
+            <a:endParaRPr kumimoji="1" lang="ja-JP" altLang="en-US"/>
+          </a:p>
+        </p:txBody>
+      </p:sp>
+      <p:sp>
+        <p:nvSpPr>
+          <p:cNvPr id="17" name="正方形/長方形 16">
+            <a:extLst>
+              <a:ext uri="{FF2B5EF4-FFF2-40B4-BE49-F238E27FC236}">
+                <a16:creationId xmlns:a16="http://schemas.microsoft.com/office/drawing/2014/main" id="{A506F62C-747D-40B6-9DFF-7A6F49E87574}"/>
+              </a:ext>
+            </a:extLst>
+          </p:cNvPr>
+          <p:cNvSpPr/>
+          <p:nvPr/>
+        </p:nvSpPr>
+        <p:spPr>
+          <a:xfrm>
+            <a:off x="5479365" y="3912522"/>
+            <a:ext cx="1294229" cy="362243"/>
+          </a:xfrm>
+          <a:prstGeom prst="rect">
+            <a:avLst/>
+          </a:prstGeom>
+          <a:ln>
+            <a:solidFill>
+              <a:schemeClr val="tx1"/>
+            </a:solidFill>
+          </a:ln>
+        </p:spPr>
+        <p:style>
+          <a:lnRef idx="2">
+            <a:schemeClr val="accent1">
+              <a:shade val="50000"/>
+            </a:schemeClr>
+          </a:lnRef>
+          <a:fillRef idx="1">
+            <a:schemeClr val="accent1"/>
+          </a:fillRef>
+          <a:effectRef idx="0">
+            <a:schemeClr val="accent1"/>
+          </a:effectRef>
+          <a:fontRef idx="minor">
+            <a:schemeClr val="lt1"/>
+          </a:fontRef>
+        </p:style>
+        <p:txBody>
+          <a:bodyPr rtlCol="0" anchor="ctr"/>
+          <a:lstStyle/>
+          <a:p>
+            <a:pPr algn="ctr"/>
+            <a:endParaRPr kumimoji="1" lang="ja-JP" altLang="en-US"/>
+          </a:p>
+        </p:txBody>
+      </p:sp>
+      <p:sp>
+        <p:nvSpPr>
+          <p:cNvPr id="18" name="正方形/長方形 17">
+            <a:extLst>
+              <a:ext uri="{FF2B5EF4-FFF2-40B4-BE49-F238E27FC236}">
+                <a16:creationId xmlns:a16="http://schemas.microsoft.com/office/drawing/2014/main" id="{F2DA6500-698C-401B-AEB6-2089B1790033}"/>
+              </a:ext>
+            </a:extLst>
+          </p:cNvPr>
+          <p:cNvSpPr/>
+          <p:nvPr/>
+        </p:nvSpPr>
+        <p:spPr>
+          <a:xfrm>
+            <a:off x="4182796" y="3912522"/>
+            <a:ext cx="1294229" cy="362243"/>
+          </a:xfrm>
+          <a:prstGeom prst="rect">
+            <a:avLst/>
+          </a:prstGeom>
+          <a:ln>
+            <a:solidFill>
+              <a:schemeClr val="tx1"/>
+            </a:solidFill>
+          </a:ln>
+        </p:spPr>
+        <p:style>
+          <a:lnRef idx="2">
+            <a:schemeClr val="accent1">
+              <a:shade val="50000"/>
+            </a:schemeClr>
+          </a:lnRef>
+          <a:fillRef idx="1">
+            <a:schemeClr val="accent1"/>
+          </a:fillRef>
+          <a:effectRef idx="0">
+            <a:schemeClr val="accent1"/>
+          </a:effectRef>
+          <a:fontRef idx="minor">
+            <a:schemeClr val="lt1"/>
+          </a:fontRef>
+        </p:style>
+        <p:txBody>
+          <a:bodyPr rtlCol="0" anchor="ctr"/>
+          <a:lstStyle/>
+          <a:p>
+            <a:pPr algn="ctr"/>
+            <a:endParaRPr kumimoji="1" lang="ja-JP" altLang="en-US"/>
+          </a:p>
+        </p:txBody>
+      </p:sp>
+      <p:sp>
+        <p:nvSpPr>
+          <p:cNvPr id="19" name="正方形/長方形 18">
+            <a:extLst>
+              <a:ext uri="{FF2B5EF4-FFF2-40B4-BE49-F238E27FC236}">
+                <a16:creationId xmlns:a16="http://schemas.microsoft.com/office/drawing/2014/main" id="{626A071A-AE93-4B22-84BC-441B74105469}"/>
+              </a:ext>
+            </a:extLst>
+          </p:cNvPr>
+          <p:cNvSpPr/>
+          <p:nvPr/>
+        </p:nvSpPr>
+        <p:spPr>
+          <a:xfrm>
+            <a:off x="1559169" y="5762601"/>
+            <a:ext cx="1294229" cy="362243"/>
+          </a:xfrm>
+          <a:prstGeom prst="rect">
+            <a:avLst/>
+          </a:prstGeom>
+          <a:solidFill>
+            <a:srgbClr val="00B050"/>
+          </a:solidFill>
+          <a:ln>
+            <a:solidFill>
+              <a:schemeClr val="tx1"/>
+            </a:solidFill>
+          </a:ln>
+        </p:spPr>
+        <p:style>
+          <a:lnRef idx="2">
+            <a:schemeClr val="accent1">
+              <a:shade val="50000"/>
+            </a:schemeClr>
+          </a:lnRef>
+          <a:fillRef idx="1">
+            <a:schemeClr val="accent1"/>
+          </a:fillRef>
+          <a:effectRef idx="0">
+            <a:schemeClr val="accent1"/>
+          </a:effectRef>
+          <a:fontRef idx="minor">
+            <a:schemeClr val="lt1"/>
+          </a:fontRef>
+        </p:style>
+        <p:txBody>
+          <a:bodyPr rtlCol="0" anchor="ctr"/>
+          <a:lstStyle/>
+          <a:p>
+            <a:pPr algn="ctr"/>
+            <a:endParaRPr kumimoji="1" lang="ja-JP" altLang="en-US"/>
+          </a:p>
+        </p:txBody>
+      </p:sp>
+      <p:sp>
+        <p:nvSpPr>
+          <p:cNvPr id="20" name="正方形/長方形 19">
+            <a:extLst>
+              <a:ext uri="{FF2B5EF4-FFF2-40B4-BE49-F238E27FC236}">
+                <a16:creationId xmlns:a16="http://schemas.microsoft.com/office/drawing/2014/main" id="{F731E1BB-280E-4744-A064-8E7BBE10A103}"/>
+              </a:ext>
+            </a:extLst>
+          </p:cNvPr>
+          <p:cNvSpPr/>
+          <p:nvPr/>
+        </p:nvSpPr>
+        <p:spPr>
+          <a:xfrm>
+            <a:off x="2865121" y="5762601"/>
+            <a:ext cx="1294229" cy="362243"/>
+          </a:xfrm>
+          <a:prstGeom prst="rect">
+            <a:avLst/>
+          </a:prstGeom>
+          <a:solidFill>
+            <a:srgbClr val="00B050"/>
+          </a:solidFill>
+          <a:ln>
+            <a:solidFill>
+              <a:schemeClr val="tx1"/>
+            </a:solidFill>
+          </a:ln>
+        </p:spPr>
+        <p:style>
+          <a:lnRef idx="2">
+            <a:schemeClr val="accent1">
+              <a:shade val="50000"/>
+            </a:schemeClr>
+          </a:lnRef>
+          <a:fillRef idx="1">
+            <a:schemeClr val="accent1"/>
+          </a:fillRef>
+          <a:effectRef idx="0">
+            <a:schemeClr val="accent1"/>
+          </a:effectRef>
+          <a:fontRef idx="minor">
+            <a:schemeClr val="lt1"/>
+          </a:fontRef>
+        </p:style>
+        <p:txBody>
+          <a:bodyPr rtlCol="0" anchor="ctr"/>
+          <a:lstStyle/>
+          <a:p>
+            <a:pPr algn="ctr"/>
+            <a:endParaRPr kumimoji="1" lang="ja-JP" altLang="en-US"/>
+          </a:p>
+        </p:txBody>
+      </p:sp>
+      <p:sp>
+        <p:nvSpPr>
+          <p:cNvPr id="21" name="正方形/長方形 20">
+            <a:extLst>
+              <a:ext uri="{FF2B5EF4-FFF2-40B4-BE49-F238E27FC236}">
+                <a16:creationId xmlns:a16="http://schemas.microsoft.com/office/drawing/2014/main" id="{12639E73-4CC9-4F42-A291-6E663EFD2035}"/>
+              </a:ext>
+            </a:extLst>
+          </p:cNvPr>
+          <p:cNvSpPr/>
+          <p:nvPr/>
+        </p:nvSpPr>
+        <p:spPr>
+          <a:xfrm>
+            <a:off x="8032652" y="5762601"/>
+            <a:ext cx="1294229" cy="362243"/>
+          </a:xfrm>
+          <a:prstGeom prst="rect">
+            <a:avLst/>
+          </a:prstGeom>
+          <a:solidFill>
+            <a:srgbClr val="00B050"/>
+          </a:solidFill>
+          <a:ln>
+            <a:solidFill>
+              <a:schemeClr val="tx1"/>
+            </a:solidFill>
+          </a:ln>
+        </p:spPr>
+        <p:style>
+          <a:lnRef idx="2">
+            <a:schemeClr val="accent1">
+              <a:shade val="50000"/>
+            </a:schemeClr>
+          </a:lnRef>
+          <a:fillRef idx="1">
+            <a:schemeClr val="accent1"/>
+          </a:fillRef>
+          <a:effectRef idx="0">
+            <a:schemeClr val="accent1"/>
+          </a:effectRef>
+          <a:fontRef idx="minor">
+            <a:schemeClr val="lt1"/>
+          </a:fontRef>
+        </p:style>
+        <p:txBody>
+          <a:bodyPr rtlCol="0" anchor="ctr"/>
+          <a:lstStyle/>
+          <a:p>
+            <a:pPr algn="ctr"/>
+            <a:endParaRPr kumimoji="1" lang="ja-JP" altLang="en-US"/>
+          </a:p>
+        </p:txBody>
+      </p:sp>
+      <p:sp>
+        <p:nvSpPr>
+          <p:cNvPr id="22" name="正方形/長方形 21">
+            <a:extLst>
+              <a:ext uri="{FF2B5EF4-FFF2-40B4-BE49-F238E27FC236}">
+                <a16:creationId xmlns:a16="http://schemas.microsoft.com/office/drawing/2014/main" id="{68DCA58C-BE28-45D4-B136-06BF98D45ECC}"/>
+              </a:ext>
+            </a:extLst>
+          </p:cNvPr>
+          <p:cNvSpPr/>
+          <p:nvPr/>
+        </p:nvSpPr>
+        <p:spPr>
+          <a:xfrm>
+            <a:off x="5479365" y="5762601"/>
+            <a:ext cx="1294229" cy="362243"/>
+          </a:xfrm>
+          <a:prstGeom prst="rect">
+            <a:avLst/>
+          </a:prstGeom>
+          <a:solidFill>
+            <a:srgbClr val="FF0000"/>
+          </a:solidFill>
+          <a:ln>
+            <a:solidFill>
+              <a:schemeClr val="tx1"/>
+            </a:solidFill>
+          </a:ln>
+        </p:spPr>
+        <p:style>
+          <a:lnRef idx="2">
+            <a:schemeClr val="accent1">
+              <a:shade val="50000"/>
+            </a:schemeClr>
+          </a:lnRef>
+          <a:fillRef idx="1">
+            <a:schemeClr val="accent1"/>
+          </a:fillRef>
+          <a:effectRef idx="0">
+            <a:schemeClr val="accent1"/>
+          </a:effectRef>
+          <a:fontRef idx="minor">
+            <a:schemeClr val="lt1"/>
+          </a:fontRef>
+        </p:style>
+        <p:txBody>
+          <a:bodyPr rtlCol="0" anchor="ctr"/>
+          <a:lstStyle/>
+          <a:p>
+            <a:pPr algn="ctr"/>
+            <a:endParaRPr kumimoji="1" lang="ja-JP" altLang="en-US"/>
+          </a:p>
+        </p:txBody>
+      </p:sp>
+      <p:sp>
+        <p:nvSpPr>
+          <p:cNvPr id="23" name="正方形/長方形 22">
+            <a:extLst>
+              <a:ext uri="{FF2B5EF4-FFF2-40B4-BE49-F238E27FC236}">
+                <a16:creationId xmlns:a16="http://schemas.microsoft.com/office/drawing/2014/main" id="{FEDD8E90-8FE6-409B-A841-8467F08B7519}"/>
+              </a:ext>
+            </a:extLst>
+          </p:cNvPr>
+          <p:cNvSpPr/>
+          <p:nvPr/>
+        </p:nvSpPr>
+        <p:spPr>
+          <a:xfrm>
+            <a:off x="4182796" y="5762601"/>
+            <a:ext cx="1294229" cy="362243"/>
+          </a:xfrm>
+          <a:prstGeom prst="rect">
+            <a:avLst/>
+          </a:prstGeom>
+          <a:solidFill>
+            <a:srgbClr val="00B050"/>
+          </a:solidFill>
+          <a:ln>
+            <a:solidFill>
+              <a:schemeClr val="tx1"/>
+            </a:solidFill>
+          </a:ln>
+        </p:spPr>
+        <p:style>
+          <a:lnRef idx="2">
+            <a:schemeClr val="accent1">
+              <a:shade val="50000"/>
+            </a:schemeClr>
+          </a:lnRef>
+          <a:fillRef idx="1">
+            <a:schemeClr val="accent1"/>
+          </a:fillRef>
+          <a:effectRef idx="0">
+            <a:schemeClr val="accent1"/>
+          </a:effectRef>
+          <a:fontRef idx="minor">
+            <a:schemeClr val="lt1"/>
+          </a:fontRef>
+        </p:style>
+        <p:txBody>
+          <a:bodyPr rtlCol="0" anchor="ctr"/>
+          <a:lstStyle/>
+          <a:p>
+            <a:pPr algn="ctr"/>
+            <a:endParaRPr kumimoji="1" lang="ja-JP" altLang="en-US"/>
+          </a:p>
+        </p:txBody>
+      </p:sp>
+      <p:sp>
+        <p:nvSpPr>
+          <p:cNvPr id="24" name="矢印: 下 23">
+            <a:extLst>
+              <a:ext uri="{FF2B5EF4-FFF2-40B4-BE49-F238E27FC236}">
+                <a16:creationId xmlns:a16="http://schemas.microsoft.com/office/drawing/2014/main" id="{38342874-320B-453A-AFC1-8FE28B4CA1D7}"/>
+              </a:ext>
+            </a:extLst>
+          </p:cNvPr>
+          <p:cNvSpPr/>
+          <p:nvPr/>
+        </p:nvSpPr>
+        <p:spPr>
+          <a:xfrm>
+            <a:off x="4398502" y="4460113"/>
+            <a:ext cx="862815" cy="499179"/>
+          </a:xfrm>
+          <a:prstGeom prst="downArrow">
+            <a:avLst/>
+          </a:prstGeom>
+        </p:spPr>
+        <p:style>
+          <a:lnRef idx="2">
+            <a:schemeClr val="accent1">
+              <a:shade val="50000"/>
+            </a:schemeClr>
+          </a:lnRef>
+          <a:fillRef idx="1">
+            <a:schemeClr val="accent1"/>
+          </a:fillRef>
+          <a:effectRef idx="0">
+            <a:schemeClr val="accent1"/>
+          </a:effectRef>
+          <a:fontRef idx="minor">
+            <a:schemeClr val="lt1"/>
+          </a:fontRef>
+        </p:style>
+        <p:txBody>
+          <a:bodyPr rtlCol="0" anchor="ctr"/>
+          <a:lstStyle/>
+          <a:p>
+            <a:pPr algn="ctr"/>
+            <a:endParaRPr kumimoji="1" lang="ja-JP" altLang="en-US"/>
+          </a:p>
+        </p:txBody>
+      </p:sp>
+      <p:sp>
+        <p:nvSpPr>
+          <p:cNvPr id="25" name="テキスト ボックス 24">
+            <a:extLst>
+              <a:ext uri="{FF2B5EF4-FFF2-40B4-BE49-F238E27FC236}">
+                <a16:creationId xmlns:a16="http://schemas.microsoft.com/office/drawing/2014/main" id="{0C98C107-533B-43BD-972C-8499A11FA968}"/>
+              </a:ext>
+            </a:extLst>
+          </p:cNvPr>
+          <p:cNvSpPr txBox="1"/>
+          <p:nvPr/>
+        </p:nvSpPr>
+        <p:spPr>
+          <a:xfrm>
+            <a:off x="9865406" y="2859201"/>
+            <a:ext cx="1005403" cy="369332"/>
+          </a:xfrm>
+          <a:prstGeom prst="rect">
+            <a:avLst/>
+          </a:prstGeom>
+          <a:noFill/>
+        </p:spPr>
+        <p:txBody>
+          <a:bodyPr wrap="none" rtlCol="0">
+            <a:spAutoFit/>
+          </a:bodyPr>
+          <a:lstStyle/>
+          <a:p>
+            <a:r>
+              <a:rPr kumimoji="1" lang="ja-JP" altLang="en-US" dirty="0"/>
+              <a:t>ランク</a:t>
+            </a:r>
+            <a:r>
+              <a:rPr kumimoji="1" lang="en-US" altLang="ja-JP" dirty="0"/>
+              <a:t>1</a:t>
+            </a:r>
+            <a:endParaRPr kumimoji="1" lang="ja-JP" altLang="en-US" dirty="0"/>
+          </a:p>
+        </p:txBody>
+      </p:sp>
+      <p:sp>
+        <p:nvSpPr>
+          <p:cNvPr id="26" name="テキスト ボックス 25">
+            <a:extLst>
+              <a:ext uri="{FF2B5EF4-FFF2-40B4-BE49-F238E27FC236}">
+                <a16:creationId xmlns:a16="http://schemas.microsoft.com/office/drawing/2014/main" id="{F71DCD5E-AAD6-4B62-8895-DA1D8FE4F73B}"/>
+              </a:ext>
+            </a:extLst>
+          </p:cNvPr>
+          <p:cNvSpPr txBox="1"/>
+          <p:nvPr/>
+        </p:nvSpPr>
+        <p:spPr>
+          <a:xfrm>
+            <a:off x="9865404" y="3385861"/>
+            <a:ext cx="1005403" cy="369332"/>
+          </a:xfrm>
+          <a:prstGeom prst="rect">
+            <a:avLst/>
+          </a:prstGeom>
+          <a:noFill/>
+        </p:spPr>
+        <p:txBody>
+          <a:bodyPr wrap="none" rtlCol="0">
+            <a:spAutoFit/>
+          </a:bodyPr>
+          <a:lstStyle/>
+          <a:p>
+            <a:r>
+              <a:rPr kumimoji="1" lang="ja-JP" altLang="en-US" dirty="0"/>
+              <a:t>ランク</a:t>
+            </a:r>
+            <a:r>
+              <a:rPr lang="en-US" altLang="ja-JP" dirty="0"/>
+              <a:t>2</a:t>
+            </a:r>
+            <a:endParaRPr kumimoji="1" lang="ja-JP" altLang="en-US" dirty="0"/>
+          </a:p>
+        </p:txBody>
+      </p:sp>
+      <p:sp>
+        <p:nvSpPr>
+          <p:cNvPr id="27" name="テキスト ボックス 26">
+            <a:extLst>
+              <a:ext uri="{FF2B5EF4-FFF2-40B4-BE49-F238E27FC236}">
+                <a16:creationId xmlns:a16="http://schemas.microsoft.com/office/drawing/2014/main" id="{1D012F41-2218-49D2-A5E2-D43580FD2438}"/>
+              </a:ext>
+            </a:extLst>
+          </p:cNvPr>
+          <p:cNvSpPr txBox="1"/>
+          <p:nvPr/>
+        </p:nvSpPr>
+        <p:spPr>
+          <a:xfrm>
+            <a:off x="9865405" y="3908977"/>
+            <a:ext cx="1005403" cy="369332"/>
+          </a:xfrm>
+          <a:prstGeom prst="rect">
+            <a:avLst/>
+          </a:prstGeom>
+          <a:noFill/>
+        </p:spPr>
+        <p:txBody>
+          <a:bodyPr wrap="none" rtlCol="0">
+            <a:spAutoFit/>
+          </a:bodyPr>
+          <a:lstStyle/>
+          <a:p>
+            <a:r>
+              <a:rPr kumimoji="1" lang="ja-JP" altLang="en-US" dirty="0"/>
+              <a:t>ランク</a:t>
+            </a:r>
+            <a:r>
+              <a:rPr lang="en-US" altLang="ja-JP" dirty="0"/>
+              <a:t>3</a:t>
+            </a:r>
+            <a:endParaRPr kumimoji="1" lang="ja-JP" altLang="en-US" dirty="0"/>
+          </a:p>
+        </p:txBody>
+      </p:sp>
+      <p:sp>
+        <p:nvSpPr>
+          <p:cNvPr id="28" name="テキスト ボックス 27">
+            <a:extLst>
+              <a:ext uri="{FF2B5EF4-FFF2-40B4-BE49-F238E27FC236}">
+                <a16:creationId xmlns:a16="http://schemas.microsoft.com/office/drawing/2014/main" id="{D630EE2D-8217-407C-854F-C061D042481A}"/>
+              </a:ext>
+            </a:extLst>
+          </p:cNvPr>
+          <p:cNvSpPr txBox="1"/>
+          <p:nvPr/>
+        </p:nvSpPr>
+        <p:spPr>
+          <a:xfrm>
+            <a:off x="9865406" y="5762601"/>
+            <a:ext cx="2031325" cy="369332"/>
+          </a:xfrm>
+          <a:prstGeom prst="rect">
+            <a:avLst/>
+          </a:prstGeom>
+          <a:noFill/>
+        </p:spPr>
+        <p:txBody>
+          <a:bodyPr wrap="none" rtlCol="0">
+            <a:spAutoFit/>
+          </a:bodyPr>
+          <a:lstStyle/>
+          <a:p>
+            <a:r>
+              <a:rPr lang="ja-JP" altLang="en-US" dirty="0"/>
+              <a:t>次世代（大変異）</a:t>
+            </a:r>
+            <a:endParaRPr kumimoji="1" lang="ja-JP" altLang="en-US" dirty="0"/>
+          </a:p>
+        </p:txBody>
+      </p:sp>
+      <p:sp>
+        <p:nvSpPr>
+          <p:cNvPr id="29" name="正方形/長方形 28">
+            <a:extLst>
+              <a:ext uri="{FF2B5EF4-FFF2-40B4-BE49-F238E27FC236}">
+                <a16:creationId xmlns:a16="http://schemas.microsoft.com/office/drawing/2014/main" id="{B3BA4AD5-88FD-470F-814E-75F99DB177D3}"/>
+              </a:ext>
+            </a:extLst>
+          </p:cNvPr>
+          <p:cNvSpPr/>
+          <p:nvPr/>
+        </p:nvSpPr>
+        <p:spPr>
+          <a:xfrm>
+            <a:off x="1559169" y="5144640"/>
+            <a:ext cx="1294229" cy="362243"/>
+          </a:xfrm>
+          <a:prstGeom prst="rect">
+            <a:avLst/>
+          </a:prstGeom>
+          <a:solidFill>
+            <a:srgbClr val="00B050"/>
+          </a:solidFill>
+          <a:ln>
+            <a:solidFill>
+              <a:schemeClr val="tx1"/>
+            </a:solidFill>
+          </a:ln>
+        </p:spPr>
+        <p:style>
+          <a:lnRef idx="2">
+            <a:schemeClr val="accent1">
+              <a:shade val="50000"/>
+            </a:schemeClr>
+          </a:lnRef>
+          <a:fillRef idx="1">
+            <a:schemeClr val="accent1"/>
+          </a:fillRef>
+          <a:effectRef idx="0">
+            <a:schemeClr val="accent1"/>
+          </a:effectRef>
+          <a:fontRef idx="minor">
+            <a:schemeClr val="lt1"/>
+          </a:fontRef>
+        </p:style>
+        <p:txBody>
+          <a:bodyPr rtlCol="0" anchor="ctr"/>
+          <a:lstStyle/>
+          <a:p>
+            <a:pPr algn="ctr"/>
+            <a:endParaRPr kumimoji="1" lang="ja-JP" altLang="en-US"/>
+          </a:p>
+        </p:txBody>
+      </p:sp>
+      <p:sp>
+        <p:nvSpPr>
+          <p:cNvPr id="30" name="正方形/長方形 29">
+            <a:extLst>
+              <a:ext uri="{FF2B5EF4-FFF2-40B4-BE49-F238E27FC236}">
+                <a16:creationId xmlns:a16="http://schemas.microsoft.com/office/drawing/2014/main" id="{4B0E475F-C162-4D03-B44D-C515D804E5A8}"/>
+              </a:ext>
+            </a:extLst>
+          </p:cNvPr>
+          <p:cNvSpPr/>
+          <p:nvPr/>
+        </p:nvSpPr>
+        <p:spPr>
+          <a:xfrm>
+            <a:off x="2865121" y="5144640"/>
+            <a:ext cx="1294229" cy="362243"/>
+          </a:xfrm>
+          <a:prstGeom prst="rect">
+            <a:avLst/>
+          </a:prstGeom>
+          <a:ln>
+            <a:solidFill>
+              <a:schemeClr val="tx1"/>
+            </a:solidFill>
+          </a:ln>
+        </p:spPr>
+        <p:style>
+          <a:lnRef idx="2">
+            <a:schemeClr val="accent1">
+              <a:shade val="50000"/>
+            </a:schemeClr>
+          </a:lnRef>
+          <a:fillRef idx="1">
+            <a:schemeClr val="accent1"/>
+          </a:fillRef>
+          <a:effectRef idx="0">
+            <a:schemeClr val="accent1"/>
+          </a:effectRef>
+          <a:fontRef idx="minor">
+            <a:schemeClr val="lt1"/>
+          </a:fontRef>
+        </p:style>
+        <p:txBody>
+          <a:bodyPr rtlCol="0" anchor="ctr"/>
+          <a:lstStyle/>
+          <a:p>
+            <a:pPr algn="ctr"/>
+            <a:endParaRPr kumimoji="1" lang="ja-JP" altLang="en-US"/>
+          </a:p>
+        </p:txBody>
+      </p:sp>
+      <p:sp>
+        <p:nvSpPr>
+          <p:cNvPr id="31" name="正方形/長方形 30">
+            <a:extLst>
+              <a:ext uri="{FF2B5EF4-FFF2-40B4-BE49-F238E27FC236}">
+                <a16:creationId xmlns:a16="http://schemas.microsoft.com/office/drawing/2014/main" id="{5AAA2D17-F05D-4FCA-AB2F-EEB16BAE9A6B}"/>
+              </a:ext>
+            </a:extLst>
+          </p:cNvPr>
+          <p:cNvSpPr/>
+          <p:nvPr/>
+        </p:nvSpPr>
+        <p:spPr>
+          <a:xfrm>
+            <a:off x="8032652" y="5144640"/>
+            <a:ext cx="1294229" cy="362243"/>
+          </a:xfrm>
+          <a:prstGeom prst="rect">
+            <a:avLst/>
+          </a:prstGeom>
+          <a:solidFill>
+            <a:srgbClr val="FFFF00"/>
+          </a:solidFill>
+          <a:ln>
+            <a:solidFill>
+              <a:schemeClr val="tx1"/>
+            </a:solidFill>
+          </a:ln>
+        </p:spPr>
+        <p:style>
+          <a:lnRef idx="2">
+            <a:schemeClr val="accent1">
+              <a:shade val="50000"/>
+            </a:schemeClr>
+          </a:lnRef>
+          <a:fillRef idx="1">
+            <a:schemeClr val="accent1"/>
+          </a:fillRef>
+          <a:effectRef idx="0">
+            <a:schemeClr val="accent1"/>
+          </a:effectRef>
+          <a:fontRef idx="minor">
+            <a:schemeClr val="lt1"/>
+          </a:fontRef>
+        </p:style>
+        <p:txBody>
+          <a:bodyPr rtlCol="0" anchor="ctr"/>
+          <a:lstStyle/>
+          <a:p>
+            <a:pPr algn="ctr"/>
+            <a:endParaRPr kumimoji="1" lang="ja-JP" altLang="en-US"/>
+          </a:p>
+        </p:txBody>
+      </p:sp>
+      <p:sp>
+        <p:nvSpPr>
+          <p:cNvPr id="32" name="正方形/長方形 31">
+            <a:extLst>
+              <a:ext uri="{FF2B5EF4-FFF2-40B4-BE49-F238E27FC236}">
+                <a16:creationId xmlns:a16="http://schemas.microsoft.com/office/drawing/2014/main" id="{18672AD8-FF3A-4C80-BCE4-77D7C31FE350}"/>
+              </a:ext>
+            </a:extLst>
+          </p:cNvPr>
+          <p:cNvSpPr/>
+          <p:nvPr/>
+        </p:nvSpPr>
+        <p:spPr>
+          <a:xfrm>
+            <a:off x="5479365" y="5144640"/>
+            <a:ext cx="1294229" cy="362243"/>
+          </a:xfrm>
+          <a:prstGeom prst="rect">
+            <a:avLst/>
+          </a:prstGeom>
+          <a:solidFill>
+            <a:srgbClr val="FF0000"/>
+          </a:solidFill>
+          <a:ln>
+            <a:solidFill>
+              <a:schemeClr val="tx1"/>
+            </a:solidFill>
+          </a:ln>
+        </p:spPr>
+        <p:style>
+          <a:lnRef idx="2">
+            <a:schemeClr val="accent1">
+              <a:shade val="50000"/>
+            </a:schemeClr>
+          </a:lnRef>
+          <a:fillRef idx="1">
+            <a:schemeClr val="accent1"/>
+          </a:fillRef>
+          <a:effectRef idx="0">
+            <a:schemeClr val="accent1"/>
+          </a:effectRef>
+          <a:fontRef idx="minor">
+            <a:schemeClr val="lt1"/>
+          </a:fontRef>
+        </p:style>
+        <p:txBody>
+          <a:bodyPr rtlCol="0" anchor="ctr"/>
+          <a:lstStyle/>
+          <a:p>
+            <a:pPr algn="ctr"/>
+            <a:endParaRPr kumimoji="1" lang="ja-JP" altLang="en-US"/>
+          </a:p>
+        </p:txBody>
+      </p:sp>
+      <p:sp>
+        <p:nvSpPr>
+          <p:cNvPr id="33" name="正方形/長方形 32">
+            <a:extLst>
+              <a:ext uri="{FF2B5EF4-FFF2-40B4-BE49-F238E27FC236}">
+                <a16:creationId xmlns:a16="http://schemas.microsoft.com/office/drawing/2014/main" id="{FA0A2700-89C1-4F02-873E-18721FB27167}"/>
+              </a:ext>
+            </a:extLst>
+          </p:cNvPr>
+          <p:cNvSpPr/>
+          <p:nvPr/>
+        </p:nvSpPr>
+        <p:spPr>
+          <a:xfrm>
+            <a:off x="4182796" y="5144640"/>
+            <a:ext cx="1294229" cy="362243"/>
+          </a:xfrm>
+          <a:prstGeom prst="rect">
+            <a:avLst/>
+          </a:prstGeom>
+          <a:solidFill>
+            <a:srgbClr val="FF0000"/>
+          </a:solidFill>
+          <a:ln>
+            <a:solidFill>
+              <a:schemeClr val="tx1"/>
+            </a:solidFill>
+          </a:ln>
+        </p:spPr>
+        <p:style>
+          <a:lnRef idx="2">
+            <a:schemeClr val="accent1">
+              <a:shade val="50000"/>
+            </a:schemeClr>
+          </a:lnRef>
+          <a:fillRef idx="1">
+            <a:schemeClr val="accent1"/>
+          </a:fillRef>
+          <a:effectRef idx="0">
+            <a:schemeClr val="accent1"/>
+          </a:effectRef>
+          <a:fontRef idx="minor">
+            <a:schemeClr val="lt1"/>
+          </a:fontRef>
+        </p:style>
+        <p:txBody>
+          <a:bodyPr rtlCol="0" anchor="ctr"/>
+          <a:lstStyle/>
+          <a:p>
+            <a:pPr algn="ctr"/>
+            <a:endParaRPr kumimoji="1" lang="ja-JP" altLang="en-US"/>
+          </a:p>
+        </p:txBody>
+      </p:sp>
+      <p:sp>
+        <p:nvSpPr>
           <p:cNvPr id="34" name="テキスト ボックス 33">
             <a:extLst>
               <a:ext uri="{FF2B5EF4-FFF2-40B4-BE49-F238E27FC236}">
@@ -11967,7 +12307,7 @@
 </p:sld>
 </file>
 
-<file path=ppt/slides/slide8.xml><?xml version="1.0" encoding="utf-8"?>
+<file path=ppt/slides/slide9.xml><?xml version="1.0" encoding="utf-8"?>
 <p:sld xmlns:a="http://schemas.openxmlformats.org/drawingml/2006/main" xmlns:r="http://schemas.openxmlformats.org/officeDocument/2006/relationships" xmlns:p="http://schemas.openxmlformats.org/presentationml/2006/main">
   <p:cSld>
     <p:spTree>
@@ -12394,104 +12734,6 @@
       </p:par>
     </p:tnLst>
   </p:timing>
-</p:sld>
-</file>
-
-<file path=ppt/slides/slide9.xml><?xml version="1.0" encoding="utf-8"?>
-<p:sld xmlns:a="http://schemas.openxmlformats.org/drawingml/2006/main" xmlns:r="http://schemas.openxmlformats.org/officeDocument/2006/relationships" xmlns:p="http://schemas.openxmlformats.org/presentationml/2006/main">
-  <p:cSld>
-    <p:spTree>
-      <p:nvGrpSpPr>
-        <p:cNvPr id="1" name=""/>
-        <p:cNvGrpSpPr/>
-        <p:nvPr/>
-      </p:nvGrpSpPr>
-      <p:grpSpPr>
-        <a:xfrm>
-          <a:off x="0" y="0"/>
-          <a:ext cx="0" cy="0"/>
-          <a:chOff x="0" y="0"/>
-          <a:chExt cx="0" cy="0"/>
-        </a:xfrm>
-      </p:grpSpPr>
-      <p:sp>
-        <p:nvSpPr>
-          <p:cNvPr id="2" name="タイトル 1">
-            <a:extLst>
-              <a:ext uri="{FF2B5EF4-FFF2-40B4-BE49-F238E27FC236}">
-                <a16:creationId xmlns:a16="http://schemas.microsoft.com/office/drawing/2014/main" id="{8659B496-85E1-4820-9D49-43AFBF621C3D}"/>
-              </a:ext>
-            </a:extLst>
-          </p:cNvPr>
-          <p:cNvSpPr>
-            <a:spLocks noGrp="1"/>
-          </p:cNvSpPr>
-          <p:nvPr>
-            <p:ph type="title"/>
-          </p:nvPr>
-        </p:nvSpPr>
-        <p:spPr>
-          <a:xfrm>
-            <a:off x="1097280" y="286603"/>
-            <a:ext cx="10058400" cy="1023213"/>
-          </a:xfrm>
-        </p:spPr>
-        <p:txBody>
-          <a:bodyPr>
-            <a:normAutofit/>
-          </a:bodyPr>
-          <a:lstStyle/>
-          <a:p>
-            <a:pPr algn="ctr"/>
-            <a:r>
-              <a:rPr lang="ja-JP" altLang="en-US" sz="6000" dirty="0"/>
-              <a:t>結果</a:t>
-            </a:r>
-            <a:endParaRPr kumimoji="1" lang="ja-JP" altLang="en-US" sz="6000" dirty="0"/>
-          </a:p>
-        </p:txBody>
-      </p:sp>
-      <p:graphicFrame>
-        <p:nvGraphicFramePr>
-          <p:cNvPr id="6" name="コンテンツ プレースホルダー 5">
-            <a:extLst>
-              <a:ext uri="{FF2B5EF4-FFF2-40B4-BE49-F238E27FC236}">
-                <a16:creationId xmlns:a16="http://schemas.microsoft.com/office/drawing/2014/main" id="{602B0797-A5D2-4D6A-B6DF-77D4D5E02570}"/>
-              </a:ext>
-            </a:extLst>
-          </p:cNvPr>
-          <p:cNvGraphicFramePr>
-            <a:graphicFrameLocks noGrp="1"/>
-          </p:cNvGraphicFramePr>
-          <p:nvPr>
-            <p:ph idx="1"/>
-            <p:extLst>
-              <p:ext uri="{D42A27DB-BD31-4B8C-83A1-F6EECF244321}">
-                <p14:modId xmlns:p14="http://schemas.microsoft.com/office/powerpoint/2010/main" val="66506019"/>
-              </p:ext>
-            </p:extLst>
-          </p:nvPr>
-        </p:nvGraphicFramePr>
-        <p:xfrm>
-          <a:off x="1096963" y="1531938"/>
-          <a:ext cx="10058400" cy="5038725"/>
-        </p:xfrm>
-        <a:graphic>
-          <a:graphicData uri="http://schemas.openxmlformats.org/drawingml/2006/chart">
-            <c:chart xmlns:c="http://schemas.openxmlformats.org/drawingml/2006/chart" xmlns:r="http://schemas.openxmlformats.org/officeDocument/2006/relationships" r:id="rId2"/>
-          </a:graphicData>
-        </a:graphic>
-      </p:graphicFrame>
-    </p:spTree>
-    <p:extLst>
-      <p:ext uri="{BB962C8B-B14F-4D97-AF65-F5344CB8AC3E}">
-        <p14:creationId xmlns:p14="http://schemas.microsoft.com/office/powerpoint/2010/main" val="1060605462"/>
-      </p:ext>
-    </p:extLst>
-  </p:cSld>
-  <p:clrMapOvr>
-    <a:masterClrMapping/>
-  </p:clrMapOvr>
 </p:sld>
 </file>
 
